--- a/Recitations/9-12.pptx
+++ b/Recitations/9-12.pptx
@@ -146,6 +146,10 @@
 </p:presentation>
 </file>
 
+<file path=ppt/revisionInfo.xml><?xml version="1.0" encoding="utf-8"?>
+<p1510:revInfo xmlns:a="http://schemas.openxmlformats.org/drawingml/2006/main" xmlns:r="http://schemas.openxmlformats.org/officeDocument/2006/relationships" xmlns:p1510="http://schemas.microsoft.com/office/powerpoint/2015/10/main"/>
+</file>
+
 <file path=ppt/notesMasters/notesMaster1.xml><?xml version="1.0" encoding="utf-8"?>
 <p:notesMaster xmlns:a="http://schemas.openxmlformats.org/drawingml/2006/main" xmlns:r="http://schemas.openxmlformats.org/officeDocument/2006/relationships" xmlns:p="http://schemas.openxmlformats.org/presentationml/2006/main">
   <p:cSld>
@@ -292,38 +296,37 @@
           <a:p>
             <a:pPr lvl="0"/>
             <a:r>
-              <a:rPr lang="zh-CN" altLang="en-US" smtClean="0"/>
+              <a:rPr lang="zh-CN" altLang="en-US"/>
               <a:t>单击此处编辑母版文本样式</a:t>
             </a:r>
           </a:p>
           <a:p>
             <a:pPr lvl="1"/>
             <a:r>
-              <a:rPr lang="zh-CN" altLang="en-US" smtClean="0"/>
+              <a:rPr lang="zh-CN" altLang="en-US"/>
               <a:t>第二级</a:t>
             </a:r>
           </a:p>
           <a:p>
             <a:pPr lvl="2"/>
             <a:r>
-              <a:rPr lang="zh-CN" altLang="en-US" smtClean="0"/>
+              <a:rPr lang="zh-CN" altLang="en-US"/>
               <a:t>第三级</a:t>
             </a:r>
           </a:p>
           <a:p>
             <a:pPr lvl="3"/>
             <a:r>
-              <a:rPr lang="zh-CN" altLang="en-US" smtClean="0"/>
+              <a:rPr lang="zh-CN" altLang="en-US"/>
               <a:t>第四级</a:t>
             </a:r>
           </a:p>
           <a:p>
             <a:pPr lvl="4"/>
             <a:r>
-              <a:rPr lang="zh-CN" altLang="en-US" smtClean="0"/>
+              <a:rPr lang="zh-CN" altLang="en-US"/>
               <a:t>第五级</a:t>
             </a:r>
-            <a:endParaRPr lang="zh-CN" altLang="en-US"/>
           </a:p>
         </p:txBody>
       </p:sp>
@@ -540,12 +543,8 @@
           <a:bodyPr/>
           <a:lstStyle/>
           <a:p>
-            <a:r>
-              <a:rPr lang="en-US" altLang="zh-CN" dirty="0" smtClean="0"/>
-              <a:t/>
-            </a:r>
             <a:br>
-              <a:rPr lang="en-US" altLang="zh-CN" dirty="0" smtClean="0"/>
+              <a:rPr lang="en-US" altLang="zh-CN" dirty="0"/>
             </a:br>
             <a:endParaRPr lang="zh-CN" altLang="en-US" dirty="0"/>
           </a:p>
@@ -631,12 +630,8 @@
           <a:bodyPr/>
           <a:lstStyle/>
           <a:p>
-            <a:r>
-              <a:rPr lang="en-US" altLang="zh-CN" smtClean="0"/>
-              <a:t/>
-            </a:r>
             <a:br>
-              <a:rPr lang="en-US" altLang="zh-CN" smtClean="0"/>
+              <a:rPr lang="en-US" altLang="zh-CN"/>
             </a:br>
             <a:endParaRPr lang="zh-CN" altLang="en-US" dirty="0"/>
           </a:p>
@@ -723,7 +718,7 @@
           <a:lstStyle/>
           <a:p>
             <a:r>
-              <a:rPr lang="zh-CN" altLang="en-US" sz="1200" b="0" i="0" kern="1200" dirty="0" smtClean="0">
+              <a:rPr lang="zh-CN" altLang="en-US" sz="1200" b="0" i="0" kern="1200" dirty="0">
                 <a:solidFill>
                   <a:schemeClr val="tx1"/>
                 </a:solidFill>
@@ -735,7 +730,7 @@
               <a:t>在</a:t>
             </a:r>
             <a:r>
-              <a:rPr lang="en-US" altLang="zh-CN" sz="1200" b="0" i="0" kern="1200" dirty="0" smtClean="0">
+              <a:rPr lang="en-US" altLang="zh-CN" sz="1200" b="0" i="0" kern="1200" dirty="0">
                 <a:solidFill>
                   <a:schemeClr val="tx1"/>
                 </a:solidFill>
@@ -747,7 +742,7 @@
               <a:t>C</a:t>
             </a:r>
             <a:r>
-              <a:rPr lang="zh-CN" altLang="en-US" sz="1200" b="0" i="0" kern="1200" dirty="0" smtClean="0">
+              <a:rPr lang="zh-CN" altLang="en-US" sz="1200" b="0" i="0" kern="1200" dirty="0">
                 <a:solidFill>
                   <a:schemeClr val="tx1"/>
                 </a:solidFill>
@@ -758,15 +753,11 @@
               </a:rPr>
               <a:t>程序中包含文件有以下两种方法：</a:t>
             </a:r>
-            <a:r>
-              <a:rPr lang="zh-CN" altLang="en-US" dirty="0" smtClean="0"/>
-              <a:t/>
-            </a:r>
             <a:br>
-              <a:rPr lang="zh-CN" altLang="en-US" dirty="0" smtClean="0"/>
+              <a:rPr lang="zh-CN" altLang="en-US" dirty="0"/>
             </a:br>
             <a:r>
-              <a:rPr lang="en-US" altLang="zh-CN" sz="1200" b="0" i="0" kern="1200" dirty="0" smtClean="0">
+              <a:rPr lang="en-US" altLang="zh-CN" sz="1200" b="0" i="0" kern="1200" dirty="0">
                 <a:solidFill>
                   <a:schemeClr val="tx1"/>
                 </a:solidFill>
@@ -778,7 +769,7 @@
               <a:t>(1)</a:t>
             </a:r>
             <a:r>
-              <a:rPr lang="zh-CN" altLang="en-US" sz="1200" b="0" i="0" kern="1200" dirty="0" smtClean="0">
+              <a:rPr lang="zh-CN" altLang="en-US" sz="1200" b="0" i="0" kern="1200" dirty="0">
                 <a:solidFill>
                   <a:schemeClr val="tx1"/>
                 </a:solidFill>
@@ -790,7 +781,7 @@
               <a:t>用符号“</a:t>
             </a:r>
             <a:r>
-              <a:rPr lang="en-US" altLang="zh-CN" sz="1200" b="0" i="0" kern="1200" dirty="0" smtClean="0">
+              <a:rPr lang="en-US" altLang="zh-CN" sz="1200" b="0" i="0" kern="1200" dirty="0">
                 <a:solidFill>
                   <a:schemeClr val="tx1"/>
                 </a:solidFill>
@@ -802,7 +793,7 @@
               <a:t>&lt;”</a:t>
             </a:r>
             <a:r>
-              <a:rPr lang="zh-CN" altLang="en-US" sz="1200" b="0" i="0" kern="1200" dirty="0" smtClean="0">
+              <a:rPr lang="zh-CN" altLang="en-US" sz="1200" b="0" i="0" kern="1200" dirty="0">
                 <a:solidFill>
                   <a:schemeClr val="tx1"/>
                 </a:solidFill>
@@ -814,7 +805,7 @@
               <a:t>和“</a:t>
             </a:r>
             <a:r>
-              <a:rPr lang="en-US" altLang="zh-CN" sz="1200" b="0" i="0" kern="1200" dirty="0" smtClean="0">
+              <a:rPr lang="en-US" altLang="zh-CN" sz="1200" b="0" i="0" kern="1200" dirty="0">
                 <a:solidFill>
                   <a:schemeClr val="tx1"/>
                 </a:solidFill>
@@ -826,7 +817,7 @@
               <a:t>&gt;”</a:t>
             </a:r>
             <a:r>
-              <a:rPr lang="zh-CN" altLang="en-US" sz="1200" b="0" i="0" kern="1200" dirty="0" smtClean="0">
+              <a:rPr lang="zh-CN" altLang="en-US" sz="1200" b="0" i="0" kern="1200" dirty="0">
                 <a:solidFill>
                   <a:schemeClr val="tx1"/>
                 </a:solidFill>
@@ -838,7 +829,7 @@
               <a:t>将要包含的文件的文件名括起来。这种方法指示预处理程序到预定义的缺省路径下寻找文件。预定义的缺省路径通常是在</a:t>
             </a:r>
             <a:r>
-              <a:rPr lang="en-US" altLang="zh-CN" sz="1200" b="0" i="0" kern="1200" dirty="0" smtClean="0">
+              <a:rPr lang="en-US" altLang="zh-CN" sz="1200" b="0" i="0" kern="1200" dirty="0">
                 <a:solidFill>
                   <a:schemeClr val="tx1"/>
                 </a:solidFill>
@@ -850,7 +841,7 @@
               <a:t>INCLUDE</a:t>
             </a:r>
             <a:r>
-              <a:rPr lang="zh-CN" altLang="en-US" sz="1200" b="0" i="0" kern="1200" dirty="0" smtClean="0">
+              <a:rPr lang="zh-CN" altLang="en-US" sz="1200" b="0" i="0" kern="1200" dirty="0">
                 <a:solidFill>
                   <a:schemeClr val="tx1"/>
                 </a:solidFill>
@@ -861,15 +852,11 @@
               </a:rPr>
               <a:t>环境变量中指定的，请看下例：   </a:t>
             </a:r>
-            <a:r>
-              <a:rPr lang="zh-CN" altLang="en-US" dirty="0" smtClean="0"/>
-              <a:t/>
-            </a:r>
             <a:br>
-              <a:rPr lang="zh-CN" altLang="en-US" dirty="0" smtClean="0"/>
+              <a:rPr lang="zh-CN" altLang="en-US" dirty="0"/>
             </a:br>
             <a:r>
-              <a:rPr lang="zh-CN" altLang="en-US" sz="1200" b="0" i="0" kern="1200" dirty="0" smtClean="0">
+              <a:rPr lang="zh-CN" altLang="en-US" sz="1200" b="0" i="0" kern="1200" dirty="0">
                 <a:solidFill>
                   <a:schemeClr val="tx1"/>
                 </a:solidFill>
@@ -881,7 +868,7 @@
               <a:t>    </a:t>
             </a:r>
             <a:r>
-              <a:rPr lang="en-US" altLang="zh-CN" sz="1200" b="0" i="0" kern="1200" dirty="0" smtClean="0">
+              <a:rPr lang="en-US" altLang="zh-CN" sz="1200" b="0" i="0" kern="1200" dirty="0">
                 <a:solidFill>
                   <a:schemeClr val="tx1"/>
                 </a:solidFill>
@@ -893,7 +880,7 @@
               <a:t>INCLUDE=C:\COMPILER\INCLUDE</a:t>
             </a:r>
             <a:r>
-              <a:rPr lang="zh-CN" altLang="en-US" sz="1200" b="0" i="0" kern="1200" dirty="0" smtClean="0">
+              <a:rPr lang="zh-CN" altLang="en-US" sz="1200" b="0" i="0" kern="1200" dirty="0">
                 <a:solidFill>
                   <a:schemeClr val="tx1"/>
                 </a:solidFill>
@@ -905,7 +892,7 @@
               <a:t>；</a:t>
             </a:r>
             <a:r>
-              <a:rPr lang="en-US" altLang="zh-CN" sz="1200" b="0" i="0" kern="1200" dirty="0" smtClean="0">
+              <a:rPr lang="en-US" altLang="zh-CN" sz="1200" b="0" i="0" kern="1200" dirty="0">
                 <a:solidFill>
                   <a:schemeClr val="tx1"/>
                 </a:solidFill>
@@ -917,7 +904,7 @@
               <a:t>S:\SOURCE\HEADERS</a:t>
             </a:r>
             <a:r>
-              <a:rPr lang="zh-CN" altLang="en-US" sz="1200" b="0" i="0" kern="1200" dirty="0" smtClean="0">
+              <a:rPr lang="zh-CN" altLang="en-US" sz="1200" b="0" i="0" kern="1200" dirty="0">
                 <a:solidFill>
                   <a:schemeClr val="tx1"/>
                 </a:solidFill>
@@ -928,15 +915,11 @@
               </a:rPr>
               <a:t>；</a:t>
             </a:r>
-            <a:r>
-              <a:rPr lang="zh-CN" altLang="en-US" dirty="0" smtClean="0"/>
-              <a:t/>
-            </a:r>
             <a:br>
-              <a:rPr lang="zh-CN" altLang="en-US" dirty="0" smtClean="0"/>
+              <a:rPr lang="zh-CN" altLang="en-US" dirty="0"/>
             </a:br>
             <a:r>
-              <a:rPr lang="zh-CN" altLang="en-US" sz="1200" b="0" i="0" kern="1200" dirty="0" smtClean="0">
+              <a:rPr lang="zh-CN" altLang="en-US" sz="1200" b="0" i="0" kern="1200" dirty="0">
                 <a:solidFill>
                   <a:schemeClr val="tx1"/>
                 </a:solidFill>
@@ -948,7 +931,7 @@
               <a:t>对于上述</a:t>
             </a:r>
             <a:r>
-              <a:rPr lang="en-US" altLang="zh-CN" sz="1200" b="0" i="0" kern="1200" dirty="0" smtClean="0">
+              <a:rPr lang="en-US" altLang="zh-CN" sz="1200" b="0" i="0" kern="1200" dirty="0">
                 <a:solidFill>
                   <a:schemeClr val="tx1"/>
                 </a:solidFill>
@@ -960,7 +943,7 @@
               <a:t>INCLUDE</a:t>
             </a:r>
             <a:r>
-              <a:rPr lang="zh-CN" altLang="en-US" sz="1200" b="0" i="0" kern="1200" dirty="0" smtClean="0">
+              <a:rPr lang="zh-CN" altLang="en-US" sz="1200" b="0" i="0" kern="1200" dirty="0">
                 <a:solidFill>
                   <a:schemeClr val="tx1"/>
                 </a:solidFill>
@@ -972,7 +955,7 @@
               <a:t>环境变量，如果用</a:t>
             </a:r>
             <a:r>
-              <a:rPr lang="en-US" altLang="zh-CN" sz="1200" b="0" i="0" kern="1200" dirty="0" smtClean="0">
+              <a:rPr lang="en-US" altLang="zh-CN" sz="1200" b="0" i="0" kern="1200" dirty="0">
                 <a:solidFill>
                   <a:schemeClr val="tx1"/>
                 </a:solidFill>
@@ -984,7 +967,7 @@
               <a:t>#include&lt;file&gt;</a:t>
             </a:r>
             <a:r>
-              <a:rPr lang="zh-CN" altLang="en-US" sz="1200" b="0" i="0" kern="1200" dirty="0" smtClean="0">
+              <a:rPr lang="zh-CN" altLang="en-US" sz="1200" b="0" i="0" kern="1200" dirty="0">
                 <a:solidFill>
                   <a:schemeClr val="tx1"/>
                 </a:solidFill>
@@ -996,7 +979,7 @@
               <a:t>语句包含文件，编译程序将首先到</a:t>
             </a:r>
             <a:r>
-              <a:rPr lang="en-US" altLang="zh-CN" sz="1200" b="0" i="0" kern="1200" dirty="0" smtClean="0">
+              <a:rPr lang="en-US" altLang="zh-CN" sz="1200" b="0" i="0" kern="1200" dirty="0">
                 <a:solidFill>
                   <a:schemeClr val="tx1"/>
                 </a:solidFill>
@@ -1008,7 +991,7 @@
               <a:t>C:\COMPILER\INCLUDE</a:t>
             </a:r>
             <a:r>
-              <a:rPr lang="zh-CN" altLang="en-US" sz="1200" b="0" i="0" kern="1200" dirty="0" smtClean="0">
+              <a:rPr lang="zh-CN" altLang="en-US" sz="1200" b="0" i="0" kern="1200" dirty="0">
                 <a:solidFill>
                   <a:schemeClr val="tx1"/>
                 </a:solidFill>
@@ -1020,7 +1003,7 @@
               <a:t>目录下寻找文件；如果未找到，则到</a:t>
             </a:r>
             <a:r>
-              <a:rPr lang="en-US" altLang="zh-CN" sz="1200" b="0" i="0" kern="1200" dirty="0" smtClean="0">
+              <a:rPr lang="en-US" altLang="zh-CN" sz="1200" b="0" i="0" kern="1200" dirty="0">
                 <a:solidFill>
                   <a:schemeClr val="tx1"/>
                 </a:solidFill>
@@ -1032,7 +1015,7 @@
               <a:t>S:\SOURCE\HEADERS</a:t>
             </a:r>
             <a:r>
-              <a:rPr lang="zh-CN" altLang="en-US" sz="1200" b="0" i="0" kern="1200" dirty="0" smtClean="0">
+              <a:rPr lang="zh-CN" altLang="en-US" sz="1200" b="0" i="0" kern="1200" dirty="0">
                 <a:solidFill>
                   <a:schemeClr val="tx1"/>
                 </a:solidFill>
@@ -1043,22 +1026,14 @@
               </a:rPr>
               <a:t>目录下继续寻找；如果还未找到，则到当前目录下继续寻找。   </a:t>
             </a:r>
-            <a:r>
-              <a:rPr lang="zh-CN" altLang="en-US" dirty="0" smtClean="0"/>
-              <a:t/>
-            </a:r>
             <a:br>
-              <a:rPr lang="zh-CN" altLang="en-US" dirty="0" smtClean="0"/>
+              <a:rPr lang="zh-CN" altLang="en-US" dirty="0"/>
             </a:br>
-            <a:r>
-              <a:rPr lang="zh-CN" altLang="en-US" dirty="0" smtClean="0"/>
-              <a:t/>
-            </a:r>
             <a:br>
-              <a:rPr lang="zh-CN" altLang="en-US" dirty="0" smtClean="0"/>
+              <a:rPr lang="zh-CN" altLang="en-US" dirty="0"/>
             </a:br>
             <a:r>
-              <a:rPr lang="en-US" altLang="zh-CN" sz="1200" b="0" i="0" kern="1200" dirty="0" smtClean="0">
+              <a:rPr lang="en-US" altLang="zh-CN" sz="1200" b="0" i="0" kern="1200" dirty="0">
                 <a:solidFill>
                   <a:schemeClr val="tx1"/>
                 </a:solidFill>
@@ -1070,7 +1045,7 @@
               <a:t>(2)</a:t>
             </a:r>
             <a:r>
-              <a:rPr lang="zh-CN" altLang="en-US" sz="1200" b="0" i="0" kern="1200" dirty="0" smtClean="0">
+              <a:rPr lang="zh-CN" altLang="en-US" sz="1200" b="0" i="0" kern="1200" dirty="0">
                 <a:solidFill>
                   <a:schemeClr val="tx1"/>
                 </a:solidFill>
@@ -1081,22 +1056,14 @@
               </a:rPr>
               <a:t>用双引号将要包含的文件的文件名括起来。这种方法指示预处理程序先到当前目录下寻找文件，再到预定义的缺省路径下寻找文件。   </a:t>
             </a:r>
-            <a:r>
-              <a:rPr lang="zh-CN" altLang="en-US" dirty="0" smtClean="0"/>
-              <a:t/>
-            </a:r>
             <a:br>
-              <a:rPr lang="zh-CN" altLang="en-US" dirty="0" smtClean="0"/>
+              <a:rPr lang="zh-CN" altLang="en-US" dirty="0"/>
             </a:br>
-            <a:r>
-              <a:rPr lang="zh-CN" altLang="en-US" dirty="0" smtClean="0"/>
-              <a:t/>
-            </a:r>
             <a:br>
-              <a:rPr lang="zh-CN" altLang="en-US" dirty="0" smtClean="0"/>
+              <a:rPr lang="zh-CN" altLang="en-US" dirty="0"/>
             </a:br>
             <a:r>
-              <a:rPr lang="zh-CN" altLang="en-US" sz="1200" b="0" i="0" kern="1200" dirty="0" smtClean="0">
+              <a:rPr lang="zh-CN" altLang="en-US" sz="1200" b="0" i="0" kern="1200" dirty="0">
                 <a:solidFill>
                   <a:schemeClr val="tx1"/>
                 </a:solidFill>
@@ -1108,7 +1075,7 @@
               <a:t>对于上例中的</a:t>
             </a:r>
             <a:r>
-              <a:rPr lang="en-US" altLang="zh-CN" sz="1200" b="0" i="0" kern="1200" dirty="0" smtClean="0">
+              <a:rPr lang="en-US" altLang="zh-CN" sz="1200" b="0" i="0" kern="1200" dirty="0">
                 <a:solidFill>
                   <a:schemeClr val="tx1"/>
                 </a:solidFill>
@@ -1120,7 +1087,7 @@
               <a:t>INCLUDE</a:t>
             </a:r>
             <a:r>
-              <a:rPr lang="zh-CN" altLang="en-US" sz="1200" b="0" i="0" kern="1200" dirty="0" smtClean="0">
+              <a:rPr lang="zh-CN" altLang="en-US" sz="1200" b="0" i="0" kern="1200" dirty="0">
                 <a:solidFill>
                   <a:schemeClr val="tx1"/>
                 </a:solidFill>
@@ -1132,7 +1099,7 @@
               <a:t>环境变量，如果用</a:t>
             </a:r>
             <a:r>
-              <a:rPr lang="en-US" altLang="zh-CN" sz="1200" b="0" i="0" kern="1200" dirty="0" smtClean="0">
+              <a:rPr lang="en-US" altLang="zh-CN" sz="1200" b="0" i="0" kern="1200" dirty="0">
                 <a:solidFill>
                   <a:schemeClr val="tx1"/>
                 </a:solidFill>
@@ -1144,7 +1111,7 @@
               <a:t>#</a:t>
             </a:r>
             <a:r>
-              <a:rPr lang="en-US" altLang="zh-CN" sz="1200" b="0" i="0" kern="1200" dirty="0" err="1" smtClean="0">
+              <a:rPr lang="en-US" altLang="zh-CN" sz="1200" b="0" i="0" kern="1200" dirty="0" err="1">
                 <a:solidFill>
                   <a:schemeClr val="tx1"/>
                 </a:solidFill>
@@ -1156,7 +1123,7 @@
               <a:t>include“file</a:t>
             </a:r>
             <a:r>
-              <a:rPr lang="en-US" altLang="zh-CN" sz="1200" b="0" i="0" kern="1200" dirty="0" smtClean="0">
+              <a:rPr lang="en-US" altLang="zh-CN" sz="1200" b="0" i="0" kern="1200" dirty="0">
                 <a:solidFill>
                   <a:schemeClr val="tx1"/>
                 </a:solidFill>
@@ -1168,7 +1135,7 @@
               <a:t>”</a:t>
             </a:r>
             <a:r>
-              <a:rPr lang="zh-CN" altLang="en-US" sz="1200" b="0" i="0" kern="1200" dirty="0" smtClean="0">
+              <a:rPr lang="zh-CN" altLang="en-US" sz="1200" b="0" i="0" kern="1200" dirty="0">
                 <a:solidFill>
                   <a:schemeClr val="tx1"/>
                 </a:solidFill>
@@ -1180,7 +1147,7 @@
               <a:t>语句包含文件，编译程序将首先到当前目录下寻找文件；如果未找到，则到</a:t>
             </a:r>
             <a:r>
-              <a:rPr lang="en-US" altLang="zh-CN" sz="1200" b="0" i="0" kern="1200" dirty="0" smtClean="0">
+              <a:rPr lang="en-US" altLang="zh-CN" sz="1200" b="0" i="0" kern="1200" dirty="0">
                 <a:solidFill>
                   <a:schemeClr val="tx1"/>
                 </a:solidFill>
@@ -1192,7 +1159,7 @@
               <a:t>C:\COMPILER\INCLUDE</a:t>
             </a:r>
             <a:r>
-              <a:rPr lang="zh-CN" altLang="en-US" sz="1200" b="0" i="0" kern="1200" dirty="0" smtClean="0">
+              <a:rPr lang="zh-CN" altLang="en-US" sz="1200" b="0" i="0" kern="1200" dirty="0">
                 <a:solidFill>
                   <a:schemeClr val="tx1"/>
                 </a:solidFill>
@@ -1204,7 +1171,7 @@
               <a:t>目录下继续寻找；如果还未找到，则到</a:t>
             </a:r>
             <a:r>
-              <a:rPr lang="en-US" altLang="zh-CN" sz="1200" b="0" i="0" kern="1200" dirty="0" smtClean="0">
+              <a:rPr lang="en-US" altLang="zh-CN" sz="1200" b="0" i="0" kern="1200" dirty="0">
                 <a:solidFill>
                   <a:schemeClr val="tx1"/>
                 </a:solidFill>
@@ -1216,7 +1183,7 @@
               <a:t>S:\SOURCE\HEADERS</a:t>
             </a:r>
             <a:r>
-              <a:rPr lang="zh-CN" altLang="en-US" sz="1200" b="0" i="0" kern="1200" dirty="0" smtClean="0">
+              <a:rPr lang="zh-CN" altLang="en-US" sz="1200" b="0" i="0" kern="1200" dirty="0">
                 <a:solidFill>
                   <a:schemeClr val="tx1"/>
                 </a:solidFill>
@@ -1227,22 +1194,14 @@
               </a:rPr>
               <a:t>目录下继续寻找。</a:t>
             </a:r>
-            <a:r>
-              <a:rPr lang="zh-CN" altLang="en-US" dirty="0" smtClean="0"/>
-              <a:t/>
-            </a:r>
             <a:br>
-              <a:rPr lang="zh-CN" altLang="en-US" dirty="0" smtClean="0"/>
+              <a:rPr lang="zh-CN" altLang="en-US" dirty="0"/>
             </a:br>
-            <a:r>
-              <a:rPr lang="zh-CN" altLang="en-US" dirty="0" smtClean="0"/>
-              <a:t/>
-            </a:r>
             <a:br>
-              <a:rPr lang="zh-CN" altLang="en-US" dirty="0" smtClean="0"/>
+              <a:rPr lang="zh-CN" altLang="en-US" dirty="0"/>
             </a:br>
             <a:r>
-              <a:rPr lang="en-US" altLang="zh-CN" sz="1200" b="0" i="0" kern="1200" dirty="0" smtClean="0">
+              <a:rPr lang="en-US" altLang="zh-CN" sz="1200" b="0" i="0" kern="1200" dirty="0">
                 <a:solidFill>
                   <a:schemeClr val="tx1"/>
                 </a:solidFill>
@@ -1254,7 +1213,7 @@
               <a:t>#include&lt;file&gt;</a:t>
             </a:r>
             <a:r>
-              <a:rPr lang="zh-CN" altLang="en-US" sz="1200" b="0" i="0" kern="1200" dirty="0" smtClean="0">
+              <a:rPr lang="zh-CN" altLang="en-US" sz="1200" b="0" i="0" kern="1200" dirty="0">
                 <a:solidFill>
                   <a:schemeClr val="tx1"/>
                 </a:solidFill>
@@ -1266,7 +1225,7 @@
               <a:t>语句一般用来包含标准头文件</a:t>
             </a:r>
             <a:r>
-              <a:rPr lang="en-US" altLang="zh-CN" sz="1200" b="0" i="0" kern="1200" dirty="0" smtClean="0">
+              <a:rPr lang="en-US" altLang="zh-CN" sz="1200" b="0" i="0" kern="1200" dirty="0">
                 <a:solidFill>
                   <a:schemeClr val="tx1"/>
                 </a:solidFill>
@@ -1278,7 +1237,7 @@
               <a:t>(</a:t>
             </a:r>
             <a:r>
-              <a:rPr lang="zh-CN" altLang="en-US" sz="1200" b="0" i="0" kern="1200" dirty="0" smtClean="0">
+              <a:rPr lang="zh-CN" altLang="en-US" sz="1200" b="0" i="0" kern="1200" dirty="0">
                 <a:solidFill>
                   <a:schemeClr val="tx1"/>
                 </a:solidFill>
@@ -1290,7 +1249,7 @@
               <a:t>例如</a:t>
             </a:r>
             <a:r>
-              <a:rPr lang="en-US" altLang="zh-CN" sz="1200" b="0" i="0" kern="1200" dirty="0" err="1" smtClean="0">
+              <a:rPr lang="en-US" altLang="zh-CN" sz="1200" b="0" i="0" kern="1200" dirty="0" err="1">
                 <a:solidFill>
                   <a:schemeClr val="tx1"/>
                 </a:solidFill>
@@ -1302,7 +1261,7 @@
               <a:t>stdio.h</a:t>
             </a:r>
             <a:r>
-              <a:rPr lang="zh-CN" altLang="en-US" sz="1200" b="0" i="0" kern="1200" dirty="0" smtClean="0">
+              <a:rPr lang="zh-CN" altLang="en-US" sz="1200" b="0" i="0" kern="1200" dirty="0">
                 <a:solidFill>
                   <a:schemeClr val="tx1"/>
                 </a:solidFill>
@@ -1314,7 +1273,7 @@
               <a:t>或</a:t>
             </a:r>
             <a:r>
-              <a:rPr lang="en-US" altLang="zh-CN" sz="1200" b="0" i="0" kern="1200" dirty="0" err="1" smtClean="0">
+              <a:rPr lang="en-US" altLang="zh-CN" sz="1200" b="0" i="0" kern="1200" dirty="0" err="1">
                 <a:solidFill>
                   <a:schemeClr val="tx1"/>
                 </a:solidFill>
@@ -1326,7 +1285,7 @@
               <a:t>stdlib.h</a:t>
             </a:r>
             <a:r>
-              <a:rPr lang="en-US" altLang="zh-CN" sz="1200" b="0" i="0" kern="1200" dirty="0" smtClean="0">
+              <a:rPr lang="en-US" altLang="zh-CN" sz="1200" b="0" i="0" kern="1200" dirty="0">
                 <a:solidFill>
                   <a:schemeClr val="tx1"/>
                 </a:solidFill>
@@ -1338,7 +1297,7 @@
               <a:t>)</a:t>
             </a:r>
             <a:r>
-              <a:rPr lang="zh-CN" altLang="en-US" sz="1200" b="0" i="0" kern="1200" dirty="0" smtClean="0">
+              <a:rPr lang="zh-CN" altLang="en-US" sz="1200" b="0" i="0" kern="1200" dirty="0">
                 <a:solidFill>
                   <a:schemeClr val="tx1"/>
                 </a:solidFill>
@@ -1350,7 +1309,7 @@
               <a:t>，因为这些头文件极少被修改，并且它们总是存放在编译程序的标准包含文件目录下。</a:t>
             </a:r>
             <a:r>
-              <a:rPr lang="en-US" altLang="zh-CN" sz="1200" b="0" i="0" kern="1200" dirty="0" smtClean="0">
+              <a:rPr lang="en-US" altLang="zh-CN" sz="1200" b="0" i="0" kern="1200" dirty="0">
                 <a:solidFill>
                   <a:schemeClr val="tx1"/>
                 </a:solidFill>
@@ -1362,7 +1321,7 @@
               <a:t>#</a:t>
             </a:r>
             <a:r>
-              <a:rPr lang="en-US" altLang="zh-CN" sz="1200" b="0" i="0" kern="1200" dirty="0" err="1" smtClean="0">
+              <a:rPr lang="en-US" altLang="zh-CN" sz="1200" b="0" i="0" kern="1200" dirty="0" err="1">
                 <a:solidFill>
                   <a:schemeClr val="tx1"/>
                 </a:solidFill>
@@ -1374,7 +1333,7 @@
               <a:t>include“file</a:t>
             </a:r>
             <a:r>
-              <a:rPr lang="en-US" altLang="zh-CN" sz="1200" b="0" i="0" kern="1200" dirty="0" smtClean="0">
+              <a:rPr lang="en-US" altLang="zh-CN" sz="1200" b="0" i="0" kern="1200" dirty="0">
                 <a:solidFill>
                   <a:schemeClr val="tx1"/>
                 </a:solidFill>
@@ -1386,7 +1345,7 @@
               <a:t>”</a:t>
             </a:r>
             <a:r>
-              <a:rPr lang="zh-CN" altLang="en-US" sz="1200" b="0" i="0" kern="1200" dirty="0" smtClean="0">
+              <a:rPr lang="zh-CN" altLang="en-US" sz="1200" b="0" i="0" kern="1200" dirty="0">
                 <a:solidFill>
                   <a:schemeClr val="tx1"/>
                 </a:solidFill>
@@ -1479,10 +1438,9 @@
           </a:lstStyle>
           <a:p>
             <a:r>
-              <a:rPr lang="zh-CN" altLang="en-US" smtClean="0"/>
+              <a:rPr lang="zh-CN" altLang="en-US"/>
               <a:t>单击此处编辑母版标题样式</a:t>
             </a:r>
-            <a:endParaRPr lang="zh-CN" altLang="en-US"/>
           </a:p>
         </p:txBody>
       </p:sp>
@@ -1544,10 +1502,9 @@
           </a:lstStyle>
           <a:p>
             <a:r>
-              <a:rPr lang="zh-CN" altLang="en-US" smtClean="0"/>
+              <a:rPr lang="zh-CN" altLang="en-US"/>
               <a:t>单击此处编辑母版副标题样式</a:t>
             </a:r>
-            <a:endParaRPr lang="zh-CN" altLang="en-US"/>
           </a:p>
         </p:txBody>
       </p:sp>
@@ -1662,10 +1619,9 @@
           <a:lstStyle/>
           <a:p>
             <a:r>
-              <a:rPr lang="zh-CN" altLang="en-US" smtClean="0"/>
+              <a:rPr lang="zh-CN" altLang="en-US"/>
               <a:t>单击此处编辑母版标题样式</a:t>
             </a:r>
-            <a:endParaRPr lang="zh-CN" altLang="en-US"/>
           </a:p>
         </p:txBody>
       </p:sp>
@@ -1686,38 +1642,37 @@
           <a:p>
             <a:pPr lvl="0"/>
             <a:r>
-              <a:rPr lang="zh-CN" altLang="en-US" smtClean="0"/>
+              <a:rPr lang="zh-CN" altLang="en-US"/>
               <a:t>单击此处编辑母版文本样式</a:t>
             </a:r>
           </a:p>
           <a:p>
             <a:pPr lvl="1"/>
             <a:r>
-              <a:rPr lang="zh-CN" altLang="en-US" smtClean="0"/>
+              <a:rPr lang="zh-CN" altLang="en-US"/>
               <a:t>第二级</a:t>
             </a:r>
           </a:p>
           <a:p>
             <a:pPr lvl="2"/>
             <a:r>
-              <a:rPr lang="zh-CN" altLang="en-US" smtClean="0"/>
+              <a:rPr lang="zh-CN" altLang="en-US"/>
               <a:t>第三级</a:t>
             </a:r>
           </a:p>
           <a:p>
             <a:pPr lvl="3"/>
             <a:r>
-              <a:rPr lang="zh-CN" altLang="en-US" smtClean="0"/>
+              <a:rPr lang="zh-CN" altLang="en-US"/>
               <a:t>第四级</a:t>
             </a:r>
           </a:p>
           <a:p>
             <a:pPr lvl="4"/>
             <a:r>
-              <a:rPr lang="zh-CN" altLang="en-US" smtClean="0"/>
+              <a:rPr lang="zh-CN" altLang="en-US"/>
               <a:t>第五级</a:t>
             </a:r>
-            <a:endParaRPr lang="zh-CN" altLang="en-US"/>
           </a:p>
         </p:txBody>
       </p:sp>
@@ -1837,10 +1792,9 @@
           <a:lstStyle/>
           <a:p>
             <a:r>
-              <a:rPr lang="zh-CN" altLang="en-US" smtClean="0"/>
+              <a:rPr lang="zh-CN" altLang="en-US"/>
               <a:t>单击此处编辑母版标题样式</a:t>
             </a:r>
-            <a:endParaRPr lang="zh-CN" altLang="en-US"/>
           </a:p>
         </p:txBody>
       </p:sp>
@@ -1866,38 +1820,37 @@
           <a:p>
             <a:pPr lvl="0"/>
             <a:r>
-              <a:rPr lang="zh-CN" altLang="en-US" smtClean="0"/>
+              <a:rPr lang="zh-CN" altLang="en-US"/>
               <a:t>单击此处编辑母版文本样式</a:t>
             </a:r>
           </a:p>
           <a:p>
             <a:pPr lvl="1"/>
             <a:r>
-              <a:rPr lang="zh-CN" altLang="en-US" smtClean="0"/>
+              <a:rPr lang="zh-CN" altLang="en-US"/>
               <a:t>第二级</a:t>
             </a:r>
           </a:p>
           <a:p>
             <a:pPr lvl="2"/>
             <a:r>
-              <a:rPr lang="zh-CN" altLang="en-US" smtClean="0"/>
+              <a:rPr lang="zh-CN" altLang="en-US"/>
               <a:t>第三级</a:t>
             </a:r>
           </a:p>
           <a:p>
             <a:pPr lvl="3"/>
             <a:r>
-              <a:rPr lang="zh-CN" altLang="en-US" smtClean="0"/>
+              <a:rPr lang="zh-CN" altLang="en-US"/>
               <a:t>第四级</a:t>
             </a:r>
           </a:p>
           <a:p>
             <a:pPr lvl="4"/>
             <a:r>
-              <a:rPr lang="zh-CN" altLang="en-US" smtClean="0"/>
+              <a:rPr lang="zh-CN" altLang="en-US"/>
               <a:t>第五级</a:t>
             </a:r>
-            <a:endParaRPr lang="zh-CN" altLang="en-US"/>
           </a:p>
         </p:txBody>
       </p:sp>
@@ -2012,10 +1965,9 @@
           <a:lstStyle/>
           <a:p>
             <a:r>
-              <a:rPr lang="zh-CN" altLang="en-US" smtClean="0"/>
+              <a:rPr lang="zh-CN" altLang="en-US"/>
               <a:t>单击此处编辑母版标题样式</a:t>
             </a:r>
-            <a:endParaRPr lang="zh-CN" altLang="en-US"/>
           </a:p>
         </p:txBody>
       </p:sp>
@@ -2036,38 +1988,37 @@
           <a:p>
             <a:pPr lvl="0"/>
             <a:r>
-              <a:rPr lang="zh-CN" altLang="en-US" smtClean="0"/>
+              <a:rPr lang="zh-CN" altLang="en-US"/>
               <a:t>单击此处编辑母版文本样式</a:t>
             </a:r>
           </a:p>
           <a:p>
             <a:pPr lvl="1"/>
             <a:r>
-              <a:rPr lang="zh-CN" altLang="en-US" smtClean="0"/>
+              <a:rPr lang="zh-CN" altLang="en-US"/>
               <a:t>第二级</a:t>
             </a:r>
           </a:p>
           <a:p>
             <a:pPr lvl="2"/>
             <a:r>
-              <a:rPr lang="zh-CN" altLang="en-US" smtClean="0"/>
+              <a:rPr lang="zh-CN" altLang="en-US"/>
               <a:t>第三级</a:t>
             </a:r>
           </a:p>
           <a:p>
             <a:pPr lvl="3"/>
             <a:r>
-              <a:rPr lang="zh-CN" altLang="en-US" smtClean="0"/>
+              <a:rPr lang="zh-CN" altLang="en-US"/>
               <a:t>第四级</a:t>
             </a:r>
           </a:p>
           <a:p>
             <a:pPr lvl="4"/>
             <a:r>
-              <a:rPr lang="zh-CN" altLang="en-US" smtClean="0"/>
+              <a:rPr lang="zh-CN" altLang="en-US"/>
               <a:t>第五级</a:t>
             </a:r>
-            <a:endParaRPr lang="zh-CN" altLang="en-US"/>
           </a:p>
         </p:txBody>
       </p:sp>
@@ -2191,10 +2142,9 @@
           </a:lstStyle>
           <a:p>
             <a:r>
-              <a:rPr lang="zh-CN" altLang="en-US" smtClean="0"/>
+              <a:rPr lang="zh-CN" altLang="en-US"/>
               <a:t>单击此处编辑母版标题样式</a:t>
             </a:r>
-            <a:endParaRPr lang="zh-CN" altLang="en-US"/>
           </a:p>
         </p:txBody>
       </p:sp>
@@ -2311,7 +2261,7 @@
           <a:p>
             <a:pPr lvl="0"/>
             <a:r>
-              <a:rPr lang="zh-CN" altLang="en-US" smtClean="0"/>
+              <a:rPr lang="zh-CN" altLang="en-US"/>
               <a:t>单击此处编辑母版文本样式</a:t>
             </a:r>
           </a:p>
@@ -2428,10 +2378,9 @@
           <a:lstStyle/>
           <a:p>
             <a:r>
-              <a:rPr lang="zh-CN" altLang="en-US" smtClean="0"/>
+              <a:rPr lang="zh-CN" altLang="en-US"/>
               <a:t>单击此处编辑母版标题样式</a:t>
             </a:r>
-            <a:endParaRPr lang="zh-CN" altLang="en-US"/>
           </a:p>
         </p:txBody>
       </p:sp>
@@ -2457,38 +2406,37 @@
           <a:p>
             <a:pPr lvl="0"/>
             <a:r>
-              <a:rPr lang="zh-CN" altLang="en-US" smtClean="0"/>
+              <a:rPr lang="zh-CN" altLang="en-US"/>
               <a:t>单击此处编辑母版文本样式</a:t>
             </a:r>
           </a:p>
           <a:p>
             <a:pPr lvl="1"/>
             <a:r>
-              <a:rPr lang="zh-CN" altLang="en-US" smtClean="0"/>
+              <a:rPr lang="zh-CN" altLang="en-US"/>
               <a:t>第二级</a:t>
             </a:r>
           </a:p>
           <a:p>
             <a:pPr lvl="2"/>
             <a:r>
-              <a:rPr lang="zh-CN" altLang="en-US" smtClean="0"/>
+              <a:rPr lang="zh-CN" altLang="en-US"/>
               <a:t>第三级</a:t>
             </a:r>
           </a:p>
           <a:p>
             <a:pPr lvl="3"/>
             <a:r>
-              <a:rPr lang="zh-CN" altLang="en-US" smtClean="0"/>
+              <a:rPr lang="zh-CN" altLang="en-US"/>
               <a:t>第四级</a:t>
             </a:r>
           </a:p>
           <a:p>
             <a:pPr lvl="4"/>
             <a:r>
-              <a:rPr lang="zh-CN" altLang="en-US" smtClean="0"/>
+              <a:rPr lang="zh-CN" altLang="en-US"/>
               <a:t>第五级</a:t>
             </a:r>
-            <a:endParaRPr lang="zh-CN" altLang="en-US"/>
           </a:p>
         </p:txBody>
       </p:sp>
@@ -2514,38 +2462,37 @@
           <a:p>
             <a:pPr lvl="0"/>
             <a:r>
-              <a:rPr lang="zh-CN" altLang="en-US" smtClean="0"/>
+              <a:rPr lang="zh-CN" altLang="en-US"/>
               <a:t>单击此处编辑母版文本样式</a:t>
             </a:r>
           </a:p>
           <a:p>
             <a:pPr lvl="1"/>
             <a:r>
-              <a:rPr lang="zh-CN" altLang="en-US" smtClean="0"/>
+              <a:rPr lang="zh-CN" altLang="en-US"/>
               <a:t>第二级</a:t>
             </a:r>
           </a:p>
           <a:p>
             <a:pPr lvl="2"/>
             <a:r>
-              <a:rPr lang="zh-CN" altLang="en-US" smtClean="0"/>
+              <a:rPr lang="zh-CN" altLang="en-US"/>
               <a:t>第三级</a:t>
             </a:r>
           </a:p>
           <a:p>
             <a:pPr lvl="3"/>
             <a:r>
-              <a:rPr lang="zh-CN" altLang="en-US" smtClean="0"/>
+              <a:rPr lang="zh-CN" altLang="en-US"/>
               <a:t>第四级</a:t>
             </a:r>
           </a:p>
           <a:p>
             <a:pPr lvl="4"/>
             <a:r>
-              <a:rPr lang="zh-CN" altLang="en-US" smtClean="0"/>
+              <a:rPr lang="zh-CN" altLang="en-US"/>
               <a:t>第五级</a:t>
             </a:r>
-            <a:endParaRPr lang="zh-CN" altLang="en-US"/>
           </a:p>
         </p:txBody>
       </p:sp>
@@ -2665,10 +2612,9 @@
           <a:lstStyle/>
           <a:p>
             <a:r>
-              <a:rPr lang="zh-CN" altLang="en-US" smtClean="0"/>
+              <a:rPr lang="zh-CN" altLang="en-US"/>
               <a:t>单击此处编辑母版标题样式</a:t>
             </a:r>
-            <a:endParaRPr lang="zh-CN" altLang="en-US"/>
           </a:p>
         </p:txBody>
       </p:sp>
@@ -2731,7 +2677,7 @@
           <a:p>
             <a:pPr lvl="0"/>
             <a:r>
-              <a:rPr lang="zh-CN" altLang="en-US" smtClean="0"/>
+              <a:rPr lang="zh-CN" altLang="en-US"/>
               <a:t>单击此处编辑母版文本样式</a:t>
             </a:r>
           </a:p>
@@ -2759,38 +2705,37 @@
           <a:p>
             <a:pPr lvl="0"/>
             <a:r>
-              <a:rPr lang="zh-CN" altLang="en-US" smtClean="0"/>
+              <a:rPr lang="zh-CN" altLang="en-US"/>
               <a:t>单击此处编辑母版文本样式</a:t>
             </a:r>
           </a:p>
           <a:p>
             <a:pPr lvl="1"/>
             <a:r>
-              <a:rPr lang="zh-CN" altLang="en-US" smtClean="0"/>
+              <a:rPr lang="zh-CN" altLang="en-US"/>
               <a:t>第二级</a:t>
             </a:r>
           </a:p>
           <a:p>
             <a:pPr lvl="2"/>
             <a:r>
-              <a:rPr lang="zh-CN" altLang="en-US" smtClean="0"/>
+              <a:rPr lang="zh-CN" altLang="en-US"/>
               <a:t>第三级</a:t>
             </a:r>
           </a:p>
           <a:p>
             <a:pPr lvl="3"/>
             <a:r>
-              <a:rPr lang="zh-CN" altLang="en-US" smtClean="0"/>
+              <a:rPr lang="zh-CN" altLang="en-US"/>
               <a:t>第四级</a:t>
             </a:r>
           </a:p>
           <a:p>
             <a:pPr lvl="4"/>
             <a:r>
-              <a:rPr lang="zh-CN" altLang="en-US" smtClean="0"/>
+              <a:rPr lang="zh-CN" altLang="en-US"/>
               <a:t>第五级</a:t>
             </a:r>
-            <a:endParaRPr lang="zh-CN" altLang="en-US"/>
           </a:p>
         </p:txBody>
       </p:sp>
@@ -2853,7 +2798,7 @@
           <a:p>
             <a:pPr lvl="0"/>
             <a:r>
-              <a:rPr lang="zh-CN" altLang="en-US" smtClean="0"/>
+              <a:rPr lang="zh-CN" altLang="en-US"/>
               <a:t>单击此处编辑母版文本样式</a:t>
             </a:r>
           </a:p>
@@ -2881,38 +2826,37 @@
           <a:p>
             <a:pPr lvl="0"/>
             <a:r>
-              <a:rPr lang="zh-CN" altLang="en-US" smtClean="0"/>
+              <a:rPr lang="zh-CN" altLang="en-US"/>
               <a:t>单击此处编辑母版文本样式</a:t>
             </a:r>
           </a:p>
           <a:p>
             <a:pPr lvl="1"/>
             <a:r>
-              <a:rPr lang="zh-CN" altLang="en-US" smtClean="0"/>
+              <a:rPr lang="zh-CN" altLang="en-US"/>
               <a:t>第二级</a:t>
             </a:r>
           </a:p>
           <a:p>
             <a:pPr lvl="2"/>
             <a:r>
-              <a:rPr lang="zh-CN" altLang="en-US" smtClean="0"/>
+              <a:rPr lang="zh-CN" altLang="en-US"/>
               <a:t>第三级</a:t>
             </a:r>
           </a:p>
           <a:p>
             <a:pPr lvl="3"/>
             <a:r>
-              <a:rPr lang="zh-CN" altLang="en-US" smtClean="0"/>
+              <a:rPr lang="zh-CN" altLang="en-US"/>
               <a:t>第四级</a:t>
             </a:r>
           </a:p>
           <a:p>
             <a:pPr lvl="4"/>
             <a:r>
-              <a:rPr lang="zh-CN" altLang="en-US" smtClean="0"/>
+              <a:rPr lang="zh-CN" altLang="en-US"/>
               <a:t>第五级</a:t>
             </a:r>
-            <a:endParaRPr lang="zh-CN" altLang="en-US"/>
           </a:p>
         </p:txBody>
       </p:sp>
@@ -3027,10 +2971,9 @@
           <a:lstStyle/>
           <a:p>
             <a:r>
-              <a:rPr lang="zh-CN" altLang="en-US" smtClean="0"/>
+              <a:rPr lang="zh-CN" altLang="en-US"/>
               <a:t>单击此处编辑母版标题样式</a:t>
             </a:r>
-            <a:endParaRPr lang="zh-CN" altLang="en-US"/>
           </a:p>
         </p:txBody>
       </p:sp>
@@ -3249,10 +3192,9 @@
           </a:lstStyle>
           <a:p>
             <a:r>
-              <a:rPr lang="zh-CN" altLang="en-US" smtClean="0"/>
+              <a:rPr lang="zh-CN" altLang="en-US"/>
               <a:t>单击此处编辑母版标题样式</a:t>
             </a:r>
-            <a:endParaRPr lang="zh-CN" altLang="en-US"/>
           </a:p>
         </p:txBody>
       </p:sp>
@@ -3306,38 +3248,37 @@
           <a:p>
             <a:pPr lvl="0"/>
             <a:r>
-              <a:rPr lang="zh-CN" altLang="en-US" smtClean="0"/>
+              <a:rPr lang="zh-CN" altLang="en-US"/>
               <a:t>单击此处编辑母版文本样式</a:t>
             </a:r>
           </a:p>
           <a:p>
             <a:pPr lvl="1"/>
             <a:r>
-              <a:rPr lang="zh-CN" altLang="en-US" smtClean="0"/>
+              <a:rPr lang="zh-CN" altLang="en-US"/>
               <a:t>第二级</a:t>
             </a:r>
           </a:p>
           <a:p>
             <a:pPr lvl="2"/>
             <a:r>
-              <a:rPr lang="zh-CN" altLang="en-US" smtClean="0"/>
+              <a:rPr lang="zh-CN" altLang="en-US"/>
               <a:t>第三级</a:t>
             </a:r>
           </a:p>
           <a:p>
             <a:pPr lvl="3"/>
             <a:r>
-              <a:rPr lang="zh-CN" altLang="en-US" smtClean="0"/>
+              <a:rPr lang="zh-CN" altLang="en-US"/>
               <a:t>第四级</a:t>
             </a:r>
           </a:p>
           <a:p>
             <a:pPr lvl="4"/>
             <a:r>
-              <a:rPr lang="zh-CN" altLang="en-US" smtClean="0"/>
+              <a:rPr lang="zh-CN" altLang="en-US"/>
               <a:t>第五级</a:t>
             </a:r>
-            <a:endParaRPr lang="zh-CN" altLang="en-US"/>
           </a:p>
         </p:txBody>
       </p:sp>
@@ -3400,7 +3341,7 @@
           <a:p>
             <a:pPr lvl="0"/>
             <a:r>
-              <a:rPr lang="zh-CN" altLang="en-US" smtClean="0"/>
+              <a:rPr lang="zh-CN" altLang="en-US"/>
               <a:t>单击此处编辑母版文本样式</a:t>
             </a:r>
           </a:p>
@@ -3526,10 +3467,9 @@
           </a:lstStyle>
           <a:p>
             <a:r>
-              <a:rPr lang="zh-CN" altLang="en-US" smtClean="0"/>
+              <a:rPr lang="zh-CN" altLang="en-US"/>
               <a:t>单击此处编辑母版标题样式</a:t>
             </a:r>
-            <a:endParaRPr lang="zh-CN" altLang="en-US"/>
           </a:p>
         </p:txBody>
       </p:sp>
@@ -3653,7 +3593,7 @@
           <a:p>
             <a:pPr lvl="0"/>
             <a:r>
-              <a:rPr lang="zh-CN" altLang="en-US" smtClean="0"/>
+              <a:rPr lang="zh-CN" altLang="en-US"/>
               <a:t>单击此处编辑母版文本样式</a:t>
             </a:r>
           </a:p>
@@ -3785,10 +3725,9 @@
           <a:lstStyle/>
           <a:p>
             <a:r>
-              <a:rPr lang="zh-CN" altLang="en-US" smtClean="0"/>
+              <a:rPr lang="zh-CN" altLang="en-US"/>
               <a:t>单击此处编辑母版标题样式</a:t>
             </a:r>
-            <a:endParaRPr lang="zh-CN" altLang="en-US"/>
           </a:p>
         </p:txBody>
       </p:sp>
@@ -3819,38 +3758,37 @@
           <a:p>
             <a:pPr lvl="0"/>
             <a:r>
-              <a:rPr lang="zh-CN" altLang="en-US" smtClean="0"/>
+              <a:rPr lang="zh-CN" altLang="en-US"/>
               <a:t>单击此处编辑母版文本样式</a:t>
             </a:r>
           </a:p>
           <a:p>
             <a:pPr lvl="1"/>
             <a:r>
-              <a:rPr lang="zh-CN" altLang="en-US" smtClean="0"/>
+              <a:rPr lang="zh-CN" altLang="en-US"/>
               <a:t>第二级</a:t>
             </a:r>
           </a:p>
           <a:p>
             <a:pPr lvl="2"/>
             <a:r>
-              <a:rPr lang="zh-CN" altLang="en-US" smtClean="0"/>
+              <a:rPr lang="zh-CN" altLang="en-US"/>
               <a:t>第三级</a:t>
             </a:r>
           </a:p>
           <a:p>
             <a:pPr lvl="3"/>
             <a:r>
-              <a:rPr lang="zh-CN" altLang="en-US" smtClean="0"/>
+              <a:rPr lang="zh-CN" altLang="en-US"/>
               <a:t>第四级</a:t>
             </a:r>
           </a:p>
           <a:p>
             <a:pPr lvl="4"/>
             <a:r>
-              <a:rPr lang="zh-CN" altLang="en-US" smtClean="0"/>
+              <a:rPr lang="zh-CN" altLang="en-US"/>
               <a:t>第五级</a:t>
             </a:r>
-            <a:endParaRPr lang="zh-CN" altLang="en-US"/>
           </a:p>
         </p:txBody>
       </p:sp>
@@ -4310,7 +4248,7 @@
           <a:lstStyle/>
           <a:p>
             <a:r>
-              <a:rPr lang="en-US" altLang="zh-CN" dirty="0" smtClean="0">
+              <a:rPr lang="en-US" altLang="zh-CN" dirty="0">
                 <a:latin typeface="微软雅黑 Light" panose="020B0502040204020203" pitchFamily="34" charset="-122"/>
                 <a:ea typeface="微软雅黑 Light" panose="020B0502040204020203" pitchFamily="34" charset="-122"/>
               </a:rPr>
@@ -4341,7 +4279,7 @@
           <a:lstStyle/>
           <a:p>
             <a:r>
-              <a:rPr lang="en-US" altLang="zh-CN" dirty="0" smtClean="0">
+              <a:rPr lang="en-US" altLang="zh-CN" dirty="0">
                 <a:latin typeface="微软雅黑 Light" panose="020B0502040204020203" pitchFamily="34" charset="-122"/>
                 <a:ea typeface="微软雅黑 Light" panose="020B0502040204020203" pitchFamily="34" charset="-122"/>
               </a:rPr>
@@ -4350,7 +4288,7 @@
           </a:p>
           <a:p>
             <a:r>
-              <a:rPr lang="en-US" altLang="zh-CN" dirty="0" smtClean="0">
+              <a:rPr lang="en-US" altLang="zh-CN" dirty="0">
                 <a:latin typeface="微软雅黑 Light" panose="020B0502040204020203" pitchFamily="34" charset="-122"/>
                 <a:ea typeface="微软雅黑 Light" panose="020B0502040204020203" pitchFamily="34" charset="-122"/>
               </a:rPr>
@@ -4359,7 +4297,7 @@
           </a:p>
           <a:p>
             <a:r>
-              <a:rPr lang="en-US" altLang="zh-CN" dirty="0" smtClean="0">
+              <a:rPr lang="en-US" altLang="zh-CN" dirty="0">
                 <a:latin typeface="微软雅黑 Light" panose="020B0502040204020203" pitchFamily="34" charset="-122"/>
                 <a:ea typeface="微软雅黑 Light" panose="020B0502040204020203" pitchFamily="34" charset="-122"/>
               </a:rPr>
@@ -4368,7 +4306,7 @@
           </a:p>
           <a:p>
             <a:r>
-              <a:rPr lang="en-US" altLang="zh-CN" dirty="0" smtClean="0">
+              <a:rPr lang="en-US" altLang="zh-CN" dirty="0">
                 <a:latin typeface="微软雅黑 Light" panose="020B0502040204020203" pitchFamily="34" charset="-122"/>
                 <a:ea typeface="微软雅黑 Light" panose="020B0502040204020203" pitchFamily="34" charset="-122"/>
               </a:rPr>
@@ -4393,13 +4331,6 @@
   <p:clrMapOvr>
     <a:masterClrMapping/>
   </p:clrMapOvr>
-  <p:timing>
-    <p:tnLst>
-      <p:par>
-        <p:cTn id="1" dur="indefinite" restart="never" nodeType="tmRoot"/>
-      </p:par>
-    </p:tnLst>
-  </p:timing>
 </p:sld>
 </file>
 
@@ -4461,7 +4392,7 @@
           <a:lstStyle/>
           <a:p>
             <a:r>
-              <a:rPr lang="en-US" altLang="zh-CN" dirty="0" smtClean="0">
+              <a:rPr lang="en-US" altLang="zh-CN" dirty="0">
                 <a:latin typeface="微软雅黑 Light" panose="020B0502040204020203" pitchFamily="34" charset="-122"/>
                 <a:ea typeface="微软雅黑 Light" panose="020B0502040204020203" pitchFamily="34" charset="-122"/>
               </a:rPr>
@@ -4475,25 +4406,25 @@
             </a:endParaRPr>
           </a:p>
           <a:p>
-            <a:endParaRPr lang="en-US" altLang="zh-CN" dirty="0" smtClean="0">
-              <a:latin typeface="微软雅黑 Light" panose="020B0502040204020203" pitchFamily="34" charset="-122"/>
-              <a:ea typeface="微软雅黑 Light" panose="020B0502040204020203" pitchFamily="34" charset="-122"/>
-            </a:endParaRPr>
-          </a:p>
-          <a:p>
             <a:endParaRPr lang="en-US" altLang="zh-CN" dirty="0">
               <a:latin typeface="微软雅黑 Light" panose="020B0502040204020203" pitchFamily="34" charset="-122"/>
               <a:ea typeface="微软雅黑 Light" panose="020B0502040204020203" pitchFamily="34" charset="-122"/>
             </a:endParaRPr>
           </a:p>
           <a:p>
-            <a:endParaRPr lang="en-US" altLang="zh-CN" dirty="0" smtClean="0">
-              <a:latin typeface="微软雅黑 Light" panose="020B0502040204020203" pitchFamily="34" charset="-122"/>
-              <a:ea typeface="微软雅黑 Light" panose="020B0502040204020203" pitchFamily="34" charset="-122"/>
-            </a:endParaRPr>
-          </a:p>
-          <a:p>
-            <a:endParaRPr lang="en-US" altLang="zh-CN" dirty="0" smtClean="0">
+            <a:endParaRPr lang="en-US" altLang="zh-CN" dirty="0">
+              <a:latin typeface="微软雅黑 Light" panose="020B0502040204020203" pitchFamily="34" charset="-122"/>
+              <a:ea typeface="微软雅黑 Light" panose="020B0502040204020203" pitchFamily="34" charset="-122"/>
+            </a:endParaRPr>
+          </a:p>
+          <a:p>
+            <a:endParaRPr lang="en-US" altLang="zh-CN" dirty="0">
+              <a:latin typeface="微软雅黑 Light" panose="020B0502040204020203" pitchFamily="34" charset="-122"/>
+              <a:ea typeface="微软雅黑 Light" panose="020B0502040204020203" pitchFamily="34" charset="-122"/>
+            </a:endParaRPr>
+          </a:p>
+          <a:p>
+            <a:endParaRPr lang="en-US" altLang="zh-CN" dirty="0">
               <a:latin typeface="微软雅黑 Light" panose="020B0502040204020203" pitchFamily="34" charset="-122"/>
               <a:ea typeface="微软雅黑 Light" panose="020B0502040204020203" pitchFamily="34" charset="-122"/>
             </a:endParaRPr>
@@ -4628,13 +4559,6 @@
   <p:clrMapOvr>
     <a:masterClrMapping/>
   </p:clrMapOvr>
-  <p:timing>
-    <p:tnLst>
-      <p:par>
-        <p:cTn id="1" dur="indefinite" restart="never" nodeType="tmRoot"/>
-      </p:par>
-    </p:tnLst>
-  </p:timing>
 </p:sld>
 </file>
 
@@ -4675,43 +4599,47 @@
                 <a:latin typeface="微软雅黑 Light" panose="020B0502040204020203" pitchFamily="34" charset="-122"/>
                 <a:ea typeface="微软雅黑 Light" panose="020B0502040204020203" pitchFamily="34" charset="-122"/>
               </a:rPr>
-              <a:t>4 </a:t>
-            </a:r>
-            <a:r>
-              <a:rPr lang="en-US" altLang="zh-CN" dirty="0" smtClean="0">
-                <a:latin typeface="微软雅黑 Light" panose="020B0502040204020203" pitchFamily="34" charset="-122"/>
-                <a:ea typeface="微软雅黑 Light" panose="020B0502040204020203" pitchFamily="34" charset="-122"/>
-              </a:rPr>
-              <a:t>Operators</a:t>
-            </a:r>
+              <a:t>4 Operators</a:t>
+            </a:r>
+          </a:p>
+        </p:txBody>
+      </p:sp>
+      <p:sp>
+        <p:nvSpPr>
+          <p:cNvPr id="3" name="内容占位符 2"/>
+          <p:cNvSpPr>
+            <a:spLocks noGrp="1"/>
+          </p:cNvSpPr>
+          <p:nvPr>
+            <p:ph idx="1"/>
+          </p:nvPr>
+        </p:nvSpPr>
+        <p:spPr/>
+        <p:txBody>
+          <a:bodyPr/>
+          <a:lstStyle/>
+          <a:p>
+            <a:r>
+              <a:rPr lang="en-US" altLang="zh-CN" dirty="0">
+                <a:latin typeface="微软雅黑 Light" panose="020B0502040204020203" pitchFamily="34" charset="-122"/>
+                <a:ea typeface="微软雅黑 Light" panose="020B0502040204020203" pitchFamily="34" charset="-122"/>
+              </a:rPr>
+              <a:t>Assignment Operator</a:t>
+            </a:r>
+          </a:p>
+          <a:p>
             <a:endParaRPr lang="en-US" altLang="zh-CN" dirty="0">
               <a:latin typeface="微软雅黑 Light" panose="020B0502040204020203" pitchFamily="34" charset="-122"/>
               <a:ea typeface="微软雅黑 Light" panose="020B0502040204020203" pitchFamily="34" charset="-122"/>
             </a:endParaRPr>
           </a:p>
-        </p:txBody>
-      </p:sp>
-      <p:sp>
-        <p:nvSpPr>
-          <p:cNvPr id="3" name="内容占位符 2"/>
-          <p:cNvSpPr>
-            <a:spLocks noGrp="1"/>
-          </p:cNvSpPr>
-          <p:nvPr>
-            <p:ph idx="1"/>
-          </p:nvPr>
-        </p:nvSpPr>
-        <p:spPr/>
-        <p:txBody>
-          <a:bodyPr/>
-          <a:lstStyle/>
-          <a:p>
-            <a:r>
-              <a:rPr lang="en-US" altLang="zh-CN" dirty="0" smtClean="0">
-                <a:latin typeface="微软雅黑 Light" panose="020B0502040204020203" pitchFamily="34" charset="-122"/>
-                <a:ea typeface="微软雅黑 Light" panose="020B0502040204020203" pitchFamily="34" charset="-122"/>
-              </a:rPr>
-              <a:t>Assignment Operator</a:t>
+          <a:p>
+            <a:r>
+              <a:rPr lang="en-US" altLang="zh-CN" dirty="0">
+                <a:latin typeface="微软雅黑 Light" panose="020B0502040204020203" pitchFamily="34" charset="-122"/>
+                <a:ea typeface="微软雅黑 Light" panose="020B0502040204020203" pitchFamily="34" charset="-122"/>
+              </a:rPr>
+              <a:t>Arithmetic Operator</a:t>
             </a:r>
           </a:p>
           <a:p>
@@ -4721,27 +4649,12 @@
             </a:endParaRPr>
           </a:p>
           <a:p>
-            <a:r>
-              <a:rPr lang="en-US" altLang="zh-CN" dirty="0" smtClean="0">
-                <a:latin typeface="微软雅黑 Light" panose="020B0502040204020203" pitchFamily="34" charset="-122"/>
-                <a:ea typeface="微软雅黑 Light" panose="020B0502040204020203" pitchFamily="34" charset="-122"/>
-              </a:rPr>
-              <a:t>Arithmetic Operator</a:t>
-            </a:r>
-          </a:p>
-          <a:p>
             <a:endParaRPr lang="en-US" altLang="zh-CN" dirty="0">
               <a:latin typeface="微软雅黑 Light" panose="020B0502040204020203" pitchFamily="34" charset="-122"/>
               <a:ea typeface="微软雅黑 Light" panose="020B0502040204020203" pitchFamily="34" charset="-122"/>
             </a:endParaRPr>
           </a:p>
           <a:p>
-            <a:endParaRPr lang="en-US" altLang="zh-CN" dirty="0" smtClean="0">
-              <a:latin typeface="微软雅黑 Light" panose="020B0502040204020203" pitchFamily="34" charset="-122"/>
-              <a:ea typeface="微软雅黑 Light" panose="020B0502040204020203" pitchFamily="34" charset="-122"/>
-            </a:endParaRPr>
-          </a:p>
-          <a:p>
             <a:endParaRPr lang="en-US" altLang="zh-CN" dirty="0">
               <a:latin typeface="微软雅黑 Light" panose="020B0502040204020203" pitchFamily="34" charset="-122"/>
               <a:ea typeface="微软雅黑 Light" panose="020B0502040204020203" pitchFamily="34" charset="-122"/>
@@ -4749,7 +4662,7 @@
           </a:p>
           <a:p>
             <a:r>
-              <a:rPr lang="en-US" altLang="zh-CN" dirty="0" smtClean="0">
+              <a:rPr lang="en-US" altLang="zh-CN" dirty="0">
                 <a:latin typeface="微软雅黑 Light" panose="020B0502040204020203" pitchFamily="34" charset="-122"/>
                 <a:ea typeface="微软雅黑 Light" panose="020B0502040204020203" pitchFamily="34" charset="-122"/>
               </a:rPr>
@@ -4763,13 +4676,13 @@
             </a:endParaRPr>
           </a:p>
           <a:p>
-            <a:endParaRPr lang="en-US" altLang="zh-CN" dirty="0" smtClean="0">
-              <a:latin typeface="微软雅黑 Light" panose="020B0502040204020203" pitchFamily="34" charset="-122"/>
-              <a:ea typeface="微软雅黑 Light" panose="020B0502040204020203" pitchFamily="34" charset="-122"/>
-            </a:endParaRPr>
-          </a:p>
-          <a:p>
-            <a:endParaRPr lang="en-US" altLang="zh-CN" dirty="0" smtClean="0">
+            <a:endParaRPr lang="en-US" altLang="zh-CN" dirty="0">
+              <a:latin typeface="微软雅黑 Light" panose="020B0502040204020203" pitchFamily="34" charset="-122"/>
+              <a:ea typeface="微软雅黑 Light" panose="020B0502040204020203" pitchFamily="34" charset="-122"/>
+            </a:endParaRPr>
+          </a:p>
+          <a:p>
+            <a:endParaRPr lang="en-US" altLang="zh-CN" dirty="0">
               <a:latin typeface="微软雅黑 Light" panose="020B0502040204020203" pitchFamily="34" charset="-122"/>
               <a:ea typeface="微软雅黑 Light" panose="020B0502040204020203" pitchFamily="34" charset="-122"/>
             </a:endParaRPr>
@@ -4858,13 +4771,6 @@
   <p:clrMapOvr>
     <a:masterClrMapping/>
   </p:clrMapOvr>
-  <p:timing>
-    <p:tnLst>
-      <p:par>
-        <p:cTn id="1" dur="indefinite" restart="never" nodeType="tmRoot"/>
-      </p:par>
-    </p:tnLst>
-  </p:timing>
 </p:sld>
 </file>
 
@@ -4905,43 +4811,47 @@
                 <a:latin typeface="微软雅黑 Light" panose="020B0502040204020203" pitchFamily="34" charset="-122"/>
                 <a:ea typeface="微软雅黑 Light" panose="020B0502040204020203" pitchFamily="34" charset="-122"/>
               </a:rPr>
-              <a:t>4 </a:t>
-            </a:r>
-            <a:r>
-              <a:rPr lang="en-US" altLang="zh-CN" dirty="0" smtClean="0">
-                <a:latin typeface="微软雅黑 Light" panose="020B0502040204020203" pitchFamily="34" charset="-122"/>
-                <a:ea typeface="微软雅黑 Light" panose="020B0502040204020203" pitchFamily="34" charset="-122"/>
-              </a:rPr>
-              <a:t>Operators</a:t>
-            </a:r>
+              <a:t>4 Operators</a:t>
+            </a:r>
+          </a:p>
+        </p:txBody>
+      </p:sp>
+      <p:sp>
+        <p:nvSpPr>
+          <p:cNvPr id="3" name="内容占位符 2"/>
+          <p:cNvSpPr>
+            <a:spLocks noGrp="1"/>
+          </p:cNvSpPr>
+          <p:nvPr>
+            <p:ph idx="1"/>
+          </p:nvPr>
+        </p:nvSpPr>
+        <p:spPr/>
+        <p:txBody>
+          <a:bodyPr/>
+          <a:lstStyle/>
+          <a:p>
+            <a:r>
+              <a:rPr lang="en-US" altLang="zh-CN" dirty="0">
+                <a:latin typeface="微软雅黑 Light" panose="020B0502040204020203" pitchFamily="34" charset="-122"/>
+                <a:ea typeface="微软雅黑 Light" panose="020B0502040204020203" pitchFamily="34" charset="-122"/>
+              </a:rPr>
+              <a:t>Increment and Decrement </a:t>
+            </a:r>
+          </a:p>
+          <a:p>
             <a:endParaRPr lang="en-US" altLang="zh-CN" dirty="0">
               <a:latin typeface="微软雅黑 Light" panose="020B0502040204020203" pitchFamily="34" charset="-122"/>
               <a:ea typeface="微软雅黑 Light" panose="020B0502040204020203" pitchFamily="34" charset="-122"/>
             </a:endParaRPr>
           </a:p>
-        </p:txBody>
-      </p:sp>
-      <p:sp>
-        <p:nvSpPr>
-          <p:cNvPr id="3" name="内容占位符 2"/>
-          <p:cNvSpPr>
-            <a:spLocks noGrp="1"/>
-          </p:cNvSpPr>
-          <p:nvPr>
-            <p:ph idx="1"/>
-          </p:nvPr>
-        </p:nvSpPr>
-        <p:spPr/>
-        <p:txBody>
-          <a:bodyPr/>
-          <a:lstStyle/>
-          <a:p>
-            <a:r>
-              <a:rPr lang="en-US" altLang="zh-CN" dirty="0" smtClean="0">
-                <a:latin typeface="微软雅黑 Light" panose="020B0502040204020203" pitchFamily="34" charset="-122"/>
-                <a:ea typeface="微软雅黑 Light" panose="020B0502040204020203" pitchFamily="34" charset="-122"/>
-              </a:rPr>
-              <a:t>Increment and Decrement </a:t>
+          <a:p>
+            <a:r>
+              <a:rPr lang="en-US" altLang="zh-CN" dirty="0">
+                <a:latin typeface="微软雅黑 Light" panose="020B0502040204020203" pitchFamily="34" charset="-122"/>
+                <a:ea typeface="微软雅黑 Light" panose="020B0502040204020203" pitchFamily="34" charset="-122"/>
+              </a:rPr>
+              <a:t>Relational and Comparison Operator</a:t>
             </a:r>
           </a:p>
           <a:p>
@@ -4951,27 +4861,12 @@
             </a:endParaRPr>
           </a:p>
           <a:p>
-            <a:r>
-              <a:rPr lang="en-US" altLang="zh-CN" dirty="0" smtClean="0">
-                <a:latin typeface="微软雅黑 Light" panose="020B0502040204020203" pitchFamily="34" charset="-122"/>
-                <a:ea typeface="微软雅黑 Light" panose="020B0502040204020203" pitchFamily="34" charset="-122"/>
-              </a:rPr>
-              <a:t>Relational and Comparison Operator</a:t>
-            </a:r>
-          </a:p>
-          <a:p>
             <a:endParaRPr lang="en-US" altLang="zh-CN" dirty="0">
               <a:latin typeface="微软雅黑 Light" panose="020B0502040204020203" pitchFamily="34" charset="-122"/>
               <a:ea typeface="微软雅黑 Light" panose="020B0502040204020203" pitchFamily="34" charset="-122"/>
             </a:endParaRPr>
           </a:p>
           <a:p>
-            <a:endParaRPr lang="en-US" altLang="zh-CN" dirty="0" smtClean="0">
-              <a:latin typeface="微软雅黑 Light" panose="020B0502040204020203" pitchFamily="34" charset="-122"/>
-              <a:ea typeface="微软雅黑 Light" panose="020B0502040204020203" pitchFamily="34" charset="-122"/>
-            </a:endParaRPr>
-          </a:p>
-          <a:p>
             <a:endParaRPr lang="en-US" altLang="zh-CN" dirty="0">
               <a:latin typeface="微软雅黑 Light" panose="020B0502040204020203" pitchFamily="34" charset="-122"/>
               <a:ea typeface="微软雅黑 Light" panose="020B0502040204020203" pitchFamily="34" charset="-122"/>
@@ -4979,7 +4874,7 @@
           </a:p>
           <a:p>
             <a:r>
-              <a:rPr lang="en-US" altLang="zh-CN" dirty="0" smtClean="0">
+              <a:rPr lang="en-US" altLang="zh-CN" dirty="0">
                 <a:latin typeface="微软雅黑 Light" panose="020B0502040204020203" pitchFamily="34" charset="-122"/>
                 <a:ea typeface="微软雅黑 Light" panose="020B0502040204020203" pitchFamily="34" charset="-122"/>
               </a:rPr>
@@ -4993,13 +4888,13 @@
             </a:endParaRPr>
           </a:p>
           <a:p>
-            <a:endParaRPr lang="en-US" altLang="zh-CN" dirty="0" smtClean="0">
-              <a:latin typeface="微软雅黑 Light" panose="020B0502040204020203" pitchFamily="34" charset="-122"/>
-              <a:ea typeface="微软雅黑 Light" panose="020B0502040204020203" pitchFamily="34" charset="-122"/>
-            </a:endParaRPr>
-          </a:p>
-          <a:p>
-            <a:endParaRPr lang="en-US" altLang="zh-CN" dirty="0" smtClean="0">
+            <a:endParaRPr lang="en-US" altLang="zh-CN" dirty="0">
+              <a:latin typeface="微软雅黑 Light" panose="020B0502040204020203" pitchFamily="34" charset="-122"/>
+              <a:ea typeface="微软雅黑 Light" panose="020B0502040204020203" pitchFamily="34" charset="-122"/>
+            </a:endParaRPr>
+          </a:p>
+          <a:p>
+            <a:endParaRPr lang="en-US" altLang="zh-CN" dirty="0">
               <a:latin typeface="微软雅黑 Light" panose="020B0502040204020203" pitchFamily="34" charset="-122"/>
               <a:ea typeface="微软雅黑 Light" panose="020B0502040204020203" pitchFamily="34" charset="-122"/>
             </a:endParaRPr>
@@ -5088,13 +4983,6 @@
   <p:clrMapOvr>
     <a:masterClrMapping/>
   </p:clrMapOvr>
-  <p:timing>
-    <p:tnLst>
-      <p:par>
-        <p:cTn id="1" dur="indefinite" restart="never" nodeType="tmRoot"/>
-      </p:par>
-    </p:tnLst>
-  </p:timing>
 </p:sld>
 </file>
 
@@ -5131,18 +5019,11 @@
           <a:lstStyle/>
           <a:p>
             <a:r>
-              <a:rPr lang="en-US" altLang="zh-CN" dirty="0" smtClean="0">
-                <a:latin typeface="微软雅黑 Light" panose="020B0502040204020203" pitchFamily="34" charset="-122"/>
-                <a:ea typeface="微软雅黑 Light" panose="020B0502040204020203" pitchFamily="34" charset="-122"/>
-              </a:rPr>
-              <a:t>5 </a:t>
-            </a:r>
-            <a:r>
-              <a:rPr lang="en-US" altLang="zh-CN" dirty="0">
-                <a:latin typeface="微软雅黑 Light" panose="020B0502040204020203" pitchFamily="34" charset="-122"/>
-                <a:ea typeface="微软雅黑 Light" panose="020B0502040204020203" pitchFamily="34" charset="-122"/>
-              </a:rPr>
-              <a:t>Basic I/O command</a:t>
+              <a:rPr lang="en-US" altLang="zh-CN" dirty="0">
+                <a:latin typeface="微软雅黑 Light" panose="020B0502040204020203" pitchFamily="34" charset="-122"/>
+                <a:ea typeface="微软雅黑 Light" panose="020B0502040204020203" pitchFamily="34" charset="-122"/>
+              </a:rPr>
+              <a:t>5 Basic I/O command</a:t>
             </a:r>
           </a:p>
         </p:txBody>
@@ -5168,25 +5049,25 @@
             </a:endParaRPr>
           </a:p>
           <a:p>
-            <a:endParaRPr lang="en-US" altLang="zh-CN" dirty="0" smtClean="0">
-              <a:latin typeface="微软雅黑 Light" panose="020B0502040204020203" pitchFamily="34" charset="-122"/>
-              <a:ea typeface="微软雅黑 Light" panose="020B0502040204020203" pitchFamily="34" charset="-122"/>
-            </a:endParaRPr>
-          </a:p>
-          <a:p>
             <a:endParaRPr lang="en-US" altLang="zh-CN" dirty="0">
               <a:latin typeface="微软雅黑 Light" panose="020B0502040204020203" pitchFamily="34" charset="-122"/>
               <a:ea typeface="微软雅黑 Light" panose="020B0502040204020203" pitchFamily="34" charset="-122"/>
             </a:endParaRPr>
           </a:p>
           <a:p>
-            <a:endParaRPr lang="en-US" altLang="zh-CN" dirty="0" smtClean="0">
-              <a:latin typeface="微软雅黑 Light" panose="020B0502040204020203" pitchFamily="34" charset="-122"/>
-              <a:ea typeface="微软雅黑 Light" panose="020B0502040204020203" pitchFamily="34" charset="-122"/>
-            </a:endParaRPr>
-          </a:p>
-          <a:p>
-            <a:endParaRPr lang="en-US" altLang="zh-CN" dirty="0" smtClean="0">
+            <a:endParaRPr lang="en-US" altLang="zh-CN" dirty="0">
+              <a:latin typeface="微软雅黑 Light" panose="020B0502040204020203" pitchFamily="34" charset="-122"/>
+              <a:ea typeface="微软雅黑 Light" panose="020B0502040204020203" pitchFamily="34" charset="-122"/>
+            </a:endParaRPr>
+          </a:p>
+          <a:p>
+            <a:endParaRPr lang="en-US" altLang="zh-CN" dirty="0">
+              <a:latin typeface="微软雅黑 Light" panose="020B0502040204020203" pitchFamily="34" charset="-122"/>
+              <a:ea typeface="微软雅黑 Light" panose="020B0502040204020203" pitchFamily="34" charset="-122"/>
+            </a:endParaRPr>
+          </a:p>
+          <a:p>
+            <a:endParaRPr lang="en-US" altLang="zh-CN" dirty="0">
               <a:latin typeface="微软雅黑 Light" panose="020B0502040204020203" pitchFamily="34" charset="-122"/>
               <a:ea typeface="微软雅黑 Light" panose="020B0502040204020203" pitchFamily="34" charset="-122"/>
             </a:endParaRPr>
@@ -5285,13 +5166,6 @@
   <p:clrMapOvr>
     <a:masterClrMapping/>
   </p:clrMapOvr>
-  <p:timing>
-    <p:tnLst>
-      <p:par>
-        <p:cTn id="1" dur="indefinite" restart="never" nodeType="tmRoot"/>
-      </p:par>
-    </p:tnLst>
-  </p:timing>
 </p:sld>
 </file>
 
@@ -5328,7 +5202,7 @@
           <a:lstStyle/>
           <a:p>
             <a:r>
-              <a:rPr lang="en-US" altLang="zh-CN" dirty="0" smtClean="0">
+              <a:rPr lang="en-US" altLang="zh-CN" dirty="0">
                 <a:latin typeface="微软雅黑 Light" panose="020B0502040204020203" pitchFamily="34" charset="-122"/>
                 <a:ea typeface="微软雅黑 Light" panose="020B0502040204020203" pitchFamily="34" charset="-122"/>
               </a:rPr>
@@ -5353,21 +5227,21 @@
           <a:lstStyle/>
           <a:p>
             <a:r>
-              <a:rPr lang="en-US" altLang="zh-CN" dirty="0" smtClean="0">
+              <a:rPr lang="en-US" altLang="zh-CN" dirty="0">
                 <a:latin typeface="微软雅黑 Light" panose="020B0502040204020203" pitchFamily="34" charset="-122"/>
                 <a:ea typeface="微软雅黑 Light" panose="020B0502040204020203" pitchFamily="34" charset="-122"/>
               </a:rPr>
               <a:t>#include &lt;</a:t>
             </a:r>
             <a:r>
-              <a:rPr lang="en-US" altLang="zh-CN" dirty="0" err="1" smtClean="0">
+              <a:rPr lang="en-US" altLang="zh-CN" dirty="0" err="1">
                 <a:latin typeface="微软雅黑 Light" panose="020B0502040204020203" pitchFamily="34" charset="-122"/>
                 <a:ea typeface="微软雅黑 Light" panose="020B0502040204020203" pitchFamily="34" charset="-122"/>
               </a:rPr>
               <a:t>stdio.h</a:t>
             </a:r>
             <a:r>
-              <a:rPr lang="en-US" altLang="zh-CN" dirty="0" smtClean="0">
+              <a:rPr lang="en-US" altLang="zh-CN" dirty="0">
                 <a:latin typeface="微软雅黑 Light" panose="020B0502040204020203" pitchFamily="34" charset="-122"/>
                 <a:ea typeface="微软雅黑 Light" panose="020B0502040204020203" pitchFamily="34" charset="-122"/>
               </a:rPr>
@@ -5376,41 +5250,41 @@
           </a:p>
           <a:p>
             <a:r>
-              <a:rPr lang="en-US" altLang="zh-CN" dirty="0" smtClean="0">
+              <a:rPr lang="en-US" altLang="zh-CN" dirty="0">
                 <a:latin typeface="微软雅黑 Light" panose="020B0502040204020203" pitchFamily="34" charset="-122"/>
                 <a:ea typeface="微软雅黑 Light" panose="020B0502040204020203" pitchFamily="34" charset="-122"/>
               </a:rPr>
               <a:t>#include &lt;</a:t>
             </a:r>
             <a:r>
-              <a:rPr lang="en-US" altLang="zh-CN" dirty="0" err="1" smtClean="0">
+              <a:rPr lang="en-US" altLang="zh-CN" dirty="0" err="1">
                 <a:latin typeface="微软雅黑 Light" panose="020B0502040204020203" pitchFamily="34" charset="-122"/>
                 <a:ea typeface="微软雅黑 Light" panose="020B0502040204020203" pitchFamily="34" charset="-122"/>
               </a:rPr>
               <a:t>xx.h</a:t>
             </a:r>
             <a:r>
-              <a:rPr lang="en-US" altLang="zh-CN" dirty="0" smtClean="0">
+              <a:rPr lang="en-US" altLang="zh-CN" dirty="0">
                 <a:latin typeface="微软雅黑 Light" panose="020B0502040204020203" pitchFamily="34" charset="-122"/>
                 <a:ea typeface="微软雅黑 Light" panose="020B0502040204020203" pitchFamily="34" charset="-122"/>
               </a:rPr>
               <a:t>&gt; &amp; #include “</a:t>
             </a:r>
             <a:r>
-              <a:rPr lang="en-US" altLang="zh-CN" dirty="0" err="1" smtClean="0">
+              <a:rPr lang="en-US" altLang="zh-CN" dirty="0" err="1">
                 <a:latin typeface="微软雅黑 Light" panose="020B0502040204020203" pitchFamily="34" charset="-122"/>
                 <a:ea typeface="微软雅黑 Light" panose="020B0502040204020203" pitchFamily="34" charset="-122"/>
               </a:rPr>
               <a:t>xx.h</a:t>
             </a:r>
             <a:r>
-              <a:rPr lang="zh-CN" altLang="en-US" dirty="0" smtClean="0">
+              <a:rPr lang="zh-CN" altLang="en-US" dirty="0">
                 <a:latin typeface="微软雅黑 Light" panose="020B0502040204020203" pitchFamily="34" charset="-122"/>
                 <a:ea typeface="微软雅黑 Light" panose="020B0502040204020203" pitchFamily="34" charset="-122"/>
               </a:rPr>
               <a:t>”</a:t>
             </a:r>
-            <a:endParaRPr lang="en-US" altLang="zh-CN" dirty="0" smtClean="0">
+            <a:endParaRPr lang="en-US" altLang="zh-CN" dirty="0">
               <a:latin typeface="微软雅黑 Light" panose="020B0502040204020203" pitchFamily="34" charset="-122"/>
               <a:ea typeface="微软雅黑 Light" panose="020B0502040204020203" pitchFamily="34" charset="-122"/>
             </a:endParaRPr>
@@ -5419,7 +5293,7 @@
             <a:pPr marL="0" indent="0">
               <a:buNone/>
             </a:pPr>
-            <a:endParaRPr lang="en-US" altLang="zh-CN" dirty="0" smtClean="0">
+            <a:endParaRPr lang="en-US" altLang="zh-CN" dirty="0">
               <a:latin typeface="微软雅黑 Light" panose="020B0502040204020203" pitchFamily="34" charset="-122"/>
               <a:ea typeface="微软雅黑 Light" panose="020B0502040204020203" pitchFamily="34" charset="-122"/>
             </a:endParaRPr>
@@ -5436,13 +5310,6 @@
   <p:clrMapOvr>
     <a:masterClrMapping/>
   </p:clrMapOvr>
-  <p:timing>
-    <p:tnLst>
-      <p:par>
-        <p:cTn id="1" dur="indefinite" restart="never" nodeType="tmRoot"/>
-      </p:par>
-    </p:tnLst>
-  </p:timing>
 </p:sld>
 </file>
 
@@ -5479,7 +5346,7 @@
           <a:lstStyle/>
           <a:p>
             <a:r>
-              <a:rPr lang="en-US" altLang="zh-CN" dirty="0" smtClean="0">
+              <a:rPr lang="en-US" altLang="zh-CN" dirty="0">
                 <a:latin typeface="微软雅黑 Light" panose="020B0502040204020203" pitchFamily="34" charset="-122"/>
                 <a:ea typeface="微软雅黑 Light" panose="020B0502040204020203" pitchFamily="34" charset="-122"/>
               </a:rPr>
@@ -5504,7 +5371,7 @@
           <a:lstStyle/>
           <a:p>
             <a:r>
-              <a:rPr lang="en-US" altLang="zh-CN" dirty="0" smtClean="0">
+              <a:rPr lang="en-US" altLang="zh-CN" dirty="0">
                 <a:latin typeface="微软雅黑 Light" panose="020B0502040204020203" pitchFamily="34" charset="-122"/>
                 <a:ea typeface="微软雅黑 Light" panose="020B0502040204020203" pitchFamily="34" charset="-122"/>
               </a:rPr>
@@ -5547,13 +5414,6 @@
   <p:clrMapOvr>
     <a:masterClrMapping/>
   </p:clrMapOvr>
-  <p:timing>
-    <p:tnLst>
-      <p:par>
-        <p:cTn id="1" dur="indefinite" restart="never" nodeType="tmRoot"/>
-      </p:par>
-    </p:tnLst>
-  </p:timing>
 </p:sld>
 </file>
 
@@ -5590,7 +5450,7 @@
           <a:lstStyle/>
           <a:p>
             <a:r>
-              <a:rPr lang="en-US" altLang="zh-CN" dirty="0" smtClean="0">
+              <a:rPr lang="en-US" altLang="zh-CN" dirty="0">
                 <a:latin typeface="微软雅黑 Light" panose="020B0502040204020203" pitchFamily="34" charset="-122"/>
                 <a:ea typeface="微软雅黑 Light" panose="020B0502040204020203" pitchFamily="34" charset="-122"/>
               </a:rPr>
@@ -5615,7 +5475,7 @@
           <a:lstStyle/>
           <a:p>
             <a:r>
-              <a:rPr lang="en-US" altLang="zh-CN" dirty="0" smtClean="0">
+              <a:rPr lang="en-US" altLang="zh-CN" dirty="0">
                 <a:latin typeface="微软雅黑 Light" panose="020B0502040204020203" pitchFamily="34" charset="-122"/>
                 <a:ea typeface="微软雅黑 Light" panose="020B0502040204020203" pitchFamily="34" charset="-122"/>
               </a:rPr>
@@ -5682,13 +5542,6 @@
   <p:clrMapOvr>
     <a:masterClrMapping/>
   </p:clrMapOvr>
-  <p:timing>
-    <p:tnLst>
-      <p:par>
-        <p:cTn id="1" dur="indefinite" restart="never" nodeType="tmRoot"/>
-      </p:par>
-    </p:tnLst>
-  </p:timing>
 </p:sld>
 </file>
 
@@ -5725,7 +5578,7 @@
           <a:lstStyle/>
           <a:p>
             <a:r>
-              <a:rPr lang="en-US" altLang="zh-CN" dirty="0" smtClean="0">
+              <a:rPr lang="en-US" altLang="zh-CN" dirty="0">
                 <a:latin typeface="微软雅黑 Light" panose="020B0502040204020203" pitchFamily="34" charset="-122"/>
                 <a:ea typeface="微软雅黑 Light" panose="020B0502040204020203" pitchFamily="34" charset="-122"/>
               </a:rPr>
@@ -5750,19 +5603,15 @@
           <a:lstStyle/>
           <a:p>
             <a:r>
-              <a:rPr lang="en-US" altLang="zh-CN" dirty="0" smtClean="0">
+              <a:rPr lang="en-US" altLang="zh-CN" dirty="0">
                 <a:latin typeface="微软雅黑 Light" panose="020B0502040204020203" pitchFamily="34" charset="-122"/>
                 <a:ea typeface="微软雅黑 Light" panose="020B0502040204020203" pitchFamily="34" charset="-122"/>
               </a:rPr>
               <a:t>for loop</a:t>
             </a:r>
+          </a:p>
+          <a:p>
             <a:endParaRPr lang="en-US" altLang="zh-CN" dirty="0">
-              <a:latin typeface="微软雅黑 Light" panose="020B0502040204020203" pitchFamily="34" charset="-122"/>
-              <a:ea typeface="微软雅黑 Light" panose="020B0502040204020203" pitchFamily="34" charset="-122"/>
-            </a:endParaRPr>
-          </a:p>
-          <a:p>
-            <a:endParaRPr lang="en-US" altLang="zh-CN" dirty="0" smtClean="0">
               <a:latin typeface="微软雅黑 Light" panose="020B0502040204020203" pitchFamily="34" charset="-122"/>
               <a:ea typeface="微软雅黑 Light" panose="020B0502040204020203" pitchFamily="34" charset="-122"/>
             </a:endParaRPr>
@@ -5827,13 +5676,6 @@
   <p:clrMapOvr>
     <a:masterClrMapping/>
   </p:clrMapOvr>
-  <p:timing>
-    <p:tnLst>
-      <p:par>
-        <p:cTn id="1" dur="indefinite" restart="never" nodeType="tmRoot"/>
-      </p:par>
-    </p:tnLst>
-  </p:timing>
 </p:sld>
 </file>
 
@@ -5870,7 +5712,7 @@
           <a:lstStyle/>
           <a:p>
             <a:r>
-              <a:rPr lang="en-US" altLang="zh-CN" dirty="0" smtClean="0">
+              <a:rPr lang="en-US" altLang="zh-CN" dirty="0">
                 <a:latin typeface="微软雅黑 Light" panose="020B0502040204020203" pitchFamily="34" charset="-122"/>
                 <a:ea typeface="微软雅黑 Light" panose="020B0502040204020203" pitchFamily="34" charset="-122"/>
               </a:rPr>
@@ -5895,7 +5737,7 @@
           <a:lstStyle/>
           <a:p>
             <a:r>
-              <a:rPr lang="en-US" altLang="zh-CN" dirty="0" smtClean="0">
+              <a:rPr lang="en-US" altLang="zh-CN" dirty="0">
                 <a:latin typeface="微软雅黑 Light" panose="020B0502040204020203" pitchFamily="34" charset="-122"/>
                 <a:ea typeface="微软雅黑 Light" panose="020B0502040204020203" pitchFamily="34" charset="-122"/>
               </a:rPr>
@@ -5903,7 +5745,7 @@
             </a:r>
           </a:p>
           <a:p>
-            <a:endParaRPr lang="en-US" altLang="zh-CN" dirty="0" smtClean="0">
+            <a:endParaRPr lang="en-US" altLang="zh-CN" dirty="0">
               <a:latin typeface="微软雅黑 Light" panose="020B0502040204020203" pitchFamily="34" charset="-122"/>
               <a:ea typeface="微软雅黑 Light" panose="020B0502040204020203" pitchFamily="34" charset="-122"/>
             </a:endParaRPr>
@@ -5968,13 +5810,6 @@
   <p:clrMapOvr>
     <a:masterClrMapping/>
   </p:clrMapOvr>
-  <p:timing>
-    <p:tnLst>
-      <p:par>
-        <p:cTn id="1" dur="indefinite" restart="never" nodeType="tmRoot"/>
-      </p:par>
-    </p:tnLst>
-  </p:timing>
 </p:sld>
 </file>
 
@@ -6011,7 +5846,7 @@
           <a:lstStyle/>
           <a:p>
             <a:r>
-              <a:rPr lang="en-US" altLang="zh-CN" dirty="0" smtClean="0">
+              <a:rPr lang="en-US" altLang="zh-CN" dirty="0">
                 <a:latin typeface="微软雅黑 Light" panose="020B0502040204020203" pitchFamily="34" charset="-122"/>
                 <a:ea typeface="微软雅黑 Light" panose="020B0502040204020203" pitchFamily="34" charset="-122"/>
               </a:rPr>
@@ -6036,7 +5871,7 @@
           <a:lstStyle/>
           <a:p>
             <a:r>
-              <a:rPr lang="en-US" altLang="zh-CN" dirty="0" smtClean="0">
+              <a:rPr lang="en-US" altLang="zh-CN" dirty="0">
                 <a:latin typeface="微软雅黑 Light" panose="020B0502040204020203" pitchFamily="34" charset="-122"/>
                 <a:ea typeface="微软雅黑 Light" panose="020B0502040204020203" pitchFamily="34" charset="-122"/>
               </a:rPr>
@@ -6103,13 +5938,6 @@
   <p:clrMapOvr>
     <a:masterClrMapping/>
   </p:clrMapOvr>
-  <p:timing>
-    <p:tnLst>
-      <p:par>
-        <p:cTn id="1" dur="indefinite" restart="never" nodeType="tmRoot"/>
-      </p:par>
-    </p:tnLst>
-  </p:timing>
 </p:sld>
 </file>
 
@@ -6146,7 +5974,7 @@
           <a:lstStyle/>
           <a:p>
             <a:r>
-              <a:rPr lang="en-US" altLang="zh-CN" dirty="0" smtClean="0">
+              <a:rPr lang="en-US" altLang="zh-CN" dirty="0">
                 <a:latin typeface="微软雅黑 Light" panose="020B0502040204020203" pitchFamily="34" charset="-122"/>
                 <a:ea typeface="微软雅黑 Light" panose="020B0502040204020203" pitchFamily="34" charset="-122"/>
               </a:rPr>
@@ -6175,7 +6003,7 @@
           <a:lstStyle/>
           <a:p>
             <a:r>
-              <a:rPr lang="en-US" altLang="zh-CN" dirty="0" smtClean="0">
+              <a:rPr lang="en-US" altLang="zh-CN" dirty="0">
                 <a:latin typeface="微软雅黑 Light" panose="020B0502040204020203" pitchFamily="34" charset="-122"/>
                 <a:ea typeface="微软雅黑 Light" panose="020B0502040204020203" pitchFamily="34" charset="-122"/>
               </a:rPr>
@@ -6184,7 +6012,7 @@
           </a:p>
           <a:p>
             <a:r>
-              <a:rPr lang="en-US" altLang="zh-CN" dirty="0" smtClean="0">
+              <a:rPr lang="en-US" altLang="zh-CN" dirty="0">
                 <a:latin typeface="微软雅黑 Light" panose="020B0502040204020203" pitchFamily="34" charset="-122"/>
                 <a:ea typeface="微软雅黑 Light" panose="020B0502040204020203" pitchFamily="34" charset="-122"/>
               </a:rPr>
@@ -6193,7 +6021,7 @@
           </a:p>
           <a:p>
             <a:r>
-              <a:rPr lang="en-US" altLang="zh-CN" dirty="0" smtClean="0">
+              <a:rPr lang="en-US" altLang="zh-CN" dirty="0">
                 <a:latin typeface="微软雅黑 Light" panose="020B0502040204020203" pitchFamily="34" charset="-122"/>
                 <a:ea typeface="微软雅黑 Light" panose="020B0502040204020203" pitchFamily="34" charset="-122"/>
               </a:rPr>
@@ -6201,7 +6029,7 @@
             </a:r>
           </a:p>
           <a:p>
-            <a:endParaRPr lang="en-US" altLang="zh-CN" dirty="0" smtClean="0">
+            <a:endParaRPr lang="en-US" altLang="zh-CN" dirty="0">
               <a:latin typeface="微软雅黑 Light" panose="020B0502040204020203" pitchFamily="34" charset="-122"/>
               <a:ea typeface="微软雅黑 Light" panose="020B0502040204020203" pitchFamily="34" charset="-122"/>
             </a:endParaRPr>
@@ -6224,13 +6052,6 @@
   <p:clrMapOvr>
     <a:masterClrMapping/>
   </p:clrMapOvr>
-  <p:timing>
-    <p:tnLst>
-      <p:par>
-        <p:cTn id="1" dur="indefinite" restart="never" nodeType="tmRoot"/>
-      </p:par>
-    </p:tnLst>
-  </p:timing>
 </p:sld>
 </file>
 
@@ -6267,7 +6088,7 @@
           <a:lstStyle/>
           <a:p>
             <a:r>
-              <a:rPr lang="en-US" altLang="zh-CN" dirty="0" smtClean="0">
+              <a:rPr lang="en-US" altLang="zh-CN" dirty="0">
                 <a:latin typeface="微软雅黑 Light" panose="020B0502040204020203" pitchFamily="34" charset="-122"/>
                 <a:ea typeface="微软雅黑 Light" panose="020B0502040204020203" pitchFamily="34" charset="-122"/>
               </a:rPr>
@@ -6292,7 +6113,7 @@
           <a:lstStyle/>
           <a:p>
             <a:r>
-              <a:rPr lang="en-US" altLang="zh-CN" dirty="0" smtClean="0">
+              <a:rPr lang="en-US" altLang="zh-CN" dirty="0">
                 <a:latin typeface="微软雅黑 Light" panose="020B0502040204020203" pitchFamily="34" charset="-122"/>
                 <a:ea typeface="微软雅黑 Light" panose="020B0502040204020203" pitchFamily="34" charset="-122"/>
               </a:rPr>
@@ -6308,14 +6129,7 @@
                 <a:latin typeface="微软雅黑 Light" panose="020B0502040204020203" pitchFamily="34" charset="-122"/>
                 <a:ea typeface="微软雅黑 Light" panose="020B0502040204020203" pitchFamily="34" charset="-122"/>
               </a:rPr>
-              <a:t> </a:t>
-            </a:r>
-            <a:r>
-              <a:rPr lang="en-US" altLang="zh-CN" dirty="0" smtClean="0">
-                <a:latin typeface="微软雅黑 Light" panose="020B0502040204020203" pitchFamily="34" charset="-122"/>
-                <a:ea typeface="微软雅黑 Light" panose="020B0502040204020203" pitchFamily="34" charset="-122"/>
-              </a:rPr>
-              <a:t> </a:t>
+              <a:t>  </a:t>
             </a:r>
           </a:p>
         </p:txBody>
@@ -6378,13 +6192,6 @@
   <p:clrMapOvr>
     <a:masterClrMapping/>
   </p:clrMapOvr>
-  <p:timing>
-    <p:tnLst>
-      <p:par>
-        <p:cTn id="1" dur="indefinite" restart="never" nodeType="tmRoot"/>
-      </p:par>
-    </p:tnLst>
-  </p:timing>
 </p:sld>
 </file>
 
@@ -6421,7 +6228,7 @@
           <a:lstStyle/>
           <a:p>
             <a:r>
-              <a:rPr lang="en-US" altLang="zh-CN" dirty="0" smtClean="0">
+              <a:rPr lang="en-US" altLang="zh-CN" dirty="0">
                 <a:latin typeface="微软雅黑 Light" panose="020B0502040204020203" pitchFamily="34" charset="-122"/>
                 <a:ea typeface="微软雅黑 Light" panose="020B0502040204020203" pitchFamily="34" charset="-122"/>
               </a:rPr>
@@ -6446,7 +6253,7 @@
           <a:lstStyle/>
           <a:p>
             <a:r>
-              <a:rPr lang="en-US" altLang="zh-CN" dirty="0" smtClean="0">
+              <a:rPr lang="en-US" altLang="zh-CN" dirty="0">
                 <a:latin typeface="微软雅黑 Light" panose="020B0502040204020203" pitchFamily="34" charset="-122"/>
                 <a:ea typeface="微软雅黑 Light" panose="020B0502040204020203" pitchFamily="34" charset="-122"/>
               </a:rPr>
@@ -6462,14 +6269,7 @@
                 <a:latin typeface="微软雅黑 Light" panose="020B0502040204020203" pitchFamily="34" charset="-122"/>
                 <a:ea typeface="微软雅黑 Light" panose="020B0502040204020203" pitchFamily="34" charset="-122"/>
               </a:rPr>
-              <a:t> </a:t>
-            </a:r>
-            <a:r>
-              <a:rPr lang="en-US" altLang="zh-CN" dirty="0" smtClean="0">
-                <a:latin typeface="微软雅黑 Light" panose="020B0502040204020203" pitchFamily="34" charset="-122"/>
-                <a:ea typeface="微软雅黑 Light" panose="020B0502040204020203" pitchFamily="34" charset="-122"/>
-              </a:rPr>
-              <a:t> </a:t>
+              <a:t>  </a:t>
             </a:r>
           </a:p>
         </p:txBody>
@@ -6532,13 +6332,6 @@
   <p:clrMapOvr>
     <a:masterClrMapping/>
   </p:clrMapOvr>
-  <p:timing>
-    <p:tnLst>
-      <p:par>
-        <p:cTn id="1" dur="indefinite" restart="never" nodeType="tmRoot"/>
-      </p:par>
-    </p:tnLst>
-  </p:timing>
 </p:sld>
 </file>
 
@@ -6575,7 +6368,7 @@
           <a:lstStyle/>
           <a:p>
             <a:r>
-              <a:rPr lang="en-US" altLang="zh-CN" dirty="0" smtClean="0">
+              <a:rPr lang="en-US" altLang="zh-CN" dirty="0">
                 <a:latin typeface="微软雅黑 Light" panose="020B0502040204020203" pitchFamily="34" charset="-122"/>
                 <a:ea typeface="微软雅黑 Light" panose="020B0502040204020203" pitchFamily="34" charset="-122"/>
               </a:rPr>
@@ -6600,20 +6393,20 @@
           <a:lstStyle/>
           <a:p>
             <a:r>
-              <a:rPr lang="en-US" altLang="zh-CN" dirty="0" smtClean="0">
+              <a:rPr lang="en-US" altLang="zh-CN" dirty="0">
                 <a:latin typeface="微软雅黑 Light" panose="020B0502040204020203" pitchFamily="34" charset="-122"/>
                 <a:ea typeface="微软雅黑 Light" panose="020B0502040204020203" pitchFamily="34" charset="-122"/>
               </a:rPr>
               <a:t>if and else condition – more </a:t>
             </a:r>
             <a:r>
-              <a:rPr lang="en-US" altLang="zh-CN" dirty="0" err="1" smtClean="0">
+              <a:rPr lang="en-US" altLang="zh-CN" dirty="0" err="1">
                 <a:latin typeface="微软雅黑 Light" panose="020B0502040204020203" pitchFamily="34" charset="-122"/>
                 <a:ea typeface="微软雅黑 Light" panose="020B0502040204020203" pitchFamily="34" charset="-122"/>
               </a:rPr>
               <a:t>elses</a:t>
             </a:r>
-            <a:endParaRPr lang="en-US" altLang="zh-CN" dirty="0" smtClean="0">
+            <a:endParaRPr lang="en-US" altLang="zh-CN" dirty="0">
               <a:latin typeface="微软雅黑 Light" panose="020B0502040204020203" pitchFamily="34" charset="-122"/>
               <a:ea typeface="微软雅黑 Light" panose="020B0502040204020203" pitchFamily="34" charset="-122"/>
             </a:endParaRPr>
@@ -6627,14 +6420,7 @@
                 <a:latin typeface="微软雅黑 Light" panose="020B0502040204020203" pitchFamily="34" charset="-122"/>
                 <a:ea typeface="微软雅黑 Light" panose="020B0502040204020203" pitchFamily="34" charset="-122"/>
               </a:rPr>
-              <a:t> </a:t>
-            </a:r>
-            <a:r>
-              <a:rPr lang="en-US" altLang="zh-CN" dirty="0" smtClean="0">
-                <a:latin typeface="微软雅黑 Light" panose="020B0502040204020203" pitchFamily="34" charset="-122"/>
-                <a:ea typeface="微软雅黑 Light" panose="020B0502040204020203" pitchFamily="34" charset="-122"/>
-              </a:rPr>
-              <a:t> </a:t>
+              <a:t>  </a:t>
             </a:r>
           </a:p>
         </p:txBody>
@@ -6697,13 +6483,6 @@
   <p:clrMapOvr>
     <a:masterClrMapping/>
   </p:clrMapOvr>
-  <p:timing>
-    <p:tnLst>
-      <p:par>
-        <p:cTn id="1" dur="indefinite" restart="never" nodeType="tmRoot"/>
-      </p:par>
-    </p:tnLst>
-  </p:timing>
 </p:sld>
 </file>
 
@@ -6740,7 +6519,7 @@
           <a:lstStyle/>
           <a:p>
             <a:r>
-              <a:rPr lang="en-US" altLang="zh-CN" dirty="0" smtClean="0">
+              <a:rPr lang="en-US" altLang="zh-CN" dirty="0">
                 <a:latin typeface="微软雅黑 Light" panose="020B0502040204020203" pitchFamily="34" charset="-122"/>
                 <a:ea typeface="微软雅黑 Light" panose="020B0502040204020203" pitchFamily="34" charset="-122"/>
               </a:rPr>
@@ -6765,25 +6544,18 @@
           <a:lstStyle/>
           <a:p>
             <a:r>
-              <a:rPr lang="en-US" altLang="zh-CN" dirty="0" smtClean="0">
-                <a:latin typeface="微软雅黑 Light" panose="020B0502040204020203" pitchFamily="34" charset="-122"/>
-                <a:ea typeface="微软雅黑 Light" panose="020B0502040204020203" pitchFamily="34" charset="-122"/>
-              </a:rPr>
-              <a:t>switch </a:t>
-            </a:r>
-            <a:r>
-              <a:rPr lang="en-US" altLang="zh-CN" dirty="0">
-                <a:latin typeface="微软雅黑 Light" panose="020B0502040204020203" pitchFamily="34" charset="-122"/>
-                <a:ea typeface="微软雅黑 Light" panose="020B0502040204020203" pitchFamily="34" charset="-122"/>
-              </a:rPr>
-              <a:t>condition</a:t>
+              <a:rPr lang="en-US" altLang="zh-CN" dirty="0">
+                <a:latin typeface="微软雅黑 Light" panose="020B0502040204020203" pitchFamily="34" charset="-122"/>
+                <a:ea typeface="微软雅黑 Light" panose="020B0502040204020203" pitchFamily="34" charset="-122"/>
+              </a:rPr>
+              <a:t>switch condition</a:t>
             </a:r>
           </a:p>
           <a:p>
             <a:pPr marL="0" indent="0">
               <a:buNone/>
             </a:pPr>
-            <a:endParaRPr lang="en-US" altLang="zh-CN" dirty="0" smtClean="0">
+            <a:endParaRPr lang="en-US" altLang="zh-CN" dirty="0">
               <a:latin typeface="微软雅黑 Light" panose="020B0502040204020203" pitchFamily="34" charset="-122"/>
               <a:ea typeface="微软雅黑 Light" panose="020B0502040204020203" pitchFamily="34" charset="-122"/>
             </a:endParaRPr>
@@ -6854,13 +6626,6 @@
   <p:clrMapOvr>
     <a:masterClrMapping/>
   </p:clrMapOvr>
-  <p:timing>
-    <p:tnLst>
-      <p:par>
-        <p:cTn id="1" dur="indefinite" restart="never" nodeType="tmRoot"/>
-      </p:par>
-    </p:tnLst>
-  </p:timing>
 </p:sld>
 </file>
 
@@ -6897,18 +6662,11 @@
           <a:lstStyle/>
           <a:p>
             <a:r>
-              <a:rPr lang="en-US" altLang="zh-CN" dirty="0" smtClean="0">
-                <a:latin typeface="微软雅黑 Light" panose="020B0502040204020203" pitchFamily="34" charset="-122"/>
-                <a:ea typeface="微软雅黑 Light" panose="020B0502040204020203" pitchFamily="34" charset="-122"/>
-              </a:rPr>
-              <a:t>GCC </a:t>
-            </a:r>
-            <a:r>
-              <a:rPr lang="en-US" altLang="zh-CN" dirty="0">
-                <a:latin typeface="微软雅黑 Light" panose="020B0502040204020203" pitchFamily="34" charset="-122"/>
-                <a:ea typeface="微软雅黑 Light" panose="020B0502040204020203" pitchFamily="34" charset="-122"/>
-              </a:rPr>
-              <a:t>compilation</a:t>
+              <a:rPr lang="en-US" altLang="zh-CN" dirty="0">
+                <a:latin typeface="微软雅黑 Light" panose="020B0502040204020203" pitchFamily="34" charset="-122"/>
+                <a:ea typeface="微软雅黑 Light" panose="020B0502040204020203" pitchFamily="34" charset="-122"/>
+              </a:rPr>
+              <a:t>GCC compilation</a:t>
             </a:r>
           </a:p>
         </p:txBody>
@@ -6929,14 +6687,14 @@
           <a:lstStyle/>
           <a:p>
             <a:r>
-              <a:rPr lang="en-US" altLang="zh-CN" dirty="0" smtClean="0">
+              <a:rPr lang="en-US" altLang="zh-CN" dirty="0">
                 <a:latin typeface="微软雅黑 Light" panose="020B0502040204020203" pitchFamily="34" charset="-122"/>
                 <a:ea typeface="微软雅黑 Light" panose="020B0502040204020203" pitchFamily="34" charset="-122"/>
               </a:rPr>
               <a:t>4 steps: </a:t>
             </a:r>
             <a:r>
-              <a:rPr lang="en-US" altLang="zh-CN" dirty="0" smtClean="0">
+              <a:rPr lang="en-US" altLang="zh-CN" dirty="0">
                 <a:solidFill>
                   <a:schemeClr val="accent2">
                     <a:lumMod val="75000"/>
@@ -6948,14 +6706,14 @@
               <a:t>preprocessing</a:t>
             </a:r>
             <a:r>
-              <a:rPr lang="en-US" altLang="zh-CN" dirty="0" smtClean="0">
+              <a:rPr lang="en-US" altLang="zh-CN" dirty="0">
                 <a:latin typeface="微软雅黑 Light" panose="020B0502040204020203" pitchFamily="34" charset="-122"/>
                 <a:ea typeface="微软雅黑 Light" panose="020B0502040204020203" pitchFamily="34" charset="-122"/>
               </a:rPr>
               <a:t> – </a:t>
             </a:r>
             <a:r>
-              <a:rPr lang="en-US" altLang="zh-CN" dirty="0" smtClean="0">
+              <a:rPr lang="en-US" altLang="zh-CN" dirty="0">
                 <a:solidFill>
                   <a:srgbClr val="0070C0"/>
                 </a:solidFill>
@@ -6965,14 +6723,14 @@
               <a:t>compilation</a:t>
             </a:r>
             <a:r>
-              <a:rPr lang="en-US" altLang="zh-CN" dirty="0" smtClean="0">
+              <a:rPr lang="en-US" altLang="zh-CN" dirty="0">
                 <a:latin typeface="微软雅黑 Light" panose="020B0502040204020203" pitchFamily="34" charset="-122"/>
                 <a:ea typeface="微软雅黑 Light" panose="020B0502040204020203" pitchFamily="34" charset="-122"/>
               </a:rPr>
               <a:t> – </a:t>
             </a:r>
             <a:r>
-              <a:rPr lang="en-US" altLang="zh-CN" dirty="0" smtClean="0">
+              <a:rPr lang="en-US" altLang="zh-CN" dirty="0">
                 <a:solidFill>
                   <a:srgbClr val="FF0000"/>
                 </a:solidFill>
@@ -6982,14 +6740,14 @@
               <a:t>assembly</a:t>
             </a:r>
             <a:r>
-              <a:rPr lang="en-US" altLang="zh-CN" dirty="0" smtClean="0">
+              <a:rPr lang="en-US" altLang="zh-CN" dirty="0">
                 <a:latin typeface="微软雅黑 Light" panose="020B0502040204020203" pitchFamily="34" charset="-122"/>
                 <a:ea typeface="微软雅黑 Light" panose="020B0502040204020203" pitchFamily="34" charset="-122"/>
               </a:rPr>
               <a:t> – </a:t>
             </a:r>
             <a:r>
-              <a:rPr lang="en-US" altLang="zh-CN" dirty="0" smtClean="0">
+              <a:rPr lang="en-US" altLang="zh-CN" dirty="0">
                 <a:solidFill>
                   <a:srgbClr val="00B050"/>
                 </a:solidFill>
@@ -7003,7 +6761,7 @@
             <a:pPr marL="0" indent="0">
               <a:buNone/>
             </a:pPr>
-            <a:endParaRPr lang="en-US" altLang="zh-CN" dirty="0" smtClean="0">
+            <a:endParaRPr lang="en-US" altLang="zh-CN" dirty="0">
               <a:solidFill>
                 <a:srgbClr val="00B050"/>
               </a:solidFill>
@@ -7016,7 +6774,7 @@
               <a:buNone/>
             </a:pPr>
             <a:r>
-              <a:rPr lang="en-US" altLang="zh-CN" dirty="0" smtClean="0">
+              <a:rPr lang="en-US" altLang="zh-CN" dirty="0">
                 <a:solidFill>
                   <a:schemeClr val="accent2">
                     <a:lumMod val="75000"/>
@@ -7028,62 +6786,62 @@
               <a:t>preprocessing : </a:t>
             </a:r>
             <a:r>
-              <a:rPr lang="en-US" altLang="zh-CN" dirty="0" smtClean="0">
+              <a:rPr lang="en-US" altLang="zh-CN" dirty="0">
                 <a:latin typeface="微软雅黑 Light" panose="020B0502040204020203" pitchFamily="34" charset="-122"/>
                 <a:ea typeface="微软雅黑 Light" panose="020B0502040204020203" pitchFamily="34" charset="-122"/>
               </a:rPr>
               <a:t>from </a:t>
             </a:r>
             <a:r>
-              <a:rPr lang="en-US" altLang="zh-CN" dirty="0" err="1" smtClean="0">
+              <a:rPr lang="en-US" altLang="zh-CN" dirty="0" err="1">
                 <a:latin typeface="微软雅黑 Light" panose="020B0502040204020203" pitchFamily="34" charset="-122"/>
                 <a:ea typeface="微软雅黑 Light" panose="020B0502040204020203" pitchFamily="34" charset="-122"/>
               </a:rPr>
               <a:t>xx.c</a:t>
             </a:r>
             <a:r>
-              <a:rPr lang="en-US" altLang="zh-CN" dirty="0" smtClean="0">
+              <a:rPr lang="en-US" altLang="zh-CN" dirty="0">
                 <a:latin typeface="微软雅黑 Light" panose="020B0502040204020203" pitchFamily="34" charset="-122"/>
                 <a:ea typeface="微软雅黑 Light" panose="020B0502040204020203" pitchFamily="34" charset="-122"/>
               </a:rPr>
               <a:t> to </a:t>
             </a:r>
             <a:r>
-              <a:rPr lang="en-US" altLang="zh-CN" dirty="0" err="1" smtClean="0">
+              <a:rPr lang="en-US" altLang="zh-CN" dirty="0" err="1">
                 <a:latin typeface="微软雅黑 Light" panose="020B0502040204020203" pitchFamily="34" charset="-122"/>
                 <a:ea typeface="微软雅黑 Light" panose="020B0502040204020203" pitchFamily="34" charset="-122"/>
               </a:rPr>
               <a:t>xx.i</a:t>
             </a:r>
             <a:r>
-              <a:rPr lang="en-US" altLang="zh-CN" dirty="0" smtClean="0">
+              <a:rPr lang="en-US" altLang="zh-CN" dirty="0">
                 <a:latin typeface="微软雅黑 Light" panose="020B0502040204020203" pitchFamily="34" charset="-122"/>
                 <a:ea typeface="微软雅黑 Light" panose="020B0502040204020203" pitchFamily="34" charset="-122"/>
               </a:rPr>
               <a:t>  -&gt;  gcc –E </a:t>
             </a:r>
             <a:r>
-              <a:rPr lang="en-US" altLang="zh-CN" dirty="0" err="1" smtClean="0">
+              <a:rPr lang="en-US" altLang="zh-CN" dirty="0" err="1">
                 <a:latin typeface="微软雅黑 Light" panose="020B0502040204020203" pitchFamily="34" charset="-122"/>
                 <a:ea typeface="微软雅黑 Light" panose="020B0502040204020203" pitchFamily="34" charset="-122"/>
               </a:rPr>
               <a:t>xx.c</a:t>
             </a:r>
             <a:r>
-              <a:rPr lang="en-US" altLang="zh-CN" dirty="0" smtClean="0">
+              <a:rPr lang="en-US" altLang="zh-CN" dirty="0">
                 <a:latin typeface="微软雅黑 Light" panose="020B0502040204020203" pitchFamily="34" charset="-122"/>
                 <a:ea typeface="微软雅黑 Light" panose="020B0502040204020203" pitchFamily="34" charset="-122"/>
               </a:rPr>
               <a:t> –o </a:t>
             </a:r>
             <a:r>
-              <a:rPr lang="en-US" altLang="zh-CN" dirty="0" err="1" smtClean="0">
+              <a:rPr lang="en-US" altLang="zh-CN" dirty="0" err="1">
                 <a:latin typeface="微软雅黑 Light" panose="020B0502040204020203" pitchFamily="34" charset="-122"/>
                 <a:ea typeface="微软雅黑 Light" panose="020B0502040204020203" pitchFamily="34" charset="-122"/>
               </a:rPr>
               <a:t>xx.i</a:t>
             </a:r>
-            <a:endParaRPr lang="en-US" altLang="zh-CN" dirty="0" smtClean="0">
+            <a:endParaRPr lang="en-US" altLang="zh-CN" dirty="0">
               <a:latin typeface="微软雅黑 Light" panose="020B0502040204020203" pitchFamily="34" charset="-122"/>
               <a:ea typeface="微软雅黑 Light" panose="020B0502040204020203" pitchFamily="34" charset="-122"/>
             </a:endParaRPr>
@@ -7093,21 +6851,21 @@
               <a:buNone/>
             </a:pPr>
             <a:r>
-              <a:rPr lang="en-US" altLang="zh-CN" dirty="0" smtClean="0">
+              <a:rPr lang="en-US" altLang="zh-CN" dirty="0">
                 <a:latin typeface="微软雅黑 Light" panose="020B0502040204020203" pitchFamily="34" charset="-122"/>
                 <a:ea typeface="微软雅黑 Light" panose="020B0502040204020203" pitchFamily="34" charset="-122"/>
               </a:rPr>
               <a:t>                                                        gcc –E </a:t>
             </a:r>
             <a:r>
-              <a:rPr lang="en-US" altLang="zh-CN" dirty="0" err="1" smtClean="0">
+              <a:rPr lang="en-US" altLang="zh-CN" dirty="0" err="1">
                 <a:latin typeface="微软雅黑 Light" panose="020B0502040204020203" pitchFamily="34" charset="-122"/>
                 <a:ea typeface="微软雅黑 Light" panose="020B0502040204020203" pitchFamily="34" charset="-122"/>
               </a:rPr>
               <a:t>xx.c</a:t>
             </a:r>
             <a:r>
-              <a:rPr lang="en-US" altLang="zh-CN" dirty="0" smtClean="0">
+              <a:rPr lang="en-US" altLang="zh-CN" dirty="0">
                 <a:latin typeface="微软雅黑 Light" panose="020B0502040204020203" pitchFamily="34" charset="-122"/>
                 <a:ea typeface="微软雅黑 Light" panose="020B0502040204020203" pitchFamily="34" charset="-122"/>
               </a:rPr>
@@ -7119,7 +6877,7 @@
               <a:buNone/>
             </a:pPr>
             <a:r>
-              <a:rPr lang="en-US" altLang="zh-CN" dirty="0" smtClean="0">
+              <a:rPr lang="en-US" altLang="zh-CN" dirty="0">
                 <a:solidFill>
                   <a:srgbClr val="0070C0"/>
                 </a:solidFill>
@@ -7129,62 +6887,62 @@
               <a:t>compilation : </a:t>
             </a:r>
             <a:r>
-              <a:rPr lang="en-US" altLang="zh-CN" dirty="0" smtClean="0">
+              <a:rPr lang="en-US" altLang="zh-CN" dirty="0">
                 <a:latin typeface="微软雅黑 Light" panose="020B0502040204020203" pitchFamily="34" charset="-122"/>
                 <a:ea typeface="微软雅黑 Light" panose="020B0502040204020203" pitchFamily="34" charset="-122"/>
               </a:rPr>
               <a:t>from </a:t>
             </a:r>
             <a:r>
-              <a:rPr lang="en-US" altLang="zh-CN" dirty="0" err="1" smtClean="0">
+              <a:rPr lang="en-US" altLang="zh-CN" dirty="0" err="1">
                 <a:latin typeface="微软雅黑 Light" panose="020B0502040204020203" pitchFamily="34" charset="-122"/>
                 <a:ea typeface="微软雅黑 Light" panose="020B0502040204020203" pitchFamily="34" charset="-122"/>
               </a:rPr>
               <a:t>xx.i</a:t>
             </a:r>
             <a:r>
-              <a:rPr lang="en-US" altLang="zh-CN" dirty="0" smtClean="0">
+              <a:rPr lang="en-US" altLang="zh-CN" dirty="0">
                 <a:latin typeface="微软雅黑 Light" panose="020B0502040204020203" pitchFamily="34" charset="-122"/>
                 <a:ea typeface="微软雅黑 Light" panose="020B0502040204020203" pitchFamily="34" charset="-122"/>
               </a:rPr>
               <a:t> to </a:t>
             </a:r>
             <a:r>
-              <a:rPr lang="en-US" altLang="zh-CN" dirty="0" err="1" smtClean="0">
+              <a:rPr lang="en-US" altLang="zh-CN" dirty="0" err="1">
                 <a:latin typeface="微软雅黑 Light" panose="020B0502040204020203" pitchFamily="34" charset="-122"/>
                 <a:ea typeface="微软雅黑 Light" panose="020B0502040204020203" pitchFamily="34" charset="-122"/>
               </a:rPr>
               <a:t>xx.s</a:t>
             </a:r>
             <a:r>
-              <a:rPr lang="en-US" altLang="zh-CN" dirty="0" smtClean="0">
+              <a:rPr lang="en-US" altLang="zh-CN" dirty="0">
                 <a:latin typeface="微软雅黑 Light" panose="020B0502040204020203" pitchFamily="34" charset="-122"/>
                 <a:ea typeface="微软雅黑 Light" panose="020B0502040204020203" pitchFamily="34" charset="-122"/>
               </a:rPr>
               <a:t>  -&gt;  gcc –S </a:t>
             </a:r>
             <a:r>
-              <a:rPr lang="en-US" altLang="zh-CN" dirty="0" err="1" smtClean="0">
+              <a:rPr lang="en-US" altLang="zh-CN" dirty="0" err="1">
                 <a:latin typeface="微软雅黑 Light" panose="020B0502040204020203" pitchFamily="34" charset="-122"/>
                 <a:ea typeface="微软雅黑 Light" panose="020B0502040204020203" pitchFamily="34" charset="-122"/>
               </a:rPr>
               <a:t>xx.i</a:t>
             </a:r>
             <a:r>
-              <a:rPr lang="en-US" altLang="zh-CN" dirty="0" smtClean="0">
+              <a:rPr lang="en-US" altLang="zh-CN" dirty="0">
                 <a:latin typeface="微软雅黑 Light" panose="020B0502040204020203" pitchFamily="34" charset="-122"/>
                 <a:ea typeface="微软雅黑 Light" panose="020B0502040204020203" pitchFamily="34" charset="-122"/>
               </a:rPr>
               <a:t> –o </a:t>
             </a:r>
             <a:r>
-              <a:rPr lang="en-US" altLang="zh-CN" dirty="0" err="1" smtClean="0">
+              <a:rPr lang="en-US" altLang="zh-CN" dirty="0" err="1">
                 <a:latin typeface="微软雅黑 Light" panose="020B0502040204020203" pitchFamily="34" charset="-122"/>
                 <a:ea typeface="微软雅黑 Light" panose="020B0502040204020203" pitchFamily="34" charset="-122"/>
               </a:rPr>
               <a:t>xx.s</a:t>
             </a:r>
-            <a:endParaRPr lang="en-US" altLang="zh-CN" dirty="0" smtClean="0">
+            <a:endParaRPr lang="en-US" altLang="zh-CN" dirty="0">
               <a:latin typeface="微软雅黑 Light" panose="020B0502040204020203" pitchFamily="34" charset="-122"/>
               <a:ea typeface="微软雅黑 Light" panose="020B0502040204020203" pitchFamily="34" charset="-122"/>
             </a:endParaRPr>
@@ -7194,21 +6952,21 @@
               <a:buNone/>
             </a:pPr>
             <a:r>
-              <a:rPr lang="en-US" altLang="zh-CN" dirty="0" smtClean="0">
+              <a:rPr lang="en-US" altLang="zh-CN" dirty="0">
                 <a:latin typeface="微软雅黑 Light" panose="020B0502040204020203" pitchFamily="34" charset="-122"/>
                 <a:ea typeface="微软雅黑 Light" panose="020B0502040204020203" pitchFamily="34" charset="-122"/>
               </a:rPr>
               <a:t>                                                    gcc –S </a:t>
             </a:r>
             <a:r>
-              <a:rPr lang="en-US" altLang="zh-CN" dirty="0" err="1" smtClean="0">
+              <a:rPr lang="en-US" altLang="zh-CN" dirty="0" err="1">
                 <a:latin typeface="微软雅黑 Light" panose="020B0502040204020203" pitchFamily="34" charset="-122"/>
                 <a:ea typeface="微软雅黑 Light" panose="020B0502040204020203" pitchFamily="34" charset="-122"/>
               </a:rPr>
               <a:t>xx.i</a:t>
             </a:r>
             <a:r>
-              <a:rPr lang="en-US" altLang="zh-CN" dirty="0" smtClean="0">
+              <a:rPr lang="en-US" altLang="zh-CN" dirty="0">
                 <a:latin typeface="微软雅黑 Light" panose="020B0502040204020203" pitchFamily="34" charset="-122"/>
                 <a:ea typeface="微软雅黑 Light" panose="020B0502040204020203" pitchFamily="34" charset="-122"/>
               </a:rPr>
@@ -7236,13 +6994,6 @@
   <p:clrMapOvr>
     <a:masterClrMapping/>
   </p:clrMapOvr>
-  <p:timing>
-    <p:tnLst>
-      <p:par>
-        <p:cTn id="1" dur="indefinite" restart="never" nodeType="tmRoot"/>
-      </p:par>
-    </p:tnLst>
-  </p:timing>
 </p:sld>
 </file>
 
@@ -7279,7 +7030,7 @@
           <a:lstStyle/>
           <a:p>
             <a:r>
-              <a:rPr lang="en-US" altLang="zh-CN" dirty="0" smtClean="0">
+              <a:rPr lang="en-US" altLang="zh-CN" dirty="0">
                 <a:latin typeface="微软雅黑 Light" panose="020B0502040204020203" pitchFamily="34" charset="-122"/>
                 <a:ea typeface="微软雅黑 Light" panose="020B0502040204020203" pitchFamily="34" charset="-122"/>
               </a:rPr>
@@ -7309,14 +7060,14 @@
           <a:lstStyle/>
           <a:p>
             <a:r>
-              <a:rPr lang="en-US" altLang="zh-CN" dirty="0" smtClean="0">
+              <a:rPr lang="en-US" altLang="zh-CN" dirty="0">
                 <a:latin typeface="微软雅黑 Light" panose="020B0502040204020203" pitchFamily="34" charset="-122"/>
                 <a:ea typeface="微软雅黑 Light" panose="020B0502040204020203" pitchFamily="34" charset="-122"/>
               </a:rPr>
               <a:t>4 steps: </a:t>
             </a:r>
             <a:r>
-              <a:rPr lang="en-US" altLang="zh-CN" dirty="0" smtClean="0">
+              <a:rPr lang="en-US" altLang="zh-CN" dirty="0">
                 <a:solidFill>
                   <a:schemeClr val="accent2">
                     <a:lumMod val="75000"/>
@@ -7328,14 +7079,14 @@
               <a:t>preprocessing</a:t>
             </a:r>
             <a:r>
-              <a:rPr lang="en-US" altLang="zh-CN" dirty="0" smtClean="0">
+              <a:rPr lang="en-US" altLang="zh-CN" dirty="0">
                 <a:latin typeface="微软雅黑 Light" panose="020B0502040204020203" pitchFamily="34" charset="-122"/>
                 <a:ea typeface="微软雅黑 Light" panose="020B0502040204020203" pitchFamily="34" charset="-122"/>
               </a:rPr>
               <a:t> – </a:t>
             </a:r>
             <a:r>
-              <a:rPr lang="en-US" altLang="zh-CN" dirty="0" smtClean="0">
+              <a:rPr lang="en-US" altLang="zh-CN" dirty="0">
                 <a:solidFill>
                   <a:srgbClr val="0070C0"/>
                 </a:solidFill>
@@ -7345,14 +7096,14 @@
               <a:t>compilation</a:t>
             </a:r>
             <a:r>
-              <a:rPr lang="en-US" altLang="zh-CN" dirty="0" smtClean="0">
+              <a:rPr lang="en-US" altLang="zh-CN" dirty="0">
                 <a:latin typeface="微软雅黑 Light" panose="020B0502040204020203" pitchFamily="34" charset="-122"/>
                 <a:ea typeface="微软雅黑 Light" panose="020B0502040204020203" pitchFamily="34" charset="-122"/>
               </a:rPr>
               <a:t> – </a:t>
             </a:r>
             <a:r>
-              <a:rPr lang="en-US" altLang="zh-CN" dirty="0" smtClean="0">
+              <a:rPr lang="en-US" altLang="zh-CN" dirty="0">
                 <a:solidFill>
                   <a:srgbClr val="FF0000"/>
                 </a:solidFill>
@@ -7362,14 +7113,14 @@
               <a:t>assembly</a:t>
             </a:r>
             <a:r>
-              <a:rPr lang="en-US" altLang="zh-CN" dirty="0" smtClean="0">
+              <a:rPr lang="en-US" altLang="zh-CN" dirty="0">
                 <a:latin typeface="微软雅黑 Light" panose="020B0502040204020203" pitchFamily="34" charset="-122"/>
                 <a:ea typeface="微软雅黑 Light" panose="020B0502040204020203" pitchFamily="34" charset="-122"/>
               </a:rPr>
               <a:t> – </a:t>
             </a:r>
             <a:r>
-              <a:rPr lang="en-US" altLang="zh-CN" dirty="0" smtClean="0">
+              <a:rPr lang="en-US" altLang="zh-CN" dirty="0">
                 <a:solidFill>
                   <a:srgbClr val="00B050"/>
                 </a:solidFill>
@@ -7396,82 +7147,72 @@
               <a:buNone/>
             </a:pPr>
             <a:r>
-              <a:rPr lang="en-US" altLang="zh-CN" dirty="0" smtClean="0">
+              <a:rPr lang="en-US" altLang="zh-CN" dirty="0">
                 <a:solidFill>
                   <a:srgbClr val="FF0000"/>
                 </a:solidFill>
                 <a:latin typeface="微软雅黑 Light" panose="020B0502040204020203" pitchFamily="34" charset="-122"/>
                 <a:ea typeface="微软雅黑 Light" panose="020B0502040204020203" pitchFamily="34" charset="-122"/>
               </a:rPr>
-              <a:t>assembly </a:t>
-            </a:r>
-            <a:r>
-              <a:rPr lang="en-US" altLang="zh-CN" dirty="0">
-                <a:solidFill>
-                  <a:srgbClr val="FF0000"/>
-                </a:solidFill>
-                <a:latin typeface="微软雅黑 Light" panose="020B0502040204020203" pitchFamily="34" charset="-122"/>
-                <a:ea typeface="微软雅黑 Light" panose="020B0502040204020203" pitchFamily="34" charset="-122"/>
-              </a:rPr>
-              <a:t>: </a:t>
-            </a:r>
-            <a:r>
-              <a:rPr lang="en-US" altLang="zh-CN" dirty="0" smtClean="0">
+              <a:t>assembly : </a:t>
+            </a:r>
+            <a:r>
+              <a:rPr lang="en-US" altLang="zh-CN" dirty="0">
                 <a:latin typeface="微软雅黑 Light" panose="020B0502040204020203" pitchFamily="34" charset="-122"/>
                 <a:ea typeface="微软雅黑 Light" panose="020B0502040204020203" pitchFamily="34" charset="-122"/>
               </a:rPr>
               <a:t>from </a:t>
             </a:r>
             <a:r>
-              <a:rPr lang="en-US" altLang="zh-CN" dirty="0" err="1" smtClean="0">
+              <a:rPr lang="en-US" altLang="zh-CN" dirty="0" err="1">
                 <a:latin typeface="微软雅黑 Light" panose="020B0502040204020203" pitchFamily="34" charset="-122"/>
                 <a:ea typeface="微软雅黑 Light" panose="020B0502040204020203" pitchFamily="34" charset="-122"/>
               </a:rPr>
               <a:t>xx.s</a:t>
             </a:r>
             <a:r>
-              <a:rPr lang="en-US" altLang="zh-CN" dirty="0" smtClean="0">
+              <a:rPr lang="en-US" altLang="zh-CN" dirty="0">
                 <a:latin typeface="微软雅黑 Light" panose="020B0502040204020203" pitchFamily="34" charset="-122"/>
                 <a:ea typeface="微软雅黑 Light" panose="020B0502040204020203" pitchFamily="34" charset="-122"/>
               </a:rPr>
               <a:t> to </a:t>
             </a:r>
             <a:r>
-              <a:rPr lang="en-US" altLang="zh-CN" dirty="0" err="1" smtClean="0">
+              <a:rPr lang="en-US" altLang="zh-CN" dirty="0" err="1">
                 <a:latin typeface="微软雅黑 Light" panose="020B0502040204020203" pitchFamily="34" charset="-122"/>
                 <a:ea typeface="微软雅黑 Light" panose="020B0502040204020203" pitchFamily="34" charset="-122"/>
               </a:rPr>
               <a:t>xx.o</a:t>
             </a:r>
             <a:r>
-              <a:rPr lang="en-US" altLang="zh-CN" dirty="0" smtClean="0">
+              <a:rPr lang="en-US" altLang="zh-CN" dirty="0">
                 <a:latin typeface="微软雅黑 Light" panose="020B0502040204020203" pitchFamily="34" charset="-122"/>
                 <a:ea typeface="微软雅黑 Light" panose="020B0502040204020203" pitchFamily="34" charset="-122"/>
               </a:rPr>
               <a:t>  -&gt;  gcc –c </a:t>
             </a:r>
             <a:r>
-              <a:rPr lang="en-US" altLang="zh-CN" dirty="0" err="1" smtClean="0">
+              <a:rPr lang="en-US" altLang="zh-CN" dirty="0" err="1">
                 <a:latin typeface="微软雅黑 Light" panose="020B0502040204020203" pitchFamily="34" charset="-122"/>
                 <a:ea typeface="微软雅黑 Light" panose="020B0502040204020203" pitchFamily="34" charset="-122"/>
               </a:rPr>
               <a:t>xx.s</a:t>
             </a:r>
             <a:r>
-              <a:rPr lang="en-US" altLang="zh-CN" dirty="0" smtClean="0">
+              <a:rPr lang="en-US" altLang="zh-CN" dirty="0">
                 <a:latin typeface="微软雅黑 Light" panose="020B0502040204020203" pitchFamily="34" charset="-122"/>
                 <a:ea typeface="微软雅黑 Light" panose="020B0502040204020203" pitchFamily="34" charset="-122"/>
               </a:rPr>
               <a:t> –o </a:t>
             </a:r>
             <a:r>
-              <a:rPr lang="en-US" altLang="zh-CN" dirty="0" err="1" smtClean="0">
+              <a:rPr lang="en-US" altLang="zh-CN" dirty="0" err="1">
                 <a:latin typeface="微软雅黑 Light" panose="020B0502040204020203" pitchFamily="34" charset="-122"/>
                 <a:ea typeface="微软雅黑 Light" panose="020B0502040204020203" pitchFamily="34" charset="-122"/>
               </a:rPr>
               <a:t>xx.o</a:t>
             </a:r>
-            <a:endParaRPr lang="en-US" altLang="zh-CN" dirty="0" smtClean="0">
+            <a:endParaRPr lang="en-US" altLang="zh-CN" dirty="0">
               <a:latin typeface="微软雅黑 Light" panose="020B0502040204020203" pitchFamily="34" charset="-122"/>
               <a:ea typeface="微软雅黑 Light" panose="020B0502040204020203" pitchFamily="34" charset="-122"/>
             </a:endParaRPr>
@@ -7481,21 +7222,21 @@
               <a:buNone/>
             </a:pPr>
             <a:r>
-              <a:rPr lang="en-US" altLang="zh-CN" dirty="0" smtClean="0">
+              <a:rPr lang="en-US" altLang="zh-CN" dirty="0">
                 <a:latin typeface="微软雅黑 Light" panose="020B0502040204020203" pitchFamily="34" charset="-122"/>
                 <a:ea typeface="微软雅黑 Light" panose="020B0502040204020203" pitchFamily="34" charset="-122"/>
               </a:rPr>
               <a:t>                                                 gcc –c </a:t>
             </a:r>
             <a:r>
-              <a:rPr lang="en-US" altLang="zh-CN" dirty="0" err="1" smtClean="0">
+              <a:rPr lang="en-US" altLang="zh-CN" dirty="0" err="1">
                 <a:latin typeface="微软雅黑 Light" panose="020B0502040204020203" pitchFamily="34" charset="-122"/>
                 <a:ea typeface="微软雅黑 Light" panose="020B0502040204020203" pitchFamily="34" charset="-122"/>
               </a:rPr>
               <a:t>xx.s</a:t>
             </a:r>
             <a:r>
-              <a:rPr lang="en-US" altLang="zh-CN" dirty="0" smtClean="0">
+              <a:rPr lang="en-US" altLang="zh-CN" dirty="0">
                 <a:latin typeface="微软雅黑 Light" panose="020B0502040204020203" pitchFamily="34" charset="-122"/>
                 <a:ea typeface="微软雅黑 Light" panose="020B0502040204020203" pitchFamily="34" charset="-122"/>
               </a:rPr>
@@ -7507,83 +7248,59 @@
               <a:buNone/>
             </a:pPr>
             <a:r>
-              <a:rPr lang="en-US" altLang="zh-CN" dirty="0" smtClean="0">
+              <a:rPr lang="en-US" altLang="zh-CN" dirty="0">
                 <a:solidFill>
                   <a:srgbClr val="00B050"/>
                 </a:solidFill>
                 <a:latin typeface="微软雅黑 Light" panose="020B0502040204020203" pitchFamily="34" charset="-122"/>
                 <a:ea typeface="微软雅黑 Light" panose="020B0502040204020203" pitchFamily="34" charset="-122"/>
               </a:rPr>
-              <a:t>linking </a:t>
-            </a:r>
-            <a:r>
-              <a:rPr lang="en-US" altLang="zh-CN" dirty="0">
-                <a:solidFill>
-                  <a:srgbClr val="00B050"/>
-                </a:solidFill>
-                <a:latin typeface="微软雅黑 Light" panose="020B0502040204020203" pitchFamily="34" charset="-122"/>
-                <a:ea typeface="微软雅黑 Light" panose="020B0502040204020203" pitchFamily="34" charset="-122"/>
-              </a:rPr>
-              <a:t>: </a:t>
-            </a:r>
-            <a:r>
-              <a:rPr lang="en-US" altLang="zh-CN" dirty="0" smtClean="0">
+              <a:t>linking : </a:t>
+            </a:r>
+            <a:r>
+              <a:rPr lang="en-US" altLang="zh-CN" dirty="0">
                 <a:latin typeface="微软雅黑 Light" panose="020B0502040204020203" pitchFamily="34" charset="-122"/>
                 <a:ea typeface="微软雅黑 Light" panose="020B0502040204020203" pitchFamily="34" charset="-122"/>
               </a:rPr>
               <a:t>from </a:t>
             </a:r>
             <a:r>
-              <a:rPr lang="en-US" altLang="zh-CN" dirty="0" err="1" smtClean="0">
+              <a:rPr lang="en-US" altLang="zh-CN" dirty="0" err="1">
                 <a:latin typeface="微软雅黑 Light" panose="020B0502040204020203" pitchFamily="34" charset="-122"/>
                 <a:ea typeface="微软雅黑 Light" panose="020B0502040204020203" pitchFamily="34" charset="-122"/>
               </a:rPr>
               <a:t>xx.o</a:t>
             </a:r>
             <a:r>
-              <a:rPr lang="en-US" altLang="zh-CN" dirty="0" smtClean="0">
+              <a:rPr lang="en-US" altLang="zh-CN" dirty="0">
                 <a:latin typeface="微软雅黑 Light" panose="020B0502040204020203" pitchFamily="34" charset="-122"/>
                 <a:ea typeface="微软雅黑 Light" panose="020B0502040204020203" pitchFamily="34" charset="-122"/>
               </a:rPr>
               <a:t> to xx.exe or xx  -&gt;  gcc </a:t>
             </a:r>
             <a:r>
-              <a:rPr lang="en-US" altLang="zh-CN" dirty="0" err="1" smtClean="0">
+              <a:rPr lang="en-US" altLang="zh-CN" dirty="0" err="1">
                 <a:latin typeface="微软雅黑 Light" panose="020B0502040204020203" pitchFamily="34" charset="-122"/>
                 <a:ea typeface="微软雅黑 Light" panose="020B0502040204020203" pitchFamily="34" charset="-122"/>
               </a:rPr>
               <a:t>xx.o</a:t>
             </a:r>
             <a:r>
-              <a:rPr lang="en-US" altLang="zh-CN" dirty="0" smtClean="0">
-                <a:latin typeface="微软雅黑 Light" panose="020B0502040204020203" pitchFamily="34" charset="-122"/>
-                <a:ea typeface="微软雅黑 Light" panose="020B0502040204020203" pitchFamily="34" charset="-122"/>
-              </a:rPr>
-              <a:t> –o xx</a:t>
-            </a:r>
-            <a:r>
-              <a:rPr lang="en-US" altLang="zh-CN" dirty="0">
-                <a:latin typeface="微软雅黑 Light" panose="020B0502040204020203" pitchFamily="34" charset="-122"/>
-                <a:ea typeface="微软雅黑 Light" panose="020B0502040204020203" pitchFamily="34" charset="-122"/>
-              </a:rPr>
-              <a:t> </a:t>
-            </a:r>
-            <a:r>
-              <a:rPr lang="en-US" altLang="zh-CN" dirty="0" smtClean="0">
-                <a:latin typeface="微软雅黑 Light" panose="020B0502040204020203" pitchFamily="34" charset="-122"/>
-                <a:ea typeface="微软雅黑 Light" panose="020B0502040204020203" pitchFamily="34" charset="-122"/>
-              </a:rPr>
-              <a:t>(</a:t>
-            </a:r>
-            <a:r>
-              <a:rPr lang="en-US" altLang="zh-CN" dirty="0" err="1" smtClean="0">
+              <a:rPr lang="en-US" altLang="zh-CN" dirty="0">
+                <a:latin typeface="微软雅黑 Light" panose="020B0502040204020203" pitchFamily="34" charset="-122"/>
+                <a:ea typeface="微软雅黑 Light" panose="020B0502040204020203" pitchFamily="34" charset="-122"/>
+              </a:rPr>
+              <a:t> –o xx (</a:t>
+            </a:r>
+            <a:r>
+              <a:rPr lang="en-US" altLang="zh-CN" dirty="0" err="1">
                 <a:latin typeface="微软雅黑 Light" panose="020B0502040204020203" pitchFamily="34" charset="-122"/>
                 <a:ea typeface="微软雅黑 Light" panose="020B0502040204020203" pitchFamily="34" charset="-122"/>
               </a:rPr>
               <a:t>linux</a:t>
             </a:r>
             <a:r>
-              <a:rPr lang="en-US" altLang="zh-CN" dirty="0" smtClean="0">
+              <a:rPr lang="en-US" altLang="zh-CN" dirty="0">
                 <a:latin typeface="微软雅黑 Light" panose="020B0502040204020203" pitchFamily="34" charset="-122"/>
                 <a:ea typeface="微软雅黑 Light" panose="020B0502040204020203" pitchFamily="34" charset="-122"/>
               </a:rPr>
@@ -7595,21 +7312,21 @@
               <a:buNone/>
             </a:pPr>
             <a:r>
-              <a:rPr lang="en-US" altLang="zh-CN" dirty="0" smtClean="0">
+              <a:rPr lang="en-US" altLang="zh-CN" dirty="0">
                 <a:latin typeface="微软雅黑 Light" panose="020B0502040204020203" pitchFamily="34" charset="-122"/>
                 <a:ea typeface="微软雅黑 Light" panose="020B0502040204020203" pitchFamily="34" charset="-122"/>
               </a:rPr>
               <a:t>                                                         gcc </a:t>
             </a:r>
             <a:r>
-              <a:rPr lang="en-US" altLang="zh-CN" dirty="0" err="1" smtClean="0">
+              <a:rPr lang="en-US" altLang="zh-CN" dirty="0" err="1">
                 <a:latin typeface="微软雅黑 Light" panose="020B0502040204020203" pitchFamily="34" charset="-122"/>
                 <a:ea typeface="微软雅黑 Light" panose="020B0502040204020203" pitchFamily="34" charset="-122"/>
               </a:rPr>
               <a:t>xx.o</a:t>
             </a:r>
             <a:r>
-              <a:rPr lang="en-US" altLang="zh-CN" dirty="0" smtClean="0">
+              <a:rPr lang="en-US" altLang="zh-CN" dirty="0">
                 <a:latin typeface="微软雅黑 Light" panose="020B0502040204020203" pitchFamily="34" charset="-122"/>
                 <a:ea typeface="微软雅黑 Light" panose="020B0502040204020203" pitchFamily="34" charset="-122"/>
               </a:rPr>
@@ -7637,13 +7354,6 @@
   <p:clrMapOvr>
     <a:masterClrMapping/>
   </p:clrMapOvr>
-  <p:timing>
-    <p:tnLst>
-      <p:par>
-        <p:cTn id="1" dur="indefinite" restart="never" nodeType="tmRoot"/>
-      </p:par>
-    </p:tnLst>
-  </p:timing>
 </p:sld>
 </file>
 
@@ -7680,18 +7390,11 @@
           <a:lstStyle/>
           <a:p>
             <a:r>
-              <a:rPr lang="en-US" altLang="zh-CN" dirty="0" smtClean="0">
-                <a:latin typeface="微软雅黑 Light" panose="020B0502040204020203" pitchFamily="34" charset="-122"/>
-                <a:ea typeface="微软雅黑 Light" panose="020B0502040204020203" pitchFamily="34" charset="-122"/>
-              </a:rPr>
-              <a:t>GCC </a:t>
-            </a:r>
-            <a:r>
-              <a:rPr lang="en-US" altLang="zh-CN" dirty="0">
-                <a:latin typeface="微软雅黑 Light" panose="020B0502040204020203" pitchFamily="34" charset="-122"/>
-                <a:ea typeface="微软雅黑 Light" panose="020B0502040204020203" pitchFamily="34" charset="-122"/>
-              </a:rPr>
-              <a:t>compilation</a:t>
+              <a:rPr lang="en-US" altLang="zh-CN" dirty="0">
+                <a:latin typeface="微软雅黑 Light" panose="020B0502040204020203" pitchFamily="34" charset="-122"/>
+                <a:ea typeface="微软雅黑 Light" panose="020B0502040204020203" pitchFamily="34" charset="-122"/>
+              </a:rPr>
+              <a:t>GCC compilation</a:t>
             </a:r>
           </a:p>
         </p:txBody>
@@ -7712,14 +7415,14 @@
           <a:lstStyle/>
           <a:p>
             <a:r>
-              <a:rPr lang="en-US" altLang="zh-CN" dirty="0" smtClean="0">
+              <a:rPr lang="en-US" altLang="zh-CN" dirty="0">
                 <a:latin typeface="微软雅黑 Light" panose="020B0502040204020203" pitchFamily="34" charset="-122"/>
                 <a:ea typeface="微软雅黑 Light" panose="020B0502040204020203" pitchFamily="34" charset="-122"/>
               </a:rPr>
               <a:t>4 steps in </a:t>
             </a:r>
             <a:r>
-              <a:rPr lang="en-US" altLang="zh-CN" dirty="0" smtClean="0">
+              <a:rPr lang="en-US" altLang="zh-CN" dirty="0">
                 <a:solidFill>
                   <a:srgbClr val="FF0000"/>
                 </a:solidFill>
@@ -7729,21 +7432,21 @@
               <a:t>one</a:t>
             </a:r>
             <a:r>
-              <a:rPr lang="en-US" altLang="zh-CN" dirty="0" smtClean="0">
+              <a:rPr lang="en-US" altLang="zh-CN" dirty="0">
                 <a:latin typeface="微软雅黑 Light" panose="020B0502040204020203" pitchFamily="34" charset="-122"/>
                 <a:ea typeface="微软雅黑 Light" panose="020B0502040204020203" pitchFamily="34" charset="-122"/>
               </a:rPr>
               <a:t> command: gcc –o xx.exe </a:t>
             </a:r>
             <a:r>
-              <a:rPr lang="en-US" altLang="zh-CN" dirty="0" err="1" smtClean="0">
+              <a:rPr lang="en-US" altLang="zh-CN" dirty="0" err="1">
                 <a:latin typeface="微软雅黑 Light" panose="020B0502040204020203" pitchFamily="34" charset="-122"/>
                 <a:ea typeface="微软雅黑 Light" panose="020B0502040204020203" pitchFamily="34" charset="-122"/>
               </a:rPr>
               <a:t>xx.c</a:t>
             </a:r>
             <a:r>
-              <a:rPr lang="en-US" altLang="zh-CN" dirty="0" smtClean="0">
+              <a:rPr lang="en-US" altLang="zh-CN" dirty="0">
                 <a:latin typeface="微软雅黑 Light" panose="020B0502040204020203" pitchFamily="34" charset="-122"/>
                 <a:ea typeface="微软雅黑 Light" panose="020B0502040204020203" pitchFamily="34" charset="-122"/>
               </a:rPr>
@@ -7755,35 +7458,35 @@
               <a:buNone/>
             </a:pPr>
             <a:r>
-              <a:rPr lang="en-US" altLang="zh-CN" dirty="0" smtClean="0">
+              <a:rPr lang="en-US" altLang="zh-CN" dirty="0">
                 <a:latin typeface="微软雅黑 Light" panose="020B0502040204020203" pitchFamily="34" charset="-122"/>
                 <a:ea typeface="微软雅黑 Light" panose="020B0502040204020203" pitchFamily="34" charset="-122"/>
               </a:rPr>
               <a:t>                                          gcc –o xx </a:t>
             </a:r>
             <a:r>
-              <a:rPr lang="en-US" altLang="zh-CN" dirty="0" err="1" smtClean="0">
+              <a:rPr lang="en-US" altLang="zh-CN" dirty="0" err="1">
                 <a:latin typeface="微软雅黑 Light" panose="020B0502040204020203" pitchFamily="34" charset="-122"/>
                 <a:ea typeface="微软雅黑 Light" panose="020B0502040204020203" pitchFamily="34" charset="-122"/>
               </a:rPr>
               <a:t>xx.c</a:t>
             </a:r>
             <a:r>
-              <a:rPr lang="en-US" altLang="zh-CN" dirty="0" smtClean="0">
+              <a:rPr lang="en-US" altLang="zh-CN" dirty="0">
                 <a:latin typeface="微软雅黑 Light" panose="020B0502040204020203" pitchFamily="34" charset="-122"/>
                 <a:ea typeface="微软雅黑 Light" panose="020B0502040204020203" pitchFamily="34" charset="-122"/>
               </a:rPr>
               <a:t> (in </a:t>
             </a:r>
             <a:r>
-              <a:rPr lang="en-US" altLang="zh-CN" dirty="0" err="1" smtClean="0">
+              <a:rPr lang="en-US" altLang="zh-CN" dirty="0" err="1">
                 <a:latin typeface="微软雅黑 Light" panose="020B0502040204020203" pitchFamily="34" charset="-122"/>
                 <a:ea typeface="微软雅黑 Light" panose="020B0502040204020203" pitchFamily="34" charset="-122"/>
               </a:rPr>
               <a:t>linux</a:t>
             </a:r>
             <a:r>
-              <a:rPr lang="en-US" altLang="zh-CN" dirty="0" smtClean="0">
+              <a:rPr lang="en-US" altLang="zh-CN" dirty="0">
                 <a:latin typeface="微软雅黑 Light" panose="020B0502040204020203" pitchFamily="34" charset="-122"/>
                 <a:ea typeface="微软雅黑 Light" panose="020B0502040204020203" pitchFamily="34" charset="-122"/>
               </a:rPr>
@@ -7801,28 +7504,28 @@
           </a:p>
           <a:p>
             <a:r>
-              <a:rPr lang="en-US" altLang="zh-CN" dirty="0" smtClean="0">
+              <a:rPr lang="en-US" altLang="zh-CN" dirty="0">
                 <a:latin typeface="微软雅黑 Light" panose="020B0502040204020203" pitchFamily="34" charset="-122"/>
                 <a:ea typeface="微软雅黑 Light" panose="020B0502040204020203" pitchFamily="34" charset="-122"/>
               </a:rPr>
               <a:t>Execute the binary file :  use </a:t>
             </a:r>
             <a:r>
-              <a:rPr lang="en-US" altLang="zh-CN" i="1" dirty="0" smtClean="0">
+              <a:rPr lang="en-US" altLang="zh-CN" i="1" dirty="0">
                 <a:latin typeface="微软雅黑 Light" panose="020B0502040204020203" pitchFamily="34" charset="-122"/>
                 <a:ea typeface="微软雅黑 Light" panose="020B0502040204020203" pitchFamily="34" charset="-122"/>
               </a:rPr>
               <a:t>./xx.exe  </a:t>
             </a:r>
             <a:r>
-              <a:rPr lang="en-US" altLang="zh-CN" dirty="0" smtClean="0">
+              <a:rPr lang="en-US" altLang="zh-CN" dirty="0">
                 <a:latin typeface="微软雅黑 Light" panose="020B0502040204020203" pitchFamily="34" charset="-122"/>
                 <a:ea typeface="微软雅黑 Light" panose="020B0502040204020203" pitchFamily="34" charset="-122"/>
               </a:rPr>
               <a:t>or </a:t>
             </a:r>
             <a:r>
-              <a:rPr lang="en-US" altLang="zh-CN" i="1" dirty="0" smtClean="0">
+              <a:rPr lang="en-US" altLang="zh-CN" i="1" dirty="0">
                 <a:latin typeface="微软雅黑 Light" panose="020B0502040204020203" pitchFamily="34" charset="-122"/>
                 <a:ea typeface="微软雅黑 Light" panose="020B0502040204020203" pitchFamily="34" charset="-122"/>
               </a:rPr>
@@ -7841,13 +7544,6 @@
   <p:clrMapOvr>
     <a:masterClrMapping/>
   </p:clrMapOvr>
-  <p:timing>
-    <p:tnLst>
-      <p:par>
-        <p:cTn id="1" dur="indefinite" restart="never" nodeType="tmRoot"/>
-      </p:par>
-    </p:tnLst>
-  </p:timing>
 </p:sld>
 </file>
 
@@ -7884,7 +7580,7 @@
           <a:lstStyle/>
           <a:p>
             <a:r>
-              <a:rPr lang="en-US" altLang="zh-CN" dirty="0" smtClean="0">
+              <a:rPr lang="en-US" altLang="zh-CN" dirty="0">
                 <a:latin typeface="微软雅黑 Light" panose="020B0502040204020203" pitchFamily="34" charset="-122"/>
                 <a:ea typeface="微软雅黑 Light" panose="020B0502040204020203" pitchFamily="34" charset="-122"/>
               </a:rPr>
@@ -7913,7 +7609,7 @@
           <a:lstStyle/>
           <a:p>
             <a:r>
-              <a:rPr lang="en-US" altLang="zh-CN" dirty="0" smtClean="0">
+              <a:rPr lang="en-US" altLang="zh-CN" dirty="0">
                 <a:latin typeface="微软雅黑 Light" panose="020B0502040204020203" pitchFamily="34" charset="-122"/>
                 <a:ea typeface="微软雅黑 Light" panose="020B0502040204020203" pitchFamily="34" charset="-122"/>
               </a:rPr>
@@ -7925,7 +7621,7 @@
               <a:buNone/>
             </a:pPr>
             <a:r>
-              <a:rPr lang="en-US" altLang="zh-CN" dirty="0" smtClean="0">
+              <a:rPr lang="en-US" altLang="zh-CN" dirty="0">
                 <a:latin typeface="微软雅黑 Light" panose="020B0502040204020203" pitchFamily="34" charset="-122"/>
                 <a:ea typeface="微软雅黑 Light" panose="020B0502040204020203" pitchFamily="34" charset="-122"/>
               </a:rPr>
@@ -7934,21 +7630,21 @@
           </a:p>
           <a:p>
             <a:r>
-              <a:rPr lang="en-US" altLang="zh-CN" dirty="0" smtClean="0">
+              <a:rPr lang="en-US" altLang="zh-CN" dirty="0">
                 <a:latin typeface="微软雅黑 Light" panose="020B0502040204020203" pitchFamily="34" charset="-122"/>
                 <a:ea typeface="微软雅黑 Light" panose="020B0502040204020203" pitchFamily="34" charset="-122"/>
               </a:rPr>
               <a:t>A </a:t>
             </a:r>
             <a:r>
-              <a:rPr lang="en-US" altLang="zh-CN" i="1" dirty="0" smtClean="0">
+              <a:rPr lang="en-US" altLang="zh-CN" i="1" dirty="0">
                 <a:latin typeface="微软雅黑 Light" panose="020B0502040204020203" pitchFamily="34" charset="-122"/>
                 <a:ea typeface="微软雅黑 Light" panose="020B0502040204020203" pitchFamily="34" charset="-122"/>
               </a:rPr>
               <a:t>narcissistic number </a:t>
             </a:r>
             <a:r>
-              <a:rPr lang="en-US" altLang="zh-CN" dirty="0" smtClean="0">
+              <a:rPr lang="en-US" altLang="zh-CN" dirty="0">
                 <a:latin typeface="微软雅黑 Light" panose="020B0502040204020203" pitchFamily="34" charset="-122"/>
                 <a:ea typeface="微软雅黑 Light" panose="020B0502040204020203" pitchFamily="34" charset="-122"/>
               </a:rPr>
@@ -7959,14 +7655,14 @@
             <a:pPr marL="0" indent="0">
               <a:buNone/>
             </a:pPr>
-            <a:endParaRPr lang="en-US" altLang="zh-CN" dirty="0" smtClean="0">
-              <a:latin typeface="微软雅黑 Light" panose="020B0502040204020203" pitchFamily="34" charset="-122"/>
-              <a:ea typeface="微软雅黑 Light" panose="020B0502040204020203" pitchFamily="34" charset="-122"/>
-            </a:endParaRPr>
-          </a:p>
-          <a:p>
-            <a:r>
-              <a:rPr lang="en-US" altLang="zh-CN" dirty="0" smtClean="0">
+            <a:endParaRPr lang="en-US" altLang="zh-CN" dirty="0">
+              <a:latin typeface="微软雅黑 Light" panose="020B0502040204020203" pitchFamily="34" charset="-122"/>
+              <a:ea typeface="微软雅黑 Light" panose="020B0502040204020203" pitchFamily="34" charset="-122"/>
+            </a:endParaRPr>
+          </a:p>
+          <a:p>
+            <a:r>
+              <a:rPr lang="en-US" altLang="zh-CN" dirty="0">
                 <a:latin typeface="微软雅黑 Light" panose="020B0502040204020203" pitchFamily="34" charset="-122"/>
                 <a:ea typeface="微软雅黑 Light" panose="020B0502040204020203" pitchFamily="34" charset="-122"/>
               </a:rPr>
@@ -7977,23 +7673,19 @@
             <a:pPr marL="0" indent="0">
               <a:buNone/>
             </a:pPr>
-            <a:endParaRPr lang="en-US" altLang="zh-CN" dirty="0" smtClean="0">
-              <a:latin typeface="微软雅黑 Light" panose="020B0502040204020203" pitchFamily="34" charset="-122"/>
-              <a:ea typeface="微软雅黑 Light" panose="020B0502040204020203" pitchFamily="34" charset="-122"/>
-            </a:endParaRPr>
-          </a:p>
-          <a:p>
-            <a:r>
-              <a:rPr lang="en-US" altLang="zh-CN" dirty="0" smtClean="0">
+            <a:endParaRPr lang="en-US" altLang="zh-CN" dirty="0">
+              <a:latin typeface="微软雅黑 Light" panose="020B0502040204020203" pitchFamily="34" charset="-122"/>
+              <a:ea typeface="微软雅黑 Light" panose="020B0502040204020203" pitchFamily="34" charset="-122"/>
+            </a:endParaRPr>
+          </a:p>
+          <a:p>
+            <a:r>
+              <a:rPr lang="en-US" altLang="zh-CN" dirty="0">
                 <a:latin typeface="微软雅黑 Light" panose="020B0502040204020203" pitchFamily="34" charset="-122"/>
                 <a:ea typeface="微软雅黑 Light" panose="020B0502040204020203" pitchFamily="34" charset="-122"/>
               </a:rPr>
               <a:t>Hint: Use loops/conditionals to solve this question</a:t>
             </a:r>
-            <a:endParaRPr lang="en-US" altLang="zh-CN" dirty="0">
-              <a:latin typeface="微软雅黑 Light" panose="020B0502040204020203" pitchFamily="34" charset="-122"/>
-              <a:ea typeface="微软雅黑 Light" panose="020B0502040204020203" pitchFamily="34" charset="-122"/>
-            </a:endParaRPr>
           </a:p>
           <a:p>
             <a:pPr marL="0" indent="0">
@@ -8016,13 +7708,6 @@
   <p:clrMapOvr>
     <a:masterClrMapping/>
   </p:clrMapOvr>
-  <p:timing>
-    <p:tnLst>
-      <p:par>
-        <p:cTn id="1" dur="indefinite" restart="never" nodeType="tmRoot"/>
-      </p:par>
-    </p:tnLst>
-  </p:timing>
 </p:sld>
 </file>
 
@@ -8059,7 +7744,7 @@
           <a:lstStyle/>
           <a:p>
             <a:r>
-              <a:rPr lang="en-US" altLang="zh-CN" dirty="0" smtClean="0">
+              <a:rPr lang="en-US" altLang="zh-CN" dirty="0">
                 <a:latin typeface="微软雅黑 Light" panose="020B0502040204020203" pitchFamily="34" charset="-122"/>
                 <a:ea typeface="微软雅黑 Light" panose="020B0502040204020203" pitchFamily="34" charset="-122"/>
               </a:rPr>
@@ -8088,7 +7773,7 @@
           <a:lstStyle/>
           <a:p>
             <a:r>
-              <a:rPr lang="en-US" altLang="zh-CN" dirty="0" smtClean="0">
+              <a:rPr lang="en-US" altLang="zh-CN" dirty="0">
                 <a:latin typeface="微软雅黑 Light" panose="020B0502040204020203" pitchFamily="34" charset="-122"/>
                 <a:ea typeface="微软雅黑 Light" panose="020B0502040204020203" pitchFamily="34" charset="-122"/>
               </a:rPr>
@@ -8097,14 +7782,14 @@
             <a:endParaRPr lang="en-US" altLang="zh-CN" dirty="0"/>
           </a:p>
           <a:p>
-            <a:endParaRPr lang="en-US" altLang="zh-CN" dirty="0" smtClean="0">
-              <a:latin typeface="微软雅黑 Light" panose="020B0502040204020203" pitchFamily="34" charset="-122"/>
-              <a:ea typeface="微软雅黑 Light" panose="020B0502040204020203" pitchFamily="34" charset="-122"/>
-            </a:endParaRPr>
-          </a:p>
-          <a:p>
-            <a:r>
-              <a:rPr lang="en-US" altLang="zh-CN" dirty="0" smtClean="0">
+            <a:endParaRPr lang="en-US" altLang="zh-CN" dirty="0">
+              <a:latin typeface="微软雅黑 Light" panose="020B0502040204020203" pitchFamily="34" charset="-122"/>
+              <a:ea typeface="微软雅黑 Light" panose="020B0502040204020203" pitchFamily="34" charset="-122"/>
+            </a:endParaRPr>
+          </a:p>
+          <a:p>
+            <a:r>
+              <a:rPr lang="en-US" altLang="zh-CN" dirty="0">
                 <a:latin typeface="微软雅黑 Light" panose="020B0502040204020203" pitchFamily="34" charset="-122"/>
                 <a:ea typeface="微软雅黑 Light" panose="020B0502040204020203" pitchFamily="34" charset="-122"/>
               </a:rPr>
@@ -8132,13 +7817,6 @@
   <p:clrMapOvr>
     <a:masterClrMapping/>
   </p:clrMapOvr>
-  <p:timing>
-    <p:tnLst>
-      <p:par>
-        <p:cTn id="1" dur="indefinite" restart="never" nodeType="tmRoot"/>
-      </p:par>
-    </p:tnLst>
-  </p:timing>
 </p:sld>
 </file>
 
@@ -8175,7 +7853,7 @@
           <a:lstStyle/>
           <a:p>
             <a:r>
-              <a:rPr lang="en-US" altLang="zh-CN" dirty="0" smtClean="0">
+              <a:rPr lang="en-US" altLang="zh-CN" dirty="0">
                 <a:latin typeface="微软雅黑 Light" panose="020B0502040204020203" pitchFamily="34" charset="-122"/>
                 <a:ea typeface="微软雅黑 Light" panose="020B0502040204020203" pitchFamily="34" charset="-122"/>
               </a:rPr>
@@ -8204,7 +7882,7 @@
           <a:lstStyle/>
           <a:p>
             <a:r>
-              <a:rPr lang="en-US" altLang="zh-CN" dirty="0" smtClean="0">
+              <a:rPr lang="en-US" altLang="zh-CN" dirty="0">
                 <a:latin typeface="微软雅黑 Light" panose="020B0502040204020203" pitchFamily="34" charset="-122"/>
                 <a:ea typeface="微软雅黑 Light" panose="020B0502040204020203" pitchFamily="34" charset="-122"/>
               </a:rPr>
@@ -8213,14 +7891,14 @@
             <a:endParaRPr lang="en-US" altLang="zh-CN" dirty="0"/>
           </a:p>
           <a:p>
-            <a:endParaRPr lang="en-US" altLang="zh-CN" dirty="0" smtClean="0">
-              <a:latin typeface="微软雅黑 Light" panose="020B0502040204020203" pitchFamily="34" charset="-122"/>
-              <a:ea typeface="微软雅黑 Light" panose="020B0502040204020203" pitchFamily="34" charset="-122"/>
-            </a:endParaRPr>
-          </a:p>
-          <a:p>
-            <a:r>
-              <a:rPr lang="en-US" altLang="zh-CN" dirty="0" smtClean="0">
+            <a:endParaRPr lang="en-US" altLang="zh-CN" dirty="0">
+              <a:latin typeface="微软雅黑 Light" panose="020B0502040204020203" pitchFamily="34" charset="-122"/>
+              <a:ea typeface="微软雅黑 Light" panose="020B0502040204020203" pitchFamily="34" charset="-122"/>
+            </a:endParaRPr>
+          </a:p>
+          <a:p>
+            <a:r>
+              <a:rPr lang="en-US" altLang="zh-CN" dirty="0">
                 <a:latin typeface="微软雅黑 Light" panose="020B0502040204020203" pitchFamily="34" charset="-122"/>
                 <a:ea typeface="微软雅黑 Light" panose="020B0502040204020203" pitchFamily="34" charset="-122"/>
               </a:rPr>
@@ -8248,13 +7926,6 @@
   <p:clrMapOvr>
     <a:masterClrMapping/>
   </p:clrMapOvr>
-  <p:timing>
-    <p:tnLst>
-      <p:par>
-        <p:cTn id="1" dur="indefinite" restart="never" nodeType="tmRoot"/>
-      </p:par>
-    </p:tnLst>
-  </p:timing>
 </p:sld>
 </file>
 
@@ -8291,7 +7962,7 @@
           <a:lstStyle/>
           <a:p>
             <a:r>
-              <a:rPr lang="en-US" altLang="zh-CN" dirty="0" smtClean="0">
+              <a:rPr lang="en-US" altLang="zh-CN" dirty="0">
                 <a:latin typeface="微软雅黑 Light" panose="020B0502040204020203" pitchFamily="34" charset="-122"/>
                 <a:ea typeface="微软雅黑 Light" panose="020B0502040204020203" pitchFamily="34" charset="-122"/>
               </a:rPr>
@@ -8320,7 +7991,7 @@
           <a:lstStyle/>
           <a:p>
             <a:r>
-              <a:rPr lang="en-US" altLang="zh-CN" dirty="0" smtClean="0">
+              <a:rPr lang="en-US" altLang="zh-CN" dirty="0">
                 <a:latin typeface="微软雅黑 Light" panose="020B0502040204020203" pitchFamily="34" charset="-122"/>
                 <a:ea typeface="微软雅黑 Light" panose="020B0502040204020203" pitchFamily="34" charset="-122"/>
               </a:rPr>
@@ -8329,7 +8000,7 @@
           </a:p>
           <a:p>
             <a:r>
-              <a:rPr lang="en-US" altLang="zh-CN" dirty="0" smtClean="0">
+              <a:rPr lang="en-US" altLang="zh-CN" dirty="0">
                 <a:latin typeface="微软雅黑 Light" panose="020B0502040204020203" pitchFamily="34" charset="-122"/>
                 <a:ea typeface="微软雅黑 Light" panose="020B0502040204020203" pitchFamily="34" charset="-122"/>
               </a:rPr>
@@ -8338,7 +8009,7 @@
           </a:p>
           <a:p>
             <a:r>
-              <a:rPr lang="en-US" altLang="zh-CN" dirty="0" smtClean="0">
+              <a:rPr lang="en-US" altLang="zh-CN" dirty="0">
                 <a:latin typeface="微软雅黑 Light" panose="020B0502040204020203" pitchFamily="34" charset="-122"/>
                 <a:ea typeface="微软雅黑 Light" panose="020B0502040204020203" pitchFamily="34" charset="-122"/>
               </a:rPr>
@@ -8347,7 +8018,7 @@
           </a:p>
           <a:p>
             <a:r>
-              <a:rPr lang="en-US" altLang="zh-CN" dirty="0" smtClean="0">
+              <a:rPr lang="en-US" altLang="zh-CN" dirty="0">
                 <a:latin typeface="微软雅黑 Light" panose="020B0502040204020203" pitchFamily="34" charset="-122"/>
                 <a:ea typeface="微软雅黑 Light" panose="020B0502040204020203" pitchFamily="34" charset="-122"/>
               </a:rPr>
@@ -8366,13 +8037,6 @@
   <p:clrMapOvr>
     <a:masterClrMapping/>
   </p:clrMapOvr>
-  <p:timing>
-    <p:tnLst>
-      <p:par>
-        <p:cTn id="1" dur="indefinite" restart="never" nodeType="tmRoot"/>
-      </p:par>
-    </p:tnLst>
-  </p:timing>
 </p:sld>
 </file>
 
@@ -8409,7 +8073,7 @@
           <a:lstStyle/>
           <a:p>
             <a:r>
-              <a:rPr lang="en-US" altLang="zh-CN" dirty="0" smtClean="0">
+              <a:rPr lang="en-US" altLang="zh-CN" dirty="0">
                 <a:latin typeface="微软雅黑 Light" panose="020B0502040204020203" pitchFamily="34" charset="-122"/>
                 <a:ea typeface="微软雅黑 Light" panose="020B0502040204020203" pitchFamily="34" charset="-122"/>
               </a:rPr>
@@ -8438,7 +8102,7 @@
           <a:lstStyle/>
           <a:p>
             <a:r>
-              <a:rPr lang="en-US" altLang="zh-CN" dirty="0" smtClean="0">
+              <a:rPr lang="en-US" altLang="zh-CN" dirty="0">
                 <a:latin typeface="微软雅黑 Light" panose="020B0502040204020203" pitchFamily="34" charset="-122"/>
                 <a:ea typeface="微软雅黑 Light" panose="020B0502040204020203" pitchFamily="34" charset="-122"/>
               </a:rPr>
@@ -8456,7 +8120,7 @@
           </a:p>
           <a:p>
             <a:r>
-              <a:rPr lang="en-US" altLang="zh-CN" dirty="0" smtClean="0">
+              <a:rPr lang="en-US" altLang="zh-CN" dirty="0">
                 <a:latin typeface="微软雅黑 Light" panose="020B0502040204020203" pitchFamily="34" charset="-122"/>
                 <a:ea typeface="微软雅黑 Light" panose="020B0502040204020203" pitchFamily="34" charset="-122"/>
               </a:rPr>
@@ -8481,13 +8145,6 @@
   <p:clrMapOvr>
     <a:masterClrMapping/>
   </p:clrMapOvr>
-  <p:timing>
-    <p:tnLst>
-      <p:par>
-        <p:cTn id="1" dur="indefinite" restart="never" nodeType="tmRoot"/>
-      </p:par>
-    </p:tnLst>
-  </p:timing>
 </p:sld>
 </file>
 
@@ -8524,7 +8181,7 @@
           <a:lstStyle/>
           <a:p>
             <a:r>
-              <a:rPr lang="en-US" altLang="zh-CN" dirty="0" smtClean="0">
+              <a:rPr lang="en-US" altLang="zh-CN" dirty="0">
                 <a:latin typeface="微软雅黑 Light" panose="020B0502040204020203" pitchFamily="34" charset="-122"/>
                 <a:ea typeface="微软雅黑 Light" panose="020B0502040204020203" pitchFamily="34" charset="-122"/>
               </a:rPr>
@@ -8563,7 +8220,7 @@
               <a:buNone/>
             </a:pPr>
             <a:r>
-              <a:rPr lang="en-US" altLang="zh-CN" sz="2000" dirty="0" smtClean="0">
+              <a:rPr lang="en-US" altLang="zh-CN" sz="2000" dirty="0">
                 <a:latin typeface="微软雅黑 Light" panose="020B0502040204020203" pitchFamily="34" charset="-122"/>
                 <a:ea typeface="微软雅黑 Light" panose="020B0502040204020203" pitchFamily="34" charset="-122"/>
               </a:rPr>
@@ -8583,7 +8240,7 @@
             <a:pPr marL="0" indent="0">
               <a:buNone/>
             </a:pPr>
-            <a:endParaRPr lang="en-US" altLang="zh-CN" dirty="0" smtClean="0">
+            <a:endParaRPr lang="en-US" altLang="zh-CN" dirty="0">
               <a:latin typeface="微软雅黑 Light" panose="020B0502040204020203" pitchFamily="34" charset="-122"/>
               <a:ea typeface="微软雅黑 Light" panose="020B0502040204020203" pitchFamily="34" charset="-122"/>
             </a:endParaRPr>
@@ -8593,7 +8250,7 @@
               <a:buNone/>
             </a:pPr>
             <a:r>
-              <a:rPr lang="en-US" altLang="zh-CN" dirty="0" smtClean="0">
+              <a:rPr lang="en-US" altLang="zh-CN" dirty="0">
                 <a:latin typeface="微软雅黑 Light" panose="020B0502040204020203" pitchFamily="34" charset="-122"/>
                 <a:ea typeface="微软雅黑 Light" panose="020B0502040204020203" pitchFamily="34" charset="-122"/>
               </a:rPr>
@@ -8605,7 +8262,7 @@
               <a:buNone/>
             </a:pPr>
             <a:r>
-              <a:rPr lang="en-US" altLang="zh-CN" dirty="0" smtClean="0">
+              <a:rPr lang="en-US" altLang="zh-CN" dirty="0">
                 <a:latin typeface="微软雅黑 Light" panose="020B0502040204020203" pitchFamily="34" charset="-122"/>
                 <a:ea typeface="微软雅黑 Light" panose="020B0502040204020203" pitchFamily="34" charset="-122"/>
               </a:rPr>
@@ -8658,13 +8315,6 @@
   <p:clrMapOvr>
     <a:masterClrMapping/>
   </p:clrMapOvr>
-  <p:timing>
-    <p:tnLst>
-      <p:par>
-        <p:cTn id="1" dur="indefinite" restart="never" nodeType="tmRoot"/>
-      </p:par>
-    </p:tnLst>
-  </p:timing>
 </p:sld>
 </file>
 
@@ -8701,7 +8351,7 @@
           <a:lstStyle/>
           <a:p>
             <a:r>
-              <a:rPr lang="en-US" altLang="zh-CN" dirty="0" smtClean="0">
+              <a:rPr lang="en-US" altLang="zh-CN" dirty="0">
                 <a:latin typeface="微软雅黑 Light" panose="020B0502040204020203" pitchFamily="34" charset="-122"/>
                 <a:ea typeface="微软雅黑 Light" panose="020B0502040204020203" pitchFamily="34" charset="-122"/>
               </a:rPr>
@@ -8740,7 +8390,7 @@
               <a:buNone/>
             </a:pPr>
             <a:r>
-              <a:rPr lang="en-US" altLang="zh-CN" sz="2900" dirty="0" smtClean="0">
+              <a:rPr lang="en-US" altLang="zh-CN" sz="2900" dirty="0">
                 <a:latin typeface="微软雅黑 Light" panose="020B0502040204020203" pitchFamily="34" charset="-122"/>
                 <a:ea typeface="微软雅黑 Light" panose="020B0502040204020203" pitchFamily="34" charset="-122"/>
               </a:rPr>
@@ -8752,7 +8402,7 @@
               <a:buNone/>
             </a:pPr>
             <a:r>
-              <a:rPr lang="en-US" altLang="zh-CN" dirty="0" smtClean="0">
+              <a:rPr lang="en-US" altLang="zh-CN" dirty="0">
                 <a:latin typeface="微软雅黑 Light" panose="020B0502040204020203" pitchFamily="34" charset="-122"/>
                 <a:ea typeface="微软雅黑 Light" panose="020B0502040204020203" pitchFamily="34" charset="-122"/>
               </a:rPr>
@@ -8764,7 +8414,7 @@
               <a:buNone/>
             </a:pPr>
             <a:r>
-              <a:rPr lang="en-US" altLang="zh-CN" dirty="0" smtClean="0">
+              <a:rPr lang="en-US" altLang="zh-CN" dirty="0">
                 <a:latin typeface="微软雅黑 Light" panose="020B0502040204020203" pitchFamily="34" charset="-122"/>
                 <a:ea typeface="微软雅黑 Light" panose="020B0502040204020203" pitchFamily="34" charset="-122"/>
               </a:rPr>
@@ -8776,7 +8426,7 @@
               <a:buNone/>
             </a:pPr>
             <a:r>
-              <a:rPr lang="en-US" altLang="zh-CN" dirty="0" smtClean="0">
+              <a:rPr lang="en-US" altLang="zh-CN" dirty="0">
                 <a:latin typeface="微软雅黑 Light" panose="020B0502040204020203" pitchFamily="34" charset="-122"/>
                 <a:ea typeface="微软雅黑 Light" panose="020B0502040204020203" pitchFamily="34" charset="-122"/>
               </a:rPr>
@@ -8788,7 +8438,7 @@
               <a:buNone/>
             </a:pPr>
             <a:r>
-              <a:rPr lang="en-US" altLang="zh-CN" dirty="0" smtClean="0">
+              <a:rPr lang="en-US" altLang="zh-CN" dirty="0">
                 <a:latin typeface="微软雅黑 Light" panose="020B0502040204020203" pitchFamily="34" charset="-122"/>
                 <a:ea typeface="微软雅黑 Light" panose="020B0502040204020203" pitchFamily="34" charset="-122"/>
               </a:rPr>
@@ -8800,7 +8450,7 @@
               <a:buNone/>
             </a:pPr>
             <a:r>
-              <a:rPr lang="en-US" altLang="zh-CN" dirty="0" smtClean="0">
+              <a:rPr lang="en-US" altLang="zh-CN" dirty="0">
                 <a:latin typeface="微软雅黑 Light" panose="020B0502040204020203" pitchFamily="34" charset="-122"/>
                 <a:ea typeface="微软雅黑 Light" panose="020B0502040204020203" pitchFamily="34" charset="-122"/>
               </a:rPr>
@@ -8812,7 +8462,7 @@
               <a:buNone/>
             </a:pPr>
             <a:r>
-              <a:rPr lang="en-US" altLang="zh-CN" dirty="0" smtClean="0">
+              <a:rPr lang="en-US" altLang="zh-CN" dirty="0">
                 <a:latin typeface="微软雅黑 Light" panose="020B0502040204020203" pitchFamily="34" charset="-122"/>
                 <a:ea typeface="微软雅黑 Light" panose="020B0502040204020203" pitchFamily="34" charset="-122"/>
               </a:rPr>
@@ -8824,7 +8474,7 @@
               <a:buNone/>
             </a:pPr>
             <a:r>
-              <a:rPr lang="en-US" altLang="zh-CN" dirty="0" smtClean="0">
+              <a:rPr lang="en-US" altLang="zh-CN" dirty="0">
                 <a:latin typeface="微软雅黑 Light" panose="020B0502040204020203" pitchFamily="34" charset="-122"/>
                 <a:ea typeface="微软雅黑 Light" panose="020B0502040204020203" pitchFamily="34" charset="-122"/>
               </a:rPr>
@@ -8836,7 +8486,7 @@
               <a:buNone/>
             </a:pPr>
             <a:r>
-              <a:rPr lang="en-US" altLang="zh-CN" dirty="0" smtClean="0">
+              <a:rPr lang="en-US" altLang="zh-CN" dirty="0">
                 <a:latin typeface="微软雅黑 Light" panose="020B0502040204020203" pitchFamily="34" charset="-122"/>
                 <a:ea typeface="微软雅黑 Light" panose="020B0502040204020203" pitchFamily="34" charset="-122"/>
               </a:rPr>
@@ -8848,7 +8498,7 @@
               <a:buNone/>
             </a:pPr>
             <a:r>
-              <a:rPr lang="en-US" altLang="zh-CN" dirty="0" smtClean="0">
+              <a:rPr lang="en-US" altLang="zh-CN" dirty="0">
                 <a:latin typeface="微软雅黑 Light" panose="020B0502040204020203" pitchFamily="34" charset="-122"/>
                 <a:ea typeface="微软雅黑 Light" panose="020B0502040204020203" pitchFamily="34" charset="-122"/>
               </a:rPr>
@@ -8860,7 +8510,7 @@
               <a:buNone/>
             </a:pPr>
             <a:r>
-              <a:rPr lang="en-US" altLang="zh-CN" dirty="0" smtClean="0">
+              <a:rPr lang="en-US" altLang="zh-CN" dirty="0">
                 <a:latin typeface="微软雅黑 Light" panose="020B0502040204020203" pitchFamily="34" charset="-122"/>
                 <a:ea typeface="微软雅黑 Light" panose="020B0502040204020203" pitchFamily="34" charset="-122"/>
               </a:rPr>
@@ -8872,12 +8522,17 @@
               <a:buNone/>
             </a:pPr>
             <a:r>
-              <a:rPr lang="en-US" altLang="zh-CN" dirty="0" smtClean="0">
+              <a:rPr lang="en-US" altLang="zh-CN" dirty="0">
                 <a:latin typeface="微软雅黑 Light" panose="020B0502040204020203" pitchFamily="34" charset="-122"/>
                 <a:ea typeface="微软雅黑 Light" panose="020B0502040204020203" pitchFamily="34" charset="-122"/>
               </a:rPr>
               <a:t>                **********</a:t>
             </a:r>
+          </a:p>
+          <a:p>
+            <a:pPr marL="0" indent="0">
+              <a:buNone/>
+            </a:pPr>
             <a:endParaRPr lang="en-US" altLang="zh-CN" dirty="0">
               <a:latin typeface="微软雅黑 Light" panose="020B0502040204020203" pitchFamily="34" charset="-122"/>
               <a:ea typeface="微软雅黑 Light" panose="020B0502040204020203" pitchFamily="34" charset="-122"/>
@@ -8887,29 +8542,20 @@
             <a:pPr marL="0" indent="0">
               <a:buNone/>
             </a:pPr>
-            <a:endParaRPr lang="en-US" altLang="zh-CN" dirty="0" smtClean="0">
-              <a:latin typeface="微软雅黑 Light" panose="020B0502040204020203" pitchFamily="34" charset="-122"/>
-              <a:ea typeface="微软雅黑 Light" panose="020B0502040204020203" pitchFamily="34" charset="-122"/>
-            </a:endParaRPr>
+            <a:r>
+              <a:rPr lang="en-US" altLang="zh-CN" dirty="0">
+                <a:latin typeface="微软雅黑 Light" panose="020B0502040204020203" pitchFamily="34" charset="-122"/>
+                <a:ea typeface="微软雅黑 Light" panose="020B0502040204020203" pitchFamily="34" charset="-122"/>
+              </a:rPr>
+              <a:t> </a:t>
+            </a:r>
           </a:p>
           <a:p>
             <a:pPr marL="0" indent="0">
               <a:buNone/>
             </a:pPr>
             <a:r>
-              <a:rPr lang="en-US" altLang="zh-CN" dirty="0" smtClean="0">
-                <a:latin typeface="微软雅黑 Light" panose="020B0502040204020203" pitchFamily="34" charset="-122"/>
-                <a:ea typeface="微软雅黑 Light" panose="020B0502040204020203" pitchFamily="34" charset="-122"/>
-              </a:rPr>
-              <a:t> </a:t>
-            </a:r>
-          </a:p>
-          <a:p>
-            <a:pPr marL="0" indent="0">
-              <a:buNone/>
-            </a:pPr>
-            <a:r>
-              <a:rPr lang="en-US" altLang="zh-CN" dirty="0" smtClean="0">
+              <a:rPr lang="en-US" altLang="zh-CN" dirty="0">
                 <a:latin typeface="微软雅黑 Light" panose="020B0502040204020203" pitchFamily="34" charset="-122"/>
                 <a:ea typeface="微软雅黑 Light" panose="020B0502040204020203" pitchFamily="34" charset="-122"/>
               </a:rPr>
@@ -9115,21 +8761,21 @@
               <a:buNone/>
             </a:pPr>
             <a:r>
-              <a:rPr lang="en-US" altLang="zh-CN" sz="1500" dirty="0" smtClean="0">
+              <a:rPr lang="en-US" altLang="zh-CN" sz="1500" dirty="0">
                 <a:latin typeface="微软雅黑 Light" panose="020B0502040204020203" pitchFamily="34" charset="-122"/>
                 <a:ea typeface="微软雅黑 Light" panose="020B0502040204020203" pitchFamily="34" charset="-122"/>
               </a:rPr>
               <a:t>Don't use ten </a:t>
             </a:r>
             <a:r>
-              <a:rPr lang="en-US" altLang="zh-CN" sz="1500" dirty="0" err="1" smtClean="0">
+              <a:rPr lang="en-US" altLang="zh-CN" sz="1500" dirty="0" err="1">
                 <a:latin typeface="微软雅黑 Light" panose="020B0502040204020203" pitchFamily="34" charset="-122"/>
                 <a:ea typeface="微软雅黑 Light" panose="020B0502040204020203" pitchFamily="34" charset="-122"/>
               </a:rPr>
               <a:t>printf</a:t>
             </a:r>
             <a:r>
-              <a:rPr lang="en-US" altLang="zh-CN" sz="1500" dirty="0" smtClean="0">
+              <a:rPr lang="en-US" altLang="zh-CN" sz="1500" dirty="0">
                 <a:latin typeface="微软雅黑 Light" panose="020B0502040204020203" pitchFamily="34" charset="-122"/>
                 <a:ea typeface="微软雅黑 Light" panose="020B0502040204020203" pitchFamily="34" charset="-122"/>
               </a:rPr>
@@ -9141,7 +8787,7 @@
               <a:buNone/>
             </a:pPr>
             <a:r>
-              <a:rPr lang="en-US" altLang="zh-CN" sz="1500" dirty="0" smtClean="0">
+              <a:rPr lang="en-US" altLang="zh-CN" sz="1500" dirty="0">
                 <a:latin typeface="微软雅黑 Light" panose="020B0502040204020203" pitchFamily="34" charset="-122"/>
                 <a:ea typeface="微软雅黑 Light" panose="020B0502040204020203" pitchFamily="34" charset="-122"/>
               </a:rPr>
@@ -9153,63 +8799,63 @@
               <a:buNone/>
             </a:pPr>
             <a:r>
-              <a:rPr lang="en-US" altLang="zh-CN" sz="1500" dirty="0" smtClean="0">
+              <a:rPr lang="en-US" altLang="zh-CN" sz="1500" dirty="0">
                 <a:latin typeface="微软雅黑 Light" panose="020B0502040204020203" pitchFamily="34" charset="-122"/>
                 <a:ea typeface="微软雅黑 Light" panose="020B0502040204020203" pitchFamily="34" charset="-122"/>
               </a:rPr>
               <a:t>                for(</a:t>
             </a:r>
             <a:r>
-              <a:rPr lang="en-US" altLang="zh-CN" sz="1500" dirty="0" err="1" smtClean="0">
+              <a:rPr lang="en-US" altLang="zh-CN" sz="1500" dirty="0" err="1">
                 <a:latin typeface="微软雅黑 Light" panose="020B0502040204020203" pitchFamily="34" charset="-122"/>
                 <a:ea typeface="微软雅黑 Light" panose="020B0502040204020203" pitchFamily="34" charset="-122"/>
               </a:rPr>
               <a:t>i</a:t>
             </a:r>
             <a:r>
-              <a:rPr lang="en-US" altLang="zh-CN" sz="1500" dirty="0" smtClean="0">
+              <a:rPr lang="en-US" altLang="zh-CN" sz="1500" dirty="0">
                 <a:latin typeface="微软雅黑 Light" panose="020B0502040204020203" pitchFamily="34" charset="-122"/>
                 <a:ea typeface="微软雅黑 Light" panose="020B0502040204020203" pitchFamily="34" charset="-122"/>
               </a:rPr>
               <a:t> = 1; </a:t>
             </a:r>
             <a:r>
-              <a:rPr lang="en-US" altLang="zh-CN" sz="1500" dirty="0" err="1" smtClean="0">
+              <a:rPr lang="en-US" altLang="zh-CN" sz="1500" dirty="0" err="1">
                 <a:latin typeface="微软雅黑 Light" panose="020B0502040204020203" pitchFamily="34" charset="-122"/>
                 <a:ea typeface="微软雅黑 Light" panose="020B0502040204020203" pitchFamily="34" charset="-122"/>
               </a:rPr>
               <a:t>i</a:t>
             </a:r>
             <a:r>
-              <a:rPr lang="en-US" altLang="zh-CN" sz="1500" dirty="0" smtClean="0">
+              <a:rPr lang="en-US" altLang="zh-CN" sz="1500" dirty="0">
                 <a:latin typeface="微软雅黑 Light" panose="020B0502040204020203" pitchFamily="34" charset="-122"/>
                 <a:ea typeface="微软雅黑 Light" panose="020B0502040204020203" pitchFamily="34" charset="-122"/>
               </a:rPr>
               <a:t> &lt;= 10; </a:t>
             </a:r>
             <a:r>
-              <a:rPr lang="en-US" altLang="zh-CN" sz="1500" dirty="0" err="1" smtClean="0">
+              <a:rPr lang="en-US" altLang="zh-CN" sz="1500" dirty="0" err="1">
                 <a:latin typeface="微软雅黑 Light" panose="020B0502040204020203" pitchFamily="34" charset="-122"/>
                 <a:ea typeface="微软雅黑 Light" panose="020B0502040204020203" pitchFamily="34" charset="-122"/>
               </a:rPr>
               <a:t>i</a:t>
             </a:r>
             <a:r>
-              <a:rPr lang="en-US" altLang="zh-CN" sz="1500" dirty="0" smtClean="0">
+              <a:rPr lang="en-US" altLang="zh-CN" sz="1500" dirty="0">
                 <a:latin typeface="微软雅黑 Light" panose="020B0502040204020203" pitchFamily="34" charset="-122"/>
                 <a:ea typeface="微软雅黑 Light" panose="020B0502040204020203" pitchFamily="34" charset="-122"/>
               </a:rPr>
               <a:t> = </a:t>
             </a:r>
             <a:r>
-              <a:rPr lang="en-US" altLang="zh-CN" sz="1500" dirty="0" err="1" smtClean="0">
+              <a:rPr lang="en-US" altLang="zh-CN" sz="1500" dirty="0" err="1">
                 <a:latin typeface="微软雅黑 Light" panose="020B0502040204020203" pitchFamily="34" charset="-122"/>
                 <a:ea typeface="微软雅黑 Light" panose="020B0502040204020203" pitchFamily="34" charset="-122"/>
               </a:rPr>
               <a:t>i</a:t>
             </a:r>
             <a:r>
-              <a:rPr lang="en-US" altLang="zh-CN" sz="1500" dirty="0" smtClean="0">
+              <a:rPr lang="en-US" altLang="zh-CN" sz="1500" dirty="0">
                 <a:latin typeface="微软雅黑 Light" panose="020B0502040204020203" pitchFamily="34" charset="-122"/>
                 <a:ea typeface="微软雅黑 Light" panose="020B0502040204020203" pitchFamily="34" charset="-122"/>
               </a:rPr>
@@ -9221,7 +8867,7 @@
               <a:buNone/>
             </a:pPr>
             <a:r>
-              <a:rPr lang="en-US" altLang="zh-CN" sz="1500" dirty="0" smtClean="0">
+              <a:rPr lang="en-US" altLang="zh-CN" sz="1500" dirty="0">
                 <a:latin typeface="微软雅黑 Light" panose="020B0502040204020203" pitchFamily="34" charset="-122"/>
                 <a:ea typeface="微软雅黑 Light" panose="020B0502040204020203" pitchFamily="34" charset="-122"/>
               </a:rPr>
@@ -9233,7 +8879,7 @@
               <a:buNone/>
             </a:pPr>
             <a:r>
-              <a:rPr lang="en-US" altLang="zh-CN" sz="1500" dirty="0" smtClean="0">
+              <a:rPr lang="en-US" altLang="zh-CN" sz="1500" dirty="0">
                 <a:latin typeface="微软雅黑 Light" panose="020B0502040204020203" pitchFamily="34" charset="-122"/>
                 <a:ea typeface="微软雅黑 Light" panose="020B0502040204020203" pitchFamily="34" charset="-122"/>
               </a:rPr>
@@ -9245,7 +8891,7 @@
               <a:buNone/>
             </a:pPr>
             <a:r>
-              <a:rPr lang="en-US" altLang="zh-CN" sz="1500" dirty="0" smtClean="0">
+              <a:rPr lang="en-US" altLang="zh-CN" sz="1500" dirty="0">
                 <a:latin typeface="微软雅黑 Light" panose="020B0502040204020203" pitchFamily="34" charset="-122"/>
                 <a:ea typeface="微软雅黑 Light" panose="020B0502040204020203" pitchFamily="34" charset="-122"/>
               </a:rPr>
@@ -9257,7 +8903,7 @@
               <a:buNone/>
             </a:pPr>
             <a:r>
-              <a:rPr lang="en-US" altLang="zh-CN" sz="1500" dirty="0" smtClean="0">
+              <a:rPr lang="en-US" altLang="zh-CN" sz="1500" dirty="0">
                 <a:latin typeface="微软雅黑 Light" panose="020B0502040204020203" pitchFamily="34" charset="-122"/>
                 <a:ea typeface="微软雅黑 Light" panose="020B0502040204020203" pitchFamily="34" charset="-122"/>
               </a:rPr>
@@ -9269,7 +8915,7 @@
               <a:buNone/>
             </a:pPr>
             <a:r>
-              <a:rPr lang="en-US" altLang="zh-CN" sz="1500" dirty="0" smtClean="0">
+              <a:rPr lang="en-US" altLang="zh-CN" sz="1500" dirty="0">
                 <a:latin typeface="微软雅黑 Light" panose="020B0502040204020203" pitchFamily="34" charset="-122"/>
                 <a:ea typeface="微软雅黑 Light" panose="020B0502040204020203" pitchFamily="34" charset="-122"/>
               </a:rPr>
@@ -9281,7 +8927,7 @@
               <a:buNone/>
             </a:pPr>
             <a:r>
-              <a:rPr lang="en-US" altLang="zh-CN" sz="1500" dirty="0" smtClean="0">
+              <a:rPr lang="en-US" altLang="zh-CN" sz="1500" dirty="0">
                 <a:latin typeface="微软雅黑 Light" panose="020B0502040204020203" pitchFamily="34" charset="-122"/>
                 <a:ea typeface="微软雅黑 Light" panose="020B0502040204020203" pitchFamily="34" charset="-122"/>
               </a:rPr>
@@ -9293,7 +8939,7 @@
               <a:buFont typeface="Arial" panose="020B0604020202020204" pitchFamily="34" charset="0"/>
               <a:buNone/>
             </a:pPr>
-            <a:endParaRPr lang="en-US" altLang="zh-CN" sz="1600" dirty="0" smtClean="0">
+            <a:endParaRPr lang="en-US" altLang="zh-CN" sz="1600" dirty="0">
               <a:latin typeface="微软雅黑 Light" panose="020B0502040204020203" pitchFamily="34" charset="-122"/>
               <a:ea typeface="微软雅黑 Light" panose="020B0502040204020203" pitchFamily="34" charset="-122"/>
             </a:endParaRPr>
@@ -9310,13 +8956,6 @@
   <p:clrMapOvr>
     <a:masterClrMapping/>
   </p:clrMapOvr>
-  <p:timing>
-    <p:tnLst>
-      <p:par>
-        <p:cTn id="1" dur="indefinite" restart="never" nodeType="tmRoot"/>
-      </p:par>
-    </p:tnLst>
-  </p:timing>
 </p:sld>
 </file>
 
@@ -9353,7 +8992,7 @@
           <a:lstStyle/>
           <a:p>
             <a:r>
-              <a:rPr lang="en-US" altLang="zh-CN" dirty="0" smtClean="0">
+              <a:rPr lang="en-US" altLang="zh-CN" dirty="0">
                 <a:latin typeface="微软雅黑 Light" panose="020B0502040204020203" pitchFamily="34" charset="-122"/>
                 <a:ea typeface="微软雅黑 Light" panose="020B0502040204020203" pitchFamily="34" charset="-122"/>
               </a:rPr>
@@ -9378,7 +9017,7 @@
           <a:lstStyle/>
           <a:p>
             <a:r>
-              <a:rPr lang="en-US" altLang="zh-CN" dirty="0" smtClean="0">
+              <a:rPr lang="en-US" altLang="zh-CN" dirty="0">
                 <a:latin typeface="微软雅黑 Light" panose="020B0502040204020203" pitchFamily="34" charset="-122"/>
                 <a:ea typeface="微软雅黑 Light" panose="020B0502040204020203" pitchFamily="34" charset="-122"/>
               </a:rPr>
@@ -9387,7 +9026,7 @@
           </a:p>
           <a:p>
             <a:r>
-              <a:rPr lang="en-US" altLang="zh-CN" dirty="0" smtClean="0">
+              <a:rPr lang="en-US" altLang="zh-CN" dirty="0">
                 <a:latin typeface="微软雅黑 Light" panose="020B0502040204020203" pitchFamily="34" charset="-122"/>
                 <a:ea typeface="微软雅黑 Light" panose="020B0502040204020203" pitchFamily="34" charset="-122"/>
               </a:rPr>
@@ -9400,14 +9039,7 @@
                 <a:latin typeface="微软雅黑 Light" panose="020B0502040204020203" pitchFamily="34" charset="-122"/>
                 <a:ea typeface="微软雅黑 Light" panose="020B0502040204020203" pitchFamily="34" charset="-122"/>
               </a:rPr>
-              <a:t>Preprocessor </a:t>
-            </a:r>
-            <a:r>
-              <a:rPr lang="en-US" altLang="zh-CN" dirty="0" smtClean="0">
-                <a:latin typeface="微软雅黑 Light" panose="020B0502040204020203" pitchFamily="34" charset="-122"/>
-                <a:ea typeface="微软雅黑 Light" panose="020B0502040204020203" pitchFamily="34" charset="-122"/>
-              </a:rPr>
-              <a:t>definitions</a:t>
+              <a:t>Preprocessor definitions</a:t>
             </a:r>
           </a:p>
           <a:p>
@@ -9435,25 +9067,25 @@
             </a:endParaRPr>
           </a:p>
           <a:p>
-            <a:endParaRPr lang="en-US" altLang="zh-CN" dirty="0" smtClean="0">
-              <a:latin typeface="微软雅黑 Light" panose="020B0502040204020203" pitchFamily="34" charset="-122"/>
-              <a:ea typeface="微软雅黑 Light" panose="020B0502040204020203" pitchFamily="34" charset="-122"/>
-            </a:endParaRPr>
-          </a:p>
-          <a:p>
             <a:endParaRPr lang="en-US" altLang="zh-CN" dirty="0">
               <a:latin typeface="微软雅黑 Light" panose="020B0502040204020203" pitchFamily="34" charset="-122"/>
               <a:ea typeface="微软雅黑 Light" panose="020B0502040204020203" pitchFamily="34" charset="-122"/>
             </a:endParaRPr>
           </a:p>
           <a:p>
-            <a:endParaRPr lang="en-US" altLang="zh-CN" dirty="0" smtClean="0">
-              <a:latin typeface="微软雅黑 Light" panose="020B0502040204020203" pitchFamily="34" charset="-122"/>
-              <a:ea typeface="微软雅黑 Light" panose="020B0502040204020203" pitchFamily="34" charset="-122"/>
-            </a:endParaRPr>
-          </a:p>
-          <a:p>
-            <a:endParaRPr lang="en-US" altLang="zh-CN" dirty="0" smtClean="0">
+            <a:endParaRPr lang="en-US" altLang="zh-CN" dirty="0">
+              <a:latin typeface="微软雅黑 Light" panose="020B0502040204020203" pitchFamily="34" charset="-122"/>
+              <a:ea typeface="微软雅黑 Light" panose="020B0502040204020203" pitchFamily="34" charset="-122"/>
+            </a:endParaRPr>
+          </a:p>
+          <a:p>
+            <a:endParaRPr lang="en-US" altLang="zh-CN" dirty="0">
+              <a:latin typeface="微软雅黑 Light" panose="020B0502040204020203" pitchFamily="34" charset="-122"/>
+              <a:ea typeface="微软雅黑 Light" panose="020B0502040204020203" pitchFamily="34" charset="-122"/>
+            </a:endParaRPr>
+          </a:p>
+          <a:p>
+            <a:endParaRPr lang="en-US" altLang="zh-CN" dirty="0">
               <a:latin typeface="微软雅黑 Light" panose="020B0502040204020203" pitchFamily="34" charset="-122"/>
               <a:ea typeface="微软雅黑 Light" panose="020B0502040204020203" pitchFamily="34" charset="-122"/>
             </a:endParaRPr>
@@ -9470,13 +9102,6 @@
   <p:clrMapOvr>
     <a:masterClrMapping/>
   </p:clrMapOvr>
-  <p:timing>
-    <p:tnLst>
-      <p:par>
-        <p:cTn id="1" dur="indefinite" restart="never" nodeType="tmRoot"/>
-      </p:par>
-    </p:tnLst>
-  </p:timing>
 </p:sld>
 </file>
 
@@ -9513,16 +9138,12 @@
           <a:lstStyle/>
           <a:p>
             <a:r>
-              <a:rPr lang="en-US" altLang="zh-CN" dirty="0" smtClean="0">
+              <a:rPr lang="en-US" altLang="zh-CN" dirty="0">
                 <a:latin typeface="微软雅黑 Light" panose="020B0502040204020203" pitchFamily="34" charset="-122"/>
                 <a:ea typeface="微软雅黑 Light" panose="020B0502040204020203" pitchFamily="34" charset="-122"/>
               </a:rPr>
               <a:t>1 Variables</a:t>
             </a:r>
-            <a:endParaRPr lang="en-US" altLang="zh-CN" dirty="0">
-              <a:latin typeface="微软雅黑 Light" panose="020B0502040204020203" pitchFamily="34" charset="-122"/>
-              <a:ea typeface="微软雅黑 Light" panose="020B0502040204020203" pitchFamily="34" charset="-122"/>
-            </a:endParaRPr>
           </a:p>
         </p:txBody>
       </p:sp>
@@ -9548,14 +9169,7 @@
                 <a:latin typeface="微软雅黑 Light" panose="020B0502040204020203" pitchFamily="34" charset="-122"/>
                 <a:ea typeface="微软雅黑 Light" panose="020B0502040204020203" pitchFamily="34" charset="-122"/>
               </a:rPr>
-              <a:t>Declaration of </a:t>
-            </a:r>
-            <a:r>
-              <a:rPr lang="en-US" altLang="zh-CN" dirty="0" smtClean="0">
-                <a:latin typeface="微软雅黑 Light" panose="020B0502040204020203" pitchFamily="34" charset="-122"/>
-                <a:ea typeface="微软雅黑 Light" panose="020B0502040204020203" pitchFamily="34" charset="-122"/>
-              </a:rPr>
-              <a:t>variables</a:t>
+              <a:t>Declaration of variables</a:t>
             </a:r>
           </a:p>
           <a:p>
@@ -9565,7 +9179,7 @@
             </a:endParaRPr>
           </a:p>
           <a:p>
-            <a:endParaRPr lang="en-US" altLang="zh-CN" dirty="0" smtClean="0">
+            <a:endParaRPr lang="en-US" altLang="zh-CN" dirty="0">
               <a:latin typeface="微软雅黑 Light" panose="020B0502040204020203" pitchFamily="34" charset="-122"/>
               <a:ea typeface="微软雅黑 Light" panose="020B0502040204020203" pitchFamily="34" charset="-122"/>
             </a:endParaRPr>
@@ -9593,25 +9207,18 @@
               <a:buNone/>
             </a:pPr>
             <a:r>
-              <a:rPr lang="en-US" altLang="zh-CN" sz="2400" dirty="0" smtClean="0">
+              <a:rPr lang="en-US" altLang="zh-CN" sz="2400" dirty="0">
                 <a:latin typeface="微软雅黑 Light" panose="020B0502040204020203" pitchFamily="34" charset="-122"/>
                 <a:ea typeface="微软雅黑 Light" panose="020B0502040204020203" pitchFamily="34" charset="-122"/>
               </a:rPr>
               <a:t>   </a:t>
             </a:r>
             <a:r>
-              <a:rPr lang="en-US" altLang="zh-CN" sz="2400" i="1" dirty="0" smtClean="0">
-                <a:latin typeface="微软雅黑 Light" panose="020B0502040204020203" pitchFamily="34" charset="-122"/>
-                <a:ea typeface="微软雅黑 Light" panose="020B0502040204020203" pitchFamily="34" charset="-122"/>
-              </a:rPr>
-              <a:t>type </a:t>
-            </a:r>
-            <a:r>
               <a:rPr lang="en-US" altLang="zh-CN" sz="2400" i="1" dirty="0">
                 <a:latin typeface="微软雅黑 Light" panose="020B0502040204020203" pitchFamily="34" charset="-122"/>
                 <a:ea typeface="微软雅黑 Light" panose="020B0502040204020203" pitchFamily="34" charset="-122"/>
               </a:rPr>
-              <a:t>identifier = </a:t>
+              <a:t>type identifier = </a:t>
             </a:r>
             <a:r>
               <a:rPr lang="en-US" altLang="zh-CN" sz="2400" i="1" dirty="0" err="1">
@@ -9633,7 +9240,7 @@
             </a:endParaRPr>
           </a:p>
           <a:p>
-            <a:endParaRPr lang="en-US" altLang="zh-CN" dirty="0" smtClean="0">
+            <a:endParaRPr lang="en-US" altLang="zh-CN" dirty="0">
               <a:latin typeface="微软雅黑 Light" panose="020B0502040204020203" pitchFamily="34" charset="-122"/>
               <a:ea typeface="微软雅黑 Light" panose="020B0502040204020203" pitchFamily="34" charset="-122"/>
             </a:endParaRPr>
@@ -9665,25 +9272,25 @@
             </a:endParaRPr>
           </a:p>
           <a:p>
-            <a:endParaRPr lang="en-US" altLang="zh-CN" dirty="0" smtClean="0">
-              <a:latin typeface="微软雅黑 Light" panose="020B0502040204020203" pitchFamily="34" charset="-122"/>
-              <a:ea typeface="微软雅黑 Light" panose="020B0502040204020203" pitchFamily="34" charset="-122"/>
-            </a:endParaRPr>
-          </a:p>
-          <a:p>
             <a:endParaRPr lang="en-US" altLang="zh-CN" dirty="0">
               <a:latin typeface="微软雅黑 Light" panose="020B0502040204020203" pitchFamily="34" charset="-122"/>
               <a:ea typeface="微软雅黑 Light" panose="020B0502040204020203" pitchFamily="34" charset="-122"/>
             </a:endParaRPr>
           </a:p>
           <a:p>
-            <a:endParaRPr lang="en-US" altLang="zh-CN" dirty="0" smtClean="0">
-              <a:latin typeface="微软雅黑 Light" panose="020B0502040204020203" pitchFamily="34" charset="-122"/>
-              <a:ea typeface="微软雅黑 Light" panose="020B0502040204020203" pitchFamily="34" charset="-122"/>
-            </a:endParaRPr>
-          </a:p>
-          <a:p>
-            <a:endParaRPr lang="en-US" altLang="zh-CN" dirty="0" smtClean="0">
+            <a:endParaRPr lang="en-US" altLang="zh-CN" dirty="0">
+              <a:latin typeface="微软雅黑 Light" panose="020B0502040204020203" pitchFamily="34" charset="-122"/>
+              <a:ea typeface="微软雅黑 Light" panose="020B0502040204020203" pitchFamily="34" charset="-122"/>
+            </a:endParaRPr>
+          </a:p>
+          <a:p>
+            <a:endParaRPr lang="en-US" altLang="zh-CN" dirty="0">
+              <a:latin typeface="微软雅黑 Light" panose="020B0502040204020203" pitchFamily="34" charset="-122"/>
+              <a:ea typeface="微软雅黑 Light" panose="020B0502040204020203" pitchFamily="34" charset="-122"/>
+            </a:endParaRPr>
+          </a:p>
+          <a:p>
+            <a:endParaRPr lang="en-US" altLang="zh-CN" dirty="0">
               <a:latin typeface="微软雅黑 Light" panose="020B0502040204020203" pitchFamily="34" charset="-122"/>
               <a:ea typeface="微软雅黑 Light" panose="020B0502040204020203" pitchFamily="34" charset="-122"/>
             </a:endParaRPr>
@@ -9748,13 +9355,6 @@
   <p:clrMapOvr>
     <a:masterClrMapping/>
   </p:clrMapOvr>
-  <p:timing>
-    <p:tnLst>
-      <p:par>
-        <p:cTn id="1" dur="indefinite" restart="never" nodeType="tmRoot"/>
-      </p:par>
-    </p:tnLst>
-  </p:timing>
 </p:sld>
 </file>
 
@@ -9791,16 +9391,12 @@
           <a:lstStyle/>
           <a:p>
             <a:r>
-              <a:rPr lang="en-US" altLang="zh-CN" dirty="0" smtClean="0">
+              <a:rPr lang="en-US" altLang="zh-CN" dirty="0">
                 <a:latin typeface="微软雅黑 Light" panose="020B0502040204020203" pitchFamily="34" charset="-122"/>
                 <a:ea typeface="微软雅黑 Light" panose="020B0502040204020203" pitchFamily="34" charset="-122"/>
               </a:rPr>
               <a:t>1 Variables</a:t>
             </a:r>
-            <a:endParaRPr lang="en-US" altLang="zh-CN" dirty="0">
-              <a:latin typeface="微软雅黑 Light" panose="020B0502040204020203" pitchFamily="34" charset="-122"/>
-              <a:ea typeface="微软雅黑 Light" panose="020B0502040204020203" pitchFamily="34" charset="-122"/>
-            </a:endParaRPr>
           </a:p>
         </p:txBody>
       </p:sp>
@@ -9822,14 +9418,14 @@
           <a:lstStyle/>
           <a:p>
             <a:r>
-              <a:rPr lang="en-US" altLang="zh-CN" dirty="0" smtClean="0">
+              <a:rPr lang="en-US" altLang="zh-CN" dirty="0">
                 <a:latin typeface="微软雅黑 Light" panose="020B0502040204020203" pitchFamily="34" charset="-122"/>
                 <a:ea typeface="微软雅黑 Light" panose="020B0502040204020203" pitchFamily="34" charset="-122"/>
               </a:rPr>
               <a:t>Types:  basic type -  integer and </a:t>
             </a:r>
             <a:r>
-              <a:rPr lang="en-US" altLang="zh-CN" sz="2600" dirty="0" smtClean="0">
+              <a:rPr lang="en-US" altLang="zh-CN" sz="2600" dirty="0">
                 <a:latin typeface="微软雅黑 Light" panose="020B0502040204020203" pitchFamily="34" charset="-122"/>
                 <a:ea typeface="微软雅黑 Light" panose="020B0502040204020203" pitchFamily="34" charset="-122"/>
               </a:rPr>
@@ -9841,12 +9437,6 @@
             </a:endParaRPr>
           </a:p>
           <a:p>
-            <a:endParaRPr lang="en-US" altLang="zh-CN" dirty="0" smtClean="0">
-              <a:latin typeface="微软雅黑 Light" panose="020B0502040204020203" pitchFamily="34" charset="-122"/>
-              <a:ea typeface="微软雅黑 Light" panose="020B0502040204020203" pitchFamily="34" charset="-122"/>
-            </a:endParaRPr>
-          </a:p>
-          <a:p>
             <a:endParaRPr lang="en-US" altLang="zh-CN" dirty="0">
               <a:latin typeface="微软雅黑 Light" panose="020B0502040204020203" pitchFamily="34" charset="-122"/>
               <a:ea typeface="微软雅黑 Light" panose="020B0502040204020203" pitchFamily="34" charset="-122"/>
@@ -9859,19 +9449,25 @@
             </a:endParaRPr>
           </a:p>
           <a:p>
-            <a:endParaRPr lang="en-US" altLang="zh-CN" dirty="0" smtClean="0">
-              <a:latin typeface="微软雅黑 Light" panose="020B0502040204020203" pitchFamily="34" charset="-122"/>
-              <a:ea typeface="微软雅黑 Light" panose="020B0502040204020203" pitchFamily="34" charset="-122"/>
-            </a:endParaRPr>
-          </a:p>
-          <a:p>
             <a:endParaRPr lang="en-US" altLang="zh-CN" dirty="0">
               <a:latin typeface="微软雅黑 Light" panose="020B0502040204020203" pitchFamily="34" charset="-122"/>
               <a:ea typeface="微软雅黑 Light" panose="020B0502040204020203" pitchFamily="34" charset="-122"/>
             </a:endParaRPr>
           </a:p>
           <a:p>
-            <a:endParaRPr lang="en-US" altLang="zh-CN" dirty="0" smtClean="0">
+            <a:endParaRPr lang="en-US" altLang="zh-CN" dirty="0">
+              <a:latin typeface="微软雅黑 Light" panose="020B0502040204020203" pitchFamily="34" charset="-122"/>
+              <a:ea typeface="微软雅黑 Light" panose="020B0502040204020203" pitchFamily="34" charset="-122"/>
+            </a:endParaRPr>
+          </a:p>
+          <a:p>
+            <a:endParaRPr lang="en-US" altLang="zh-CN" dirty="0">
+              <a:latin typeface="微软雅黑 Light" panose="020B0502040204020203" pitchFamily="34" charset="-122"/>
+              <a:ea typeface="微软雅黑 Light" panose="020B0502040204020203" pitchFamily="34" charset="-122"/>
+            </a:endParaRPr>
+          </a:p>
+          <a:p>
+            <a:endParaRPr lang="en-US" altLang="zh-CN" dirty="0">
               <a:latin typeface="微软雅黑 Light" panose="020B0502040204020203" pitchFamily="34" charset="-122"/>
               <a:ea typeface="微软雅黑 Light" panose="020B0502040204020203" pitchFamily="34" charset="-122"/>
             </a:endParaRPr>
@@ -9880,7 +9476,7 @@
             <a:pPr marL="0" indent="0">
               <a:buNone/>
             </a:pPr>
-            <a:endParaRPr lang="en-US" altLang="zh-CN" dirty="0" smtClean="0">
+            <a:endParaRPr lang="en-US" altLang="zh-CN" dirty="0">
               <a:latin typeface="微软雅黑 Light" panose="020B0502040204020203" pitchFamily="34" charset="-122"/>
               <a:ea typeface="微软雅黑 Light" panose="020B0502040204020203" pitchFamily="34" charset="-122"/>
             </a:endParaRPr>
@@ -9945,13 +9541,6 @@
   <p:clrMapOvr>
     <a:masterClrMapping/>
   </p:clrMapOvr>
-  <p:timing>
-    <p:tnLst>
-      <p:par>
-        <p:cTn id="1" dur="indefinite" restart="never" nodeType="tmRoot"/>
-      </p:par>
-    </p:tnLst>
-  </p:timing>
 </p:sld>
 </file>
 
@@ -10013,25 +9602,11 @@
           <a:lstStyle/>
           <a:p>
             <a:r>
-              <a:rPr lang="en-US" altLang="zh-CN" dirty="0" smtClean="0">
-                <a:latin typeface="微软雅黑 Light" panose="020B0502040204020203" pitchFamily="34" charset="-122"/>
-                <a:ea typeface="微软雅黑 Light" panose="020B0502040204020203" pitchFamily="34" charset="-122"/>
-              </a:rPr>
-              <a:t>Constants </a:t>
-            </a:r>
-            <a:r>
-              <a:rPr lang="en-US" altLang="zh-CN" dirty="0">
-                <a:latin typeface="微软雅黑 Light" panose="020B0502040204020203" pitchFamily="34" charset="-122"/>
-                <a:ea typeface="微软雅黑 Light" panose="020B0502040204020203" pitchFamily="34" charset="-122"/>
-              </a:rPr>
-              <a:t>refer to fixed values that the program may not alter during its execution. These fixed values are also called literals</a:t>
-            </a:r>
-            <a:r>
-              <a:rPr lang="en-US" altLang="zh-CN" dirty="0" smtClean="0">
-                <a:latin typeface="微软雅黑 Light" panose="020B0502040204020203" pitchFamily="34" charset="-122"/>
-                <a:ea typeface="微软雅黑 Light" panose="020B0502040204020203" pitchFamily="34" charset="-122"/>
-              </a:rPr>
-              <a:t>.</a:t>
+              <a:rPr lang="en-US" altLang="zh-CN" dirty="0">
+                <a:latin typeface="微软雅黑 Light" panose="020B0502040204020203" pitchFamily="34" charset="-122"/>
+                <a:ea typeface="微软雅黑 Light" panose="020B0502040204020203" pitchFamily="34" charset="-122"/>
+              </a:rPr>
+              <a:t>Constants refer to fixed values that the program may not alter during its execution. These fixed values are also called literals.</a:t>
             </a:r>
           </a:p>
           <a:p>
@@ -10041,31 +9616,31 @@
             </a:endParaRPr>
           </a:p>
           <a:p>
-            <a:endParaRPr lang="en-US" altLang="zh-CN" dirty="0" smtClean="0">
-              <a:latin typeface="微软雅黑 Light" panose="020B0502040204020203" pitchFamily="34" charset="-122"/>
-              <a:ea typeface="微软雅黑 Light" panose="020B0502040204020203" pitchFamily="34" charset="-122"/>
-            </a:endParaRPr>
-          </a:p>
-          <a:p>
-            <a:endParaRPr lang="en-US" altLang="zh-CN" dirty="0" smtClean="0">
-              <a:latin typeface="微软雅黑 Light" panose="020B0502040204020203" pitchFamily="34" charset="-122"/>
-              <a:ea typeface="微软雅黑 Light" panose="020B0502040204020203" pitchFamily="34" charset="-122"/>
-            </a:endParaRPr>
-          </a:p>
-          <a:p>
             <a:endParaRPr lang="en-US" altLang="zh-CN" dirty="0">
               <a:latin typeface="微软雅黑 Light" panose="020B0502040204020203" pitchFamily="34" charset="-122"/>
               <a:ea typeface="微软雅黑 Light" panose="020B0502040204020203" pitchFamily="34" charset="-122"/>
             </a:endParaRPr>
           </a:p>
           <a:p>
-            <a:endParaRPr lang="en-US" altLang="zh-CN" dirty="0" smtClean="0">
-              <a:latin typeface="微软雅黑 Light" panose="020B0502040204020203" pitchFamily="34" charset="-122"/>
-              <a:ea typeface="微软雅黑 Light" panose="020B0502040204020203" pitchFamily="34" charset="-122"/>
-            </a:endParaRPr>
-          </a:p>
-          <a:p>
-            <a:endParaRPr lang="en-US" altLang="zh-CN" dirty="0" smtClean="0">
+            <a:endParaRPr lang="en-US" altLang="zh-CN" dirty="0">
+              <a:latin typeface="微软雅黑 Light" panose="020B0502040204020203" pitchFamily="34" charset="-122"/>
+              <a:ea typeface="微软雅黑 Light" panose="020B0502040204020203" pitchFamily="34" charset="-122"/>
+            </a:endParaRPr>
+          </a:p>
+          <a:p>
+            <a:endParaRPr lang="en-US" altLang="zh-CN" dirty="0">
+              <a:latin typeface="微软雅黑 Light" panose="020B0502040204020203" pitchFamily="34" charset="-122"/>
+              <a:ea typeface="微软雅黑 Light" panose="020B0502040204020203" pitchFamily="34" charset="-122"/>
+            </a:endParaRPr>
+          </a:p>
+          <a:p>
+            <a:endParaRPr lang="en-US" altLang="zh-CN" dirty="0">
+              <a:latin typeface="微软雅黑 Light" panose="020B0502040204020203" pitchFamily="34" charset="-122"/>
+              <a:ea typeface="微软雅黑 Light" panose="020B0502040204020203" pitchFamily="34" charset="-122"/>
+            </a:endParaRPr>
+          </a:p>
+          <a:p>
+            <a:endParaRPr lang="en-US" altLang="zh-CN" dirty="0">
               <a:latin typeface="微软雅黑 Light" panose="020B0502040204020203" pitchFamily="34" charset="-122"/>
               <a:ea typeface="微软雅黑 Light" panose="020B0502040204020203" pitchFamily="34" charset="-122"/>
             </a:endParaRPr>
@@ -10178,13 +9753,6 @@
   <p:clrMapOvr>
     <a:masterClrMapping/>
   </p:clrMapOvr>
-  <p:timing>
-    <p:tnLst>
-      <p:par>
-        <p:cTn id="1" dur="indefinite" restart="never" nodeType="tmRoot"/>
-      </p:par>
-    </p:tnLst>
-  </p:timing>
 </p:sld>
 </file>
 
@@ -10246,7 +9814,7 @@
           <a:lstStyle/>
           <a:p>
             <a:r>
-              <a:rPr lang="en-US" altLang="zh-CN" dirty="0" smtClean="0">
+              <a:rPr lang="en-US" altLang="zh-CN" dirty="0">
                 <a:latin typeface="微软雅黑 Light" panose="020B0502040204020203" pitchFamily="34" charset="-122"/>
                 <a:ea typeface="微软雅黑 Light" panose="020B0502040204020203" pitchFamily="34" charset="-122"/>
               </a:rPr>
@@ -10258,7 +9826,7 @@
               <a:buNone/>
             </a:pPr>
             <a:r>
-              <a:rPr lang="en-US" altLang="zh-CN" dirty="0" smtClean="0">
+              <a:rPr lang="en-US" altLang="zh-CN" dirty="0">
                 <a:latin typeface="微软雅黑 Light" panose="020B0502040204020203" pitchFamily="34" charset="-122"/>
                 <a:ea typeface="微软雅黑 Light" panose="020B0502040204020203" pitchFamily="34" charset="-122"/>
               </a:rPr>
@@ -10312,31 +9880,31 @@
             </a:endParaRPr>
           </a:p>
           <a:p>
-            <a:endParaRPr lang="en-US" altLang="zh-CN" dirty="0" smtClean="0">
-              <a:latin typeface="微软雅黑 Light" panose="020B0502040204020203" pitchFamily="34" charset="-122"/>
-              <a:ea typeface="微软雅黑 Light" panose="020B0502040204020203" pitchFamily="34" charset="-122"/>
-            </a:endParaRPr>
-          </a:p>
-          <a:p>
-            <a:endParaRPr lang="en-US" altLang="zh-CN" dirty="0" smtClean="0">
-              <a:latin typeface="微软雅黑 Light" panose="020B0502040204020203" pitchFamily="34" charset="-122"/>
-              <a:ea typeface="微软雅黑 Light" panose="020B0502040204020203" pitchFamily="34" charset="-122"/>
-            </a:endParaRPr>
-          </a:p>
-          <a:p>
             <a:endParaRPr lang="en-US" altLang="zh-CN" dirty="0">
               <a:latin typeface="微软雅黑 Light" panose="020B0502040204020203" pitchFamily="34" charset="-122"/>
               <a:ea typeface="微软雅黑 Light" panose="020B0502040204020203" pitchFamily="34" charset="-122"/>
             </a:endParaRPr>
           </a:p>
           <a:p>
-            <a:endParaRPr lang="en-US" altLang="zh-CN" dirty="0" smtClean="0">
-              <a:latin typeface="微软雅黑 Light" panose="020B0502040204020203" pitchFamily="34" charset="-122"/>
-              <a:ea typeface="微软雅黑 Light" panose="020B0502040204020203" pitchFamily="34" charset="-122"/>
-            </a:endParaRPr>
-          </a:p>
-          <a:p>
-            <a:endParaRPr lang="en-US" altLang="zh-CN" dirty="0" smtClean="0">
+            <a:endParaRPr lang="en-US" altLang="zh-CN" dirty="0">
+              <a:latin typeface="微软雅黑 Light" panose="020B0502040204020203" pitchFamily="34" charset="-122"/>
+              <a:ea typeface="微软雅黑 Light" panose="020B0502040204020203" pitchFamily="34" charset="-122"/>
+            </a:endParaRPr>
+          </a:p>
+          <a:p>
+            <a:endParaRPr lang="en-US" altLang="zh-CN" dirty="0">
+              <a:latin typeface="微软雅黑 Light" panose="020B0502040204020203" pitchFamily="34" charset="-122"/>
+              <a:ea typeface="微软雅黑 Light" panose="020B0502040204020203" pitchFamily="34" charset="-122"/>
+            </a:endParaRPr>
+          </a:p>
+          <a:p>
+            <a:endParaRPr lang="en-US" altLang="zh-CN" dirty="0">
+              <a:latin typeface="微软雅黑 Light" panose="020B0502040204020203" pitchFamily="34" charset="-122"/>
+              <a:ea typeface="微软雅黑 Light" panose="020B0502040204020203" pitchFamily="34" charset="-122"/>
+            </a:endParaRPr>
+          </a:p>
+          <a:p>
+            <a:endParaRPr lang="en-US" altLang="zh-CN" dirty="0">
               <a:latin typeface="微软雅黑 Light" panose="020B0502040204020203" pitchFamily="34" charset="-122"/>
               <a:ea typeface="微软雅黑 Light" panose="020B0502040204020203" pitchFamily="34" charset="-122"/>
             </a:endParaRPr>
@@ -10377,13 +9945,6 @@
   <p:clrMapOvr>
     <a:masterClrMapping/>
   </p:clrMapOvr>
-  <p:timing>
-    <p:tnLst>
-      <p:par>
-        <p:cTn id="1" dur="indefinite" restart="never" nodeType="tmRoot"/>
-      </p:par>
-    </p:tnLst>
-  </p:timing>
 </p:sld>
 </file>
 
@@ -10445,7 +10006,7 @@
           <a:lstStyle/>
           <a:p>
             <a:r>
-              <a:rPr lang="en-US" altLang="zh-CN" dirty="0" smtClean="0">
+              <a:rPr lang="en-US" altLang="zh-CN" dirty="0">
                 <a:latin typeface="微软雅黑 Light" panose="020B0502040204020203" pitchFamily="34" charset="-122"/>
                 <a:ea typeface="微软雅黑 Light" panose="020B0502040204020203" pitchFamily="34" charset="-122"/>
               </a:rPr>
@@ -10457,7 +10018,7 @@
               <a:buNone/>
             </a:pPr>
             <a:r>
-              <a:rPr lang="en-US" altLang="zh-CN" dirty="0" smtClean="0">
+              <a:rPr lang="en-US" altLang="zh-CN" dirty="0">
                 <a:latin typeface="微软雅黑 Light" panose="020B0502040204020203" pitchFamily="34" charset="-122"/>
                 <a:ea typeface="微软雅黑 Light" panose="020B0502040204020203" pitchFamily="34" charset="-122"/>
               </a:rPr>
@@ -10511,31 +10072,31 @@
             </a:endParaRPr>
           </a:p>
           <a:p>
-            <a:endParaRPr lang="en-US" altLang="zh-CN" dirty="0" smtClean="0">
-              <a:latin typeface="微软雅黑 Light" panose="020B0502040204020203" pitchFamily="34" charset="-122"/>
-              <a:ea typeface="微软雅黑 Light" panose="020B0502040204020203" pitchFamily="34" charset="-122"/>
-            </a:endParaRPr>
-          </a:p>
-          <a:p>
-            <a:endParaRPr lang="en-US" altLang="zh-CN" dirty="0" smtClean="0">
-              <a:latin typeface="微软雅黑 Light" panose="020B0502040204020203" pitchFamily="34" charset="-122"/>
-              <a:ea typeface="微软雅黑 Light" panose="020B0502040204020203" pitchFamily="34" charset="-122"/>
-            </a:endParaRPr>
-          </a:p>
-          <a:p>
             <a:endParaRPr lang="en-US" altLang="zh-CN" dirty="0">
               <a:latin typeface="微软雅黑 Light" panose="020B0502040204020203" pitchFamily="34" charset="-122"/>
               <a:ea typeface="微软雅黑 Light" panose="020B0502040204020203" pitchFamily="34" charset="-122"/>
             </a:endParaRPr>
           </a:p>
           <a:p>
-            <a:endParaRPr lang="en-US" altLang="zh-CN" dirty="0" smtClean="0">
-              <a:latin typeface="微软雅黑 Light" panose="020B0502040204020203" pitchFamily="34" charset="-122"/>
-              <a:ea typeface="微软雅黑 Light" panose="020B0502040204020203" pitchFamily="34" charset="-122"/>
-            </a:endParaRPr>
-          </a:p>
-          <a:p>
-            <a:endParaRPr lang="en-US" altLang="zh-CN" dirty="0" smtClean="0">
+            <a:endParaRPr lang="en-US" altLang="zh-CN" dirty="0">
+              <a:latin typeface="微软雅黑 Light" panose="020B0502040204020203" pitchFamily="34" charset="-122"/>
+              <a:ea typeface="微软雅黑 Light" panose="020B0502040204020203" pitchFamily="34" charset="-122"/>
+            </a:endParaRPr>
+          </a:p>
+          <a:p>
+            <a:endParaRPr lang="en-US" altLang="zh-CN" dirty="0">
+              <a:latin typeface="微软雅黑 Light" panose="020B0502040204020203" pitchFamily="34" charset="-122"/>
+              <a:ea typeface="微软雅黑 Light" panose="020B0502040204020203" pitchFamily="34" charset="-122"/>
+            </a:endParaRPr>
+          </a:p>
+          <a:p>
+            <a:endParaRPr lang="en-US" altLang="zh-CN" dirty="0">
+              <a:latin typeface="微软雅黑 Light" panose="020B0502040204020203" pitchFamily="34" charset="-122"/>
+              <a:ea typeface="微软雅黑 Light" panose="020B0502040204020203" pitchFamily="34" charset="-122"/>
+            </a:endParaRPr>
+          </a:p>
+          <a:p>
+            <a:endParaRPr lang="en-US" altLang="zh-CN" dirty="0">
               <a:latin typeface="微软雅黑 Light" panose="020B0502040204020203" pitchFamily="34" charset="-122"/>
               <a:ea typeface="微软雅黑 Light" panose="020B0502040204020203" pitchFamily="34" charset="-122"/>
             </a:endParaRPr>
@@ -10600,13 +10161,6 @@
   <p:clrMapOvr>
     <a:masterClrMapping/>
   </p:clrMapOvr>
-  <p:timing>
-    <p:tnLst>
-      <p:par>
-        <p:cTn id="1" dur="indefinite" restart="never" nodeType="tmRoot"/>
-      </p:par>
-    </p:tnLst>
-  </p:timing>
 </p:sld>
 </file>
 
